--- a/20240722_WFM_숭실대.pptx
+++ b/20240722_WFM_숭실대.pptx
@@ -7,46 +7,43 @@
     <p:sldMasterId id="2147483772" r:id="rId3"/>
   </p:sldMasterIdLst>
   <p:notesMasterIdLst>
-    <p:notesMasterId r:id="rId38"/>
+    <p:notesMasterId r:id="rId35"/>
   </p:notesMasterIdLst>
   <p:handoutMasterIdLst>
-    <p:handoutMasterId r:id="rId39"/>
+    <p:handoutMasterId r:id="rId36"/>
   </p:handoutMasterIdLst>
   <p:sldIdLst>
     <p:sldId id="269" r:id="rId4"/>
     <p:sldId id="575" r:id="rId5"/>
-    <p:sldId id="585" r:id="rId6"/>
-    <p:sldId id="586" r:id="rId7"/>
-    <p:sldId id="654" r:id="rId8"/>
-    <p:sldId id="587" r:id="rId9"/>
-    <p:sldId id="628" r:id="rId10"/>
-    <p:sldId id="643" r:id="rId11"/>
-    <p:sldId id="559" r:id="rId12"/>
-    <p:sldId id="592" r:id="rId13"/>
-    <p:sldId id="550" r:id="rId14"/>
-    <p:sldId id="629" r:id="rId15"/>
-    <p:sldId id="630" r:id="rId16"/>
-    <p:sldId id="631" r:id="rId17"/>
-    <p:sldId id="640" r:id="rId18"/>
-    <p:sldId id="596" r:id="rId19"/>
-    <p:sldId id="597" r:id="rId20"/>
-    <p:sldId id="598" r:id="rId21"/>
-    <p:sldId id="546" r:id="rId22"/>
-    <p:sldId id="528" r:id="rId23"/>
-    <p:sldId id="566" r:id="rId24"/>
-    <p:sldId id="535" r:id="rId25"/>
-    <p:sldId id="599" r:id="rId26"/>
-    <p:sldId id="600" r:id="rId27"/>
-    <p:sldId id="655" r:id="rId28"/>
-    <p:sldId id="651" r:id="rId29"/>
-    <p:sldId id="653" r:id="rId30"/>
-    <p:sldId id="652" r:id="rId31"/>
-    <p:sldId id="536" r:id="rId32"/>
-    <p:sldId id="580" r:id="rId33"/>
-    <p:sldId id="581" r:id="rId34"/>
-    <p:sldId id="611" r:id="rId35"/>
-    <p:sldId id="627" r:id="rId36"/>
-    <p:sldId id="641" r:id="rId37"/>
+    <p:sldId id="586" r:id="rId6"/>
+    <p:sldId id="654" r:id="rId7"/>
+    <p:sldId id="587" r:id="rId8"/>
+    <p:sldId id="628" r:id="rId9"/>
+    <p:sldId id="643" r:id="rId10"/>
+    <p:sldId id="559" r:id="rId11"/>
+    <p:sldId id="592" r:id="rId12"/>
+    <p:sldId id="550" r:id="rId13"/>
+    <p:sldId id="629" r:id="rId14"/>
+    <p:sldId id="630" r:id="rId15"/>
+    <p:sldId id="640" r:id="rId16"/>
+    <p:sldId id="596" r:id="rId17"/>
+    <p:sldId id="597" r:id="rId18"/>
+    <p:sldId id="546" r:id="rId19"/>
+    <p:sldId id="528" r:id="rId20"/>
+    <p:sldId id="566" r:id="rId21"/>
+    <p:sldId id="535" r:id="rId22"/>
+    <p:sldId id="599" r:id="rId23"/>
+    <p:sldId id="600" r:id="rId24"/>
+    <p:sldId id="655" r:id="rId25"/>
+    <p:sldId id="651" r:id="rId26"/>
+    <p:sldId id="653" r:id="rId27"/>
+    <p:sldId id="652" r:id="rId28"/>
+    <p:sldId id="536" r:id="rId29"/>
+    <p:sldId id="580" r:id="rId30"/>
+    <p:sldId id="581" r:id="rId31"/>
+    <p:sldId id="611" r:id="rId32"/>
+    <p:sldId id="627" r:id="rId33"/>
+    <p:sldId id="641" r:id="rId34"/>
   </p:sldIdLst>
   <p:sldSz cx="9906000" cy="6858000" type="A4"/>
   <p:notesSz cx="6735763" cy="9866313"/>
@@ -152,7 +149,6 @@
           <p14:sldIdLst>
             <p14:sldId id="269"/>
             <p14:sldId id="575"/>
-            <p14:sldId id="585"/>
             <p14:sldId id="586"/>
             <p14:sldId id="654"/>
             <p14:sldId id="587"/>
@@ -163,11 +159,9 @@
             <p14:sldId id="550"/>
             <p14:sldId id="629"/>
             <p14:sldId id="630"/>
-            <p14:sldId id="631"/>
             <p14:sldId id="640"/>
             <p14:sldId id="596"/>
             <p14:sldId id="597"/>
-            <p14:sldId id="598"/>
             <p14:sldId id="546"/>
             <p14:sldId id="528"/>
             <p14:sldId id="566"/>
@@ -351,7 +345,7 @@
           <a:p>
             <a:fld id="{46F42610-14FF-4B40-B4B6-786DE4FB8FEA}" type="datetime1">
               <a:rPr lang="ko-KR" altLang="en-US" smtClean="0"/>
-              <a:t>2024-07-19</a:t>
+              <a:t>2024-07-21</a:t>
             </a:fld>
             <a:endParaRPr lang="ko-KR" altLang="en-US"/>
           </a:p>
@@ -517,7 +511,7 @@
           <a:p>
             <a:fld id="{513A899E-F476-4791-9F16-0B14047B11F2}" type="datetime1">
               <a:rPr lang="ko-KR" altLang="en-US" smtClean="0"/>
-              <a:t>2024-07-19</a:t>
+              <a:t>2024-07-21</a:t>
             </a:fld>
             <a:endParaRPr lang="ko-KR" altLang="en-US"/>
           </a:p>
@@ -983,7 +977,7 @@
           <a:p>
             <a:fld id="{D5BB7A41-6D90-4371-844A-87EC379C3D06}" type="datetimeFigureOut">
               <a:rPr lang="ko-KR" altLang="en-US" smtClean="0"/>
-              <a:t>2024-07-19</a:t>
+              <a:t>2024-07-21</a:t>
             </a:fld>
             <a:endParaRPr lang="ko-KR" altLang="en-US"/>
           </a:p>
@@ -1324,7 +1318,7 @@
             <a:fld id="{1D8BD707-D9CF-40AE-B4C6-C98DA3205C09}" type="datetimeFigureOut">
               <a:rPr lang="en-US" smtClean="0"/>
               <a:pPr defTabSz="914400" latinLnBrk="0"/>
-              <a:t>7/19/2024</a:t>
+              <a:t>7/21/2024</a:t>
             </a:fld>
             <a:endParaRPr lang="en-US"/>
           </a:p>
@@ -1532,7 +1526,7 @@
             <a:fld id="{1D8BD707-D9CF-40AE-B4C6-C98DA3205C09}" type="datetimeFigureOut">
               <a:rPr lang="en-US" smtClean="0"/>
               <a:pPr defTabSz="914400" latinLnBrk="0"/>
-              <a:t>7/19/2024</a:t>
+              <a:t>7/21/2024</a:t>
             </a:fld>
             <a:endParaRPr lang="en-US"/>
           </a:p>
@@ -1790,7 +1784,7 @@
             <a:fld id="{1D8BD707-D9CF-40AE-B4C6-C98DA3205C09}" type="datetimeFigureOut">
               <a:rPr lang="en-US" smtClean="0"/>
               <a:pPr defTabSz="914400" latinLnBrk="0"/>
-              <a:t>7/19/2024</a:t>
+              <a:t>7/21/2024</a:t>
             </a:fld>
             <a:endParaRPr lang="en-US"/>
           </a:p>
@@ -2117,7 +2111,7 @@
             <a:fld id="{1D8BD707-D9CF-40AE-B4C6-C98DA3205C09}" type="datetimeFigureOut">
               <a:rPr lang="en-US" smtClean="0"/>
               <a:pPr defTabSz="914400" latinLnBrk="0"/>
-              <a:t>7/19/2024</a:t>
+              <a:t>7/21/2024</a:t>
             </a:fld>
             <a:endParaRPr lang="en-US"/>
           </a:p>
@@ -2593,7 +2587,7 @@
             <a:fld id="{1D8BD707-D9CF-40AE-B4C6-C98DA3205C09}" type="datetimeFigureOut">
               <a:rPr lang="en-US" smtClean="0"/>
               <a:pPr defTabSz="914400" latinLnBrk="0"/>
-              <a:t>7/19/2024</a:t>
+              <a:t>7/21/2024</a:t>
             </a:fld>
             <a:endParaRPr lang="en-US"/>
           </a:p>
@@ -2750,7 +2744,7 @@
             <a:fld id="{1D8BD707-D9CF-40AE-B4C6-C98DA3205C09}" type="datetimeFigureOut">
               <a:rPr lang="en-US" smtClean="0"/>
               <a:pPr defTabSz="914400" latinLnBrk="0"/>
-              <a:t>7/19/2024</a:t>
+              <a:t>7/21/2024</a:t>
             </a:fld>
             <a:endParaRPr lang="en-US"/>
           </a:p>
@@ -2850,7 +2844,7 @@
             <a:fld id="{1D8BD707-D9CF-40AE-B4C6-C98DA3205C09}" type="datetimeFigureOut">
               <a:rPr lang="en-US" smtClean="0"/>
               <a:pPr defTabSz="914400" latinLnBrk="0"/>
-              <a:t>7/19/2024</a:t>
+              <a:t>7/21/2024</a:t>
             </a:fld>
             <a:endParaRPr lang="en-US"/>
           </a:p>
@@ -3008,7 +3002,7 @@
           <a:p>
             <a:fld id="{D5BB7A41-6D90-4371-844A-87EC379C3D06}" type="datetimeFigureOut">
               <a:rPr lang="ko-KR" altLang="en-US" smtClean="0"/>
-              <a:t>2024-07-19</a:t>
+              <a:t>2024-07-21</a:t>
             </a:fld>
             <a:endParaRPr lang="ko-KR" altLang="en-US"/>
           </a:p>
@@ -3289,7 +3283,7 @@
             <a:fld id="{1D8BD707-D9CF-40AE-B4C6-C98DA3205C09}" type="datetimeFigureOut">
               <a:rPr lang="en-US" smtClean="0"/>
               <a:pPr defTabSz="914400" latinLnBrk="0"/>
-              <a:t>7/19/2024</a:t>
+              <a:t>7/21/2024</a:t>
             </a:fld>
             <a:endParaRPr lang="en-US"/>
           </a:p>
@@ -3604,7 +3598,7 @@
             <a:fld id="{1D8BD707-D9CF-40AE-B4C6-C98DA3205C09}" type="datetimeFigureOut">
               <a:rPr lang="en-US" smtClean="0"/>
               <a:pPr defTabSz="914400" latinLnBrk="0"/>
-              <a:t>7/19/2024</a:t>
+              <a:t>7/21/2024</a:t>
             </a:fld>
             <a:endParaRPr lang="en-US"/>
           </a:p>
@@ -3777,7 +3771,7 @@
             <a:fld id="{1D8BD707-D9CF-40AE-B4C6-C98DA3205C09}" type="datetimeFigureOut">
               <a:rPr lang="en-US" smtClean="0"/>
               <a:pPr defTabSz="914400" latinLnBrk="0"/>
-              <a:t>7/19/2024</a:t>
+              <a:t>7/21/2024</a:t>
             </a:fld>
             <a:endParaRPr lang="en-US"/>
           </a:p>
@@ -3962,7 +3956,7 @@
             <a:fld id="{1D8BD707-D9CF-40AE-B4C6-C98DA3205C09}" type="datetimeFigureOut">
               <a:rPr lang="en-US" smtClean="0"/>
               <a:pPr defTabSz="914400" latinLnBrk="0"/>
-              <a:t>7/19/2024</a:t>
+              <a:t>7/21/2024</a:t>
             </a:fld>
             <a:endParaRPr lang="en-US"/>
           </a:p>
@@ -4216,7 +4210,7 @@
             <a:fld id="{1D8BD707-D9CF-40AE-B4C6-C98DA3205C09}" type="datetimeFigureOut">
               <a:rPr lang="en-US" smtClean="0"/>
               <a:pPr defTabSz="914400" latinLnBrk="0"/>
-              <a:t>7/19/2024</a:t>
+              <a:t>7/21/2024</a:t>
             </a:fld>
             <a:endParaRPr lang="en-US"/>
           </a:p>
@@ -4424,7 +4418,7 @@
             <a:fld id="{1D8BD707-D9CF-40AE-B4C6-C98DA3205C09}" type="datetimeFigureOut">
               <a:rPr lang="en-US" smtClean="0"/>
               <a:pPr defTabSz="914400" latinLnBrk="0"/>
-              <a:t>7/19/2024</a:t>
+              <a:t>7/21/2024</a:t>
             </a:fld>
             <a:endParaRPr lang="en-US"/>
           </a:p>
@@ -4682,7 +4676,7 @@
             <a:fld id="{1D8BD707-D9CF-40AE-B4C6-C98DA3205C09}" type="datetimeFigureOut">
               <a:rPr lang="en-US" smtClean="0"/>
               <a:pPr defTabSz="914400" latinLnBrk="0"/>
-              <a:t>7/19/2024</a:t>
+              <a:t>7/21/2024</a:t>
             </a:fld>
             <a:endParaRPr lang="en-US"/>
           </a:p>
@@ -5009,7 +5003,7 @@
             <a:fld id="{1D8BD707-D9CF-40AE-B4C6-C98DA3205C09}" type="datetimeFigureOut">
               <a:rPr lang="en-US" smtClean="0"/>
               <a:pPr defTabSz="914400" latinLnBrk="0"/>
-              <a:t>7/19/2024</a:t>
+              <a:t>7/21/2024</a:t>
             </a:fld>
             <a:endParaRPr lang="en-US"/>
           </a:p>
@@ -5485,7 +5479,7 @@
             <a:fld id="{1D8BD707-D9CF-40AE-B4C6-C98DA3205C09}" type="datetimeFigureOut">
               <a:rPr lang="en-US" smtClean="0"/>
               <a:pPr defTabSz="914400" latinLnBrk="0"/>
-              <a:t>7/19/2024</a:t>
+              <a:t>7/21/2024</a:t>
             </a:fld>
             <a:endParaRPr lang="en-US"/>
           </a:p>
@@ -5642,7 +5636,7 @@
             <a:fld id="{1D8BD707-D9CF-40AE-B4C6-C98DA3205C09}" type="datetimeFigureOut">
               <a:rPr lang="en-US" smtClean="0"/>
               <a:pPr defTabSz="914400" latinLnBrk="0"/>
-              <a:t>7/19/2024</a:t>
+              <a:t>7/21/2024</a:t>
             </a:fld>
             <a:endParaRPr lang="en-US"/>
           </a:p>
@@ -5895,7 +5889,7 @@
           <a:p>
             <a:fld id="{D5BB7A41-6D90-4371-844A-87EC379C3D06}" type="datetimeFigureOut">
               <a:rPr lang="ko-KR" altLang="en-US" smtClean="0"/>
-              <a:t>2024-07-19</a:t>
+              <a:t>2024-07-21</a:t>
             </a:fld>
             <a:endParaRPr lang="ko-KR" altLang="en-US"/>
           </a:p>
@@ -5992,7 +5986,7 @@
             <a:fld id="{1D8BD707-D9CF-40AE-B4C6-C98DA3205C09}" type="datetimeFigureOut">
               <a:rPr lang="en-US" smtClean="0"/>
               <a:pPr defTabSz="914400" latinLnBrk="0"/>
-              <a:t>7/19/2024</a:t>
+              <a:t>7/21/2024</a:t>
             </a:fld>
             <a:endParaRPr lang="en-US"/>
           </a:p>
@@ -6276,7 +6270,7 @@
             <a:fld id="{1D8BD707-D9CF-40AE-B4C6-C98DA3205C09}" type="datetimeFigureOut">
               <a:rPr lang="en-US" smtClean="0"/>
               <a:pPr defTabSz="914400" latinLnBrk="0"/>
-              <a:t>7/19/2024</a:t>
+              <a:t>7/21/2024</a:t>
             </a:fld>
             <a:endParaRPr lang="en-US"/>
           </a:p>
@@ -6591,7 +6585,7 @@
             <a:fld id="{1D8BD707-D9CF-40AE-B4C6-C98DA3205C09}" type="datetimeFigureOut">
               <a:rPr lang="en-US" smtClean="0"/>
               <a:pPr defTabSz="914400" latinLnBrk="0"/>
-              <a:t>7/19/2024</a:t>
+              <a:t>7/21/2024</a:t>
             </a:fld>
             <a:endParaRPr lang="en-US"/>
           </a:p>
@@ -6764,7 +6758,7 @@
             <a:fld id="{1D8BD707-D9CF-40AE-B4C6-C98DA3205C09}" type="datetimeFigureOut">
               <a:rPr lang="en-US" smtClean="0"/>
               <a:pPr defTabSz="914400" latinLnBrk="0"/>
-              <a:t>7/19/2024</a:t>
+              <a:t>7/21/2024</a:t>
             </a:fld>
             <a:endParaRPr lang="en-US"/>
           </a:p>
@@ -6949,7 +6943,7 @@
             <a:fld id="{1D8BD707-D9CF-40AE-B4C6-C98DA3205C09}" type="datetimeFigureOut">
               <a:rPr lang="en-US" smtClean="0"/>
               <a:pPr defTabSz="914400" latinLnBrk="0"/>
-              <a:t>7/19/2024</a:t>
+              <a:t>7/21/2024</a:t>
             </a:fld>
             <a:endParaRPr lang="en-US"/>
           </a:p>
@@ -7198,7 +7192,7 @@
           <a:p>
             <a:fld id="{D5BB7A41-6D90-4371-844A-87EC379C3D06}" type="datetimeFigureOut">
               <a:rPr lang="ko-KR" altLang="en-US" smtClean="0"/>
-              <a:t>2024-07-19</a:t>
+              <a:t>2024-07-21</a:t>
             </a:fld>
             <a:endParaRPr lang="ko-KR" altLang="en-US"/>
           </a:p>
@@ -7580,7 +7574,7 @@
           <a:p>
             <a:fld id="{D5BB7A41-6D90-4371-844A-87EC379C3D06}" type="datetimeFigureOut">
               <a:rPr lang="ko-KR" altLang="en-US" smtClean="0"/>
-              <a:t>2024-07-19</a:t>
+              <a:t>2024-07-21</a:t>
             </a:fld>
             <a:endParaRPr lang="ko-KR" altLang="en-US"/>
           </a:p>
@@ -7706,7 +7700,7 @@
           <a:p>
             <a:fld id="{D5BB7A41-6D90-4371-844A-87EC379C3D06}" type="datetimeFigureOut">
               <a:rPr lang="ko-KR" altLang="en-US" smtClean="0"/>
-              <a:t>2024-07-19</a:t>
+              <a:t>2024-07-21</a:t>
             </a:fld>
             <a:endParaRPr lang="ko-KR" altLang="en-US"/>
           </a:p>
@@ -7801,7 +7795,7 @@
           <a:p>
             <a:fld id="{D5BB7A41-6D90-4371-844A-87EC379C3D06}" type="datetimeFigureOut">
               <a:rPr lang="ko-KR" altLang="en-US" smtClean="0"/>
-              <a:t>2024-07-19</a:t>
+              <a:t>2024-07-21</a:t>
             </a:fld>
             <a:endParaRPr lang="ko-KR" altLang="en-US"/>
           </a:p>
@@ -8087,7 +8081,7 @@
           <a:p>
             <a:fld id="{D5BB7A41-6D90-4371-844A-87EC379C3D06}" type="datetimeFigureOut">
               <a:rPr lang="ko-KR" altLang="en-US" smtClean="0"/>
-              <a:t>2024-07-19</a:t>
+              <a:t>2024-07-21</a:t>
             </a:fld>
             <a:endParaRPr lang="ko-KR" altLang="en-US"/>
           </a:p>
@@ -8235,7 +8229,7 @@
           <a:p>
             <a:fld id="{D5BB7A41-6D90-4371-844A-87EC379C3D06}" type="datetimeFigureOut">
               <a:rPr lang="ko-KR" altLang="en-US" smtClean="0"/>
-              <a:t>2024-07-19</a:t>
+              <a:t>2024-07-21</a:t>
             </a:fld>
             <a:endParaRPr lang="ko-KR" altLang="en-US"/>
           </a:p>
@@ -9063,7 +9057,7 @@
             <a:fld id="{1D8BD707-D9CF-40AE-B4C6-C98DA3205C09}" type="datetimeFigureOut">
               <a:rPr lang="en-US" smtClean="0"/>
               <a:pPr defTabSz="914400" latinLnBrk="0"/>
-              <a:t>7/19/2024</a:t>
+              <a:t>7/21/2024</a:t>
             </a:fld>
             <a:endParaRPr lang="en-US"/>
           </a:p>
@@ -9753,7 +9747,7 @@
             <a:fld id="{1D8BD707-D9CF-40AE-B4C6-C98DA3205C09}" type="datetimeFigureOut">
               <a:rPr lang="en-US" smtClean="0"/>
               <a:pPr defTabSz="914400" latinLnBrk="0"/>
-              <a:t>7/19/2024</a:t>
+              <a:t>7/21/2024</a:t>
             </a:fld>
             <a:endParaRPr lang="en-US"/>
           </a:p>
@@ -10212,22 +10206,13 @@
           <a:p>
             <a:pPr algn="ctr"/>
             <a:r>
-              <a:rPr lang="en-US" altLang="ko-KR" sz="3600" b="1" dirty="0" smtClean="0">
-                <a:solidFill>
-                  <a:schemeClr val="bg1"/>
-                </a:solidFill>
-                <a:latin typeface="+mn-ea"/>
-              </a:rPr>
-              <a:t>NLEFT </a:t>
-            </a:r>
-            <a:r>
               <a:rPr lang="en-US" altLang="ko-KR" sz="3600" b="1" dirty="0">
                 <a:solidFill>
                   <a:schemeClr val="bg1"/>
                 </a:solidFill>
                 <a:latin typeface="+mn-ea"/>
               </a:rPr>
-              <a:t>for solving Quantum Many Body problem</a:t>
+              <a:t>NLEFT for solving Quantum Many Body problem</a:t>
             </a:r>
           </a:p>
         </p:txBody>
@@ -10438,19 +10423,15 @@
           <a:p>
             <a:pPr lvl="1"/>
             <a:r>
-              <a:rPr lang="en-US" altLang="ko-KR" sz="1800" dirty="0" smtClean="0"/>
+              <a:rPr lang="en-US" altLang="ko-KR" sz="1800" dirty="0"/>
               <a:t>2024.07.22. </a:t>
             </a:r>
             <a:r>
               <a:rPr lang="en-US" dirty="0"/>
-              <a:t>76th OMEG-SSANP </a:t>
-            </a:r>
-            <a:r>
-              <a:rPr lang="en-US" dirty="0" smtClean="0"/>
-              <a:t>Workshop. </a:t>
-            </a:r>
-            <a:r>
-              <a:rPr lang="ko-KR" altLang="en-US" dirty="0" smtClean="0"/>
+              <a:t>76th OMEG-SSANP Workshop. </a:t>
+            </a:r>
+            <a:r>
+              <a:rPr lang="ko-KR" altLang="en-US" dirty="0"/>
               <a:t>숭실대</a:t>
             </a:r>
             <a:endParaRPr lang="en-US" altLang="ko-KR" sz="1800" dirty="0"/>
@@ -10504,7 +10485,7 @@
           <a:p>
             <a:r>
               <a:rPr lang="en-US" altLang="ko-KR" dirty="0"/>
-              <a:t>Applications of NLEFT</a:t>
+              <a:t>Lattice Hamiltonian</a:t>
             </a:r>
             <a:endParaRPr lang="ko-KR" altLang="en-US" dirty="0"/>
           </a:p>
@@ -10520,7 +10501,12 @@
             <p:ph idx="1"/>
           </p:nvPr>
         </p:nvSpPr>
-        <p:spPr/>
+        <p:spPr>
+          <a:xfrm>
+            <a:off x="4544790" y="1592263"/>
+            <a:ext cx="4865909" cy="4884737"/>
+          </a:xfrm>
+        </p:spPr>
         <p:txBody>
           <a:bodyPr>
             <a:normAutofit/>
@@ -10528,88 +10514,72 @@
           <a:lstStyle/>
           <a:p>
             <a:r>
-              <a:rPr lang="en-US" altLang="ko-KR" dirty="0"/>
-              <a:t>Has been successfully applied to </a:t>
-            </a:r>
-          </a:p>
-          <a:p>
-            <a:pPr lvl="1"/>
-            <a:r>
-              <a:rPr lang="en-US" altLang="ko-KR" dirty="0"/>
-              <a:t>Nuclear matter, Cold atom, dilute fermion system</a:t>
-            </a:r>
-          </a:p>
-          <a:p>
-            <a:pPr lvl="1"/>
-            <a:r>
-              <a:rPr lang="en-US" altLang="ko-KR" dirty="0"/>
-              <a:t>Finite nuclei (A&lt;=50) </a:t>
-            </a:r>
-          </a:p>
-          <a:p>
-            <a:pPr lvl="1"/>
-            <a:r>
-              <a:rPr lang="en-US" altLang="ko-KR" dirty="0"/>
-              <a:t>First ab-initio calculation of Hoyle state</a:t>
-            </a:r>
-          </a:p>
-          <a:p>
-            <a:pPr lvl="1"/>
-            <a:r>
-              <a:rPr lang="en-US" altLang="ko-KR" dirty="0"/>
-              <a:t>Cluster structure of </a:t>
-            </a:r>
-            <a:r>
-              <a:rPr lang="en-US" altLang="ko-KR" baseline="30000" dirty="0"/>
-              <a:t>12</a:t>
-            </a:r>
-            <a:r>
-              <a:rPr lang="en-US" altLang="ko-KR" dirty="0"/>
-              <a:t>C and </a:t>
-            </a:r>
-            <a:r>
-              <a:rPr lang="en-US" altLang="ko-KR" baseline="30000" dirty="0"/>
-              <a:t>16</a:t>
-            </a:r>
-            <a:r>
-              <a:rPr lang="en-US" altLang="ko-KR" dirty="0"/>
-              <a:t>O</a:t>
-            </a:r>
-          </a:p>
-          <a:p>
-            <a:pPr lvl="1"/>
-            <a:r>
-              <a:rPr lang="en-US" altLang="ko-KR" dirty="0"/>
-              <a:t>NN scattering, N-D scattering</a:t>
-            </a:r>
-          </a:p>
-          <a:p>
-            <a:pPr lvl="1"/>
-            <a:r>
-              <a:rPr lang="en-US" altLang="ko-KR" dirty="0"/>
-              <a:t>Alpha-alpha scattering</a:t>
-            </a:r>
-          </a:p>
-          <a:p>
-            <a:pPr lvl="1"/>
-            <a:r>
-              <a:rPr lang="en-US" altLang="ko-KR" dirty="0"/>
-              <a:t>radiative capture, fusion </a:t>
-            </a:r>
-          </a:p>
-          <a:p>
-            <a:pPr lvl="1"/>
-            <a:r>
-              <a:rPr lang="en-US" altLang="ko-KR" dirty="0"/>
-              <a:t>Etc. </a:t>
-            </a:r>
-            <a:endParaRPr lang="ko-KR" altLang="en-US" dirty="0"/>
+              <a:rPr lang="en-US" altLang="ko-KR" sz="2000" dirty="0"/>
+              <a:t>We need to introduce a lattice scale in space and time:</a:t>
+            </a:r>
+          </a:p>
+          <a:p>
+            <a:r>
+              <a:rPr lang="en-US" altLang="ko-KR" sz="2000" dirty="0"/>
+              <a:t>momentum space cutoff ~ 150 MeV </a:t>
+            </a:r>
+            <a:r>
+              <a:rPr lang="en-US" altLang="ko-KR" sz="2000" dirty="0">
+                <a:sym typeface="Wingdings" panose="05000000000000000000" pitchFamily="2" charset="2"/>
+              </a:rPr>
+              <a:t></a:t>
+            </a:r>
+            <a:r>
+              <a:rPr lang="en-US" altLang="ko-KR" sz="2000" dirty="0"/>
+              <a:t> </a:t>
+            </a:r>
+            <a:r>
+              <a:rPr lang="en-US" altLang="ko-KR" sz="2000"/>
+              <a:t>lattice spacing </a:t>
+            </a:r>
+            <a:r>
+              <a:rPr lang="en-US" altLang="ko-KR" sz="2000" dirty="0"/>
+              <a:t>a= 1.316 </a:t>
+            </a:r>
+            <a:r>
+              <a:rPr lang="en-US" altLang="ko-KR" sz="2000" dirty="0" err="1"/>
+              <a:t>fm</a:t>
+            </a:r>
+            <a:r>
+              <a:rPr lang="en-US" altLang="ko-KR" sz="2000" dirty="0"/>
+              <a:t>  </a:t>
+            </a:r>
+          </a:p>
+          <a:p>
+            <a:r>
+              <a:rPr lang="en-US" altLang="ko-KR" sz="2000" dirty="0"/>
+              <a:t>Time cutoff ~ 1000 MeV </a:t>
+            </a:r>
+          </a:p>
+          <a:p>
+            <a:r>
+              <a:rPr lang="en-US" altLang="ko-KR" sz="2000" dirty="0"/>
+              <a:t>We need to determine coefficients of interaction for the lattice size. (regularization scale.) </a:t>
+            </a:r>
+          </a:p>
+          <a:p>
+            <a:r>
+              <a:rPr lang="en-US" altLang="ko-KR" sz="2000" dirty="0"/>
+              <a:t>Two-body interaction coefficients can be determined from phase shifts of np scattering.  </a:t>
+            </a:r>
+          </a:p>
+          <a:p>
+            <a:r>
+              <a:rPr lang="en-US" altLang="ko-KR" sz="2000" dirty="0"/>
+              <a:t>Three-body interaction can be fixed from binding energy of A&gt;=3. </a:t>
+            </a:r>
+            <a:endParaRPr lang="ko-KR" altLang="en-US" sz="2000" dirty="0"/>
           </a:p>
         </p:txBody>
       </p:sp>
       <p:pic>
         <p:nvPicPr>
-          <p:cNvPr id="4" name="Picture 2"/>
+          <p:cNvPr id="4" name="Picture 4"/>
           <p:cNvPicPr>
             <a:picLocks noChangeAspect="1" noChangeArrowheads="1"/>
           </p:cNvPicPr>
@@ -10630,8 +10600,8 @@
         </p:blipFill>
         <p:spPr bwMode="auto">
           <a:xfrm>
-            <a:off x="7033379" y="1911886"/>
-            <a:ext cx="1773316" cy="2054052"/>
+            <a:off x="360914" y="2438400"/>
+            <a:ext cx="4183876" cy="3038764"/>
           </a:xfrm>
           <a:prstGeom prst="rect">
             <a:avLst/>
@@ -10661,16 +10631,88 @@
           </a:extLst>
         </p:spPr>
       </p:pic>
+    </p:spTree>
+    <p:extLst>
+      <p:ext uri="{BB962C8B-B14F-4D97-AF65-F5344CB8AC3E}">
+        <p14:creationId xmlns:p14="http://schemas.microsoft.com/office/powerpoint/2010/main" val="3950012657"/>
+      </p:ext>
+    </p:extLst>
+  </p:cSld>
+  <p:clrMapOvr>
+    <a:masterClrMapping/>
+  </p:clrMapOvr>
+</p:sld>
+</file>
+
+<file path=ppt/slides/slide11.xml><?xml version="1.0" encoding="utf-8"?>
+<p:sld xmlns:a="http://schemas.openxmlformats.org/drawingml/2006/main" xmlns:r="http://schemas.openxmlformats.org/officeDocument/2006/relationships" xmlns:p="http://schemas.openxmlformats.org/presentationml/2006/main">
+  <p:cSld>
+    <p:spTree>
+      <p:nvGrpSpPr>
+        <p:cNvPr id="1" name=""/>
+        <p:cNvGrpSpPr/>
+        <p:nvPr/>
+      </p:nvGrpSpPr>
+      <p:grpSpPr>
+        <a:xfrm>
+          <a:off x="0" y="0"/>
+          <a:ext cx="0" cy="0"/>
+          <a:chOff x="0" y="0"/>
+          <a:chExt cx="0" cy="0"/>
+        </a:xfrm>
+      </p:grpSpPr>
+      <p:sp>
+        <p:nvSpPr>
+          <p:cNvPr id="2" name="제목 1"/>
+          <p:cNvSpPr>
+            <a:spLocks noGrp="1"/>
+          </p:cNvSpPr>
+          <p:nvPr>
+            <p:ph type="title"/>
+          </p:nvPr>
+        </p:nvSpPr>
+        <p:spPr/>
+        <p:txBody>
+          <a:bodyPr/>
+          <a:lstStyle/>
+          <a:p>
+            <a:r>
+              <a:rPr lang="en-US" altLang="ko-KR" dirty="0"/>
+              <a:t>Chiral Effective Field Theory</a:t>
+            </a:r>
+            <a:endParaRPr lang="ko-KR" altLang="en-US" dirty="0"/>
+          </a:p>
+        </p:txBody>
+      </p:sp>
+      <p:sp>
+        <p:nvSpPr>
+          <p:cNvPr id="3" name="내용 개체 틀 2"/>
+          <p:cNvSpPr>
+            <a:spLocks noGrp="1"/>
+          </p:cNvSpPr>
+          <p:nvPr>
+            <p:ph idx="1"/>
+          </p:nvPr>
+        </p:nvSpPr>
+        <p:spPr/>
+        <p:txBody>
+          <a:bodyPr/>
+          <a:lstStyle/>
+          <a:p>
+            <a:endParaRPr lang="ko-KR" altLang="en-US"/>
+          </a:p>
+        </p:txBody>
+      </p:sp>
       <p:pic>
         <p:nvPicPr>
-          <p:cNvPr id="5" name="Picture 5"/>
+          <p:cNvPr id="9219" name="Picture 3"/>
           <p:cNvPicPr>
             <a:picLocks noChangeAspect="1" noChangeArrowheads="1"/>
           </p:cNvPicPr>
           <p:nvPr/>
         </p:nvPicPr>
         <p:blipFill>
-          <a:blip r:embed="rId3">
+          <a:blip r:embed="rId2">
             <a:extLst>
               <a:ext uri="{28A0092B-C50C-407E-A947-70E740481C1C}">
                 <a14:useLocalDpi xmlns:a14="http://schemas.microsoft.com/office/drawing/2010/main" val="0"/>
@@ -10684,8 +10726,8 @@
         </p:blipFill>
         <p:spPr bwMode="auto">
           <a:xfrm>
-            <a:off x="6781801" y="3916871"/>
-            <a:ext cx="3038475" cy="464293"/>
+            <a:off x="609600" y="1371600"/>
+            <a:ext cx="8383806" cy="5200650"/>
           </a:xfrm>
           <a:prstGeom prst="rect">
             <a:avLst/>
@@ -10715,339 +10757,10 @@
           </a:extLst>
         </p:spPr>
       </p:pic>
-      <p:sp>
-        <p:nvSpPr>
-          <p:cNvPr id="6" name="TextBox 5"/>
-          <p:cNvSpPr txBox="1"/>
-          <p:nvPr/>
-        </p:nvSpPr>
-        <p:spPr>
-          <a:xfrm>
-            <a:off x="6781801" y="1516859"/>
-            <a:ext cx="2076291" cy="430887"/>
-          </a:xfrm>
-          <a:prstGeom prst="rect">
-            <a:avLst/>
-          </a:prstGeom>
-          <a:noFill/>
-        </p:spPr>
-        <p:txBody>
-          <a:bodyPr wrap="square" rtlCol="0">
-            <a:spAutoFit/>
-          </a:bodyPr>
-          <a:lstStyle/>
-          <a:p>
-            <a:r>
-              <a:rPr lang="en-US" altLang="ko-KR" sz="1100" dirty="0"/>
-              <a:t>The first ab-initio calculation of </a:t>
-            </a:r>
-          </a:p>
-          <a:p>
-            <a:r>
-              <a:rPr lang="en-US" altLang="ko-KR" sz="1100" dirty="0"/>
-              <a:t>Hoyle state</a:t>
-            </a:r>
-            <a:endParaRPr lang="ko-KR" altLang="en-US" sz="1100" dirty="0"/>
-          </a:p>
-        </p:txBody>
-      </p:sp>
-      <p:pic>
-        <p:nvPicPr>
-          <p:cNvPr id="7" name="그림 6"/>
-          <p:cNvPicPr>
-            <a:picLocks noChangeAspect="1"/>
-          </p:cNvPicPr>
-          <p:nvPr/>
-        </p:nvPicPr>
-        <p:blipFill>
-          <a:blip r:embed="rId4"/>
-          <a:stretch>
-            <a:fillRect/>
-          </a:stretch>
-        </p:blipFill>
-        <p:spPr>
-          <a:xfrm>
-            <a:off x="651015" y="4944629"/>
-            <a:ext cx="1839196" cy="1648691"/>
-          </a:xfrm>
-          <a:prstGeom prst="rect">
-            <a:avLst/>
-          </a:prstGeom>
-        </p:spPr>
-      </p:pic>
-      <p:sp>
-        <p:nvSpPr>
-          <p:cNvPr id="8" name="TextBox 7"/>
-          <p:cNvSpPr txBox="1"/>
-          <p:nvPr/>
-        </p:nvSpPr>
-        <p:spPr>
-          <a:xfrm>
-            <a:off x="4717295" y="6092825"/>
-            <a:ext cx="4054764" cy="672492"/>
-          </a:xfrm>
-          <a:prstGeom prst="rect">
-            <a:avLst/>
-          </a:prstGeom>
-          <a:noFill/>
-        </p:spPr>
-        <p:txBody>
-          <a:bodyPr wrap="square" rtlCol="0">
-            <a:spAutoFit/>
-          </a:bodyPr>
-          <a:lstStyle/>
-          <a:p>
-            <a:r>
-              <a:rPr lang="en-US" dirty="0"/>
-              <a:t>Ab initio alpha-alpha scattering</a:t>
-            </a:r>
-          </a:p>
-          <a:p>
-            <a:r>
-              <a:rPr lang="en-US" dirty="0"/>
-              <a:t>( Nature 528, 111-114(2015))</a:t>
-            </a:r>
-          </a:p>
-        </p:txBody>
-      </p:sp>
-      <p:pic>
-        <p:nvPicPr>
-          <p:cNvPr id="9" name="Picture 2" descr="figure 4"/>
-          <p:cNvPicPr>
-            <a:picLocks noChangeAspect="1" noChangeArrowheads="1"/>
-          </p:cNvPicPr>
-          <p:nvPr/>
-        </p:nvPicPr>
-        <p:blipFill>
-          <a:blip r:embed="rId5" cstate="print">
-            <a:extLst>
-              <a:ext uri="{28A0092B-C50C-407E-A947-70E740481C1C}">
-                <a14:useLocalDpi xmlns:a14="http://schemas.microsoft.com/office/drawing/2010/main" val="0"/>
-              </a:ext>
-            </a:extLst>
-          </a:blip>
-          <a:srcRect/>
-          <a:stretch>
-            <a:fillRect/>
-          </a:stretch>
-        </p:blipFill>
-        <p:spPr bwMode="auto">
-          <a:xfrm>
-            <a:off x="2762368" y="5188675"/>
-            <a:ext cx="1650882" cy="1460488"/>
-          </a:xfrm>
-          <a:prstGeom prst="rect">
-            <a:avLst/>
-          </a:prstGeom>
-          <a:noFill/>
-          <a:extLst>
-            <a:ext uri="{909E8E84-426E-40DD-AFC4-6F175D3DCCD1}">
-              <a14:hiddenFill xmlns:a14="http://schemas.microsoft.com/office/drawing/2010/main">
-                <a:solidFill>
-                  <a:srgbClr val="FFFFFF"/>
-                </a:solidFill>
-              </a14:hiddenFill>
-            </a:ext>
-          </a:extLst>
-        </p:spPr>
-      </p:pic>
     </p:spTree>
     <p:extLst>
       <p:ext uri="{BB962C8B-B14F-4D97-AF65-F5344CB8AC3E}">
-        <p14:creationId xmlns:p14="http://schemas.microsoft.com/office/powerpoint/2010/main" val="1704173059"/>
-      </p:ext>
-    </p:extLst>
-  </p:cSld>
-  <p:clrMapOvr>
-    <a:masterClrMapping/>
-  </p:clrMapOvr>
-</p:sld>
-</file>
-
-<file path=ppt/slides/slide11.xml><?xml version="1.0" encoding="utf-8"?>
-<p:sld xmlns:a="http://schemas.openxmlformats.org/drawingml/2006/main" xmlns:r="http://schemas.openxmlformats.org/officeDocument/2006/relationships" xmlns:p="http://schemas.openxmlformats.org/presentationml/2006/main">
-  <p:cSld>
-    <p:spTree>
-      <p:nvGrpSpPr>
-        <p:cNvPr id="1" name=""/>
-        <p:cNvGrpSpPr/>
-        <p:nvPr/>
-      </p:nvGrpSpPr>
-      <p:grpSpPr>
-        <a:xfrm>
-          <a:off x="0" y="0"/>
-          <a:ext cx="0" cy="0"/>
-          <a:chOff x="0" y="0"/>
-          <a:chExt cx="0" cy="0"/>
-        </a:xfrm>
-      </p:grpSpPr>
-      <p:sp>
-        <p:nvSpPr>
-          <p:cNvPr id="2" name="제목 1"/>
-          <p:cNvSpPr>
-            <a:spLocks noGrp="1"/>
-          </p:cNvSpPr>
-          <p:nvPr>
-            <p:ph type="title"/>
-          </p:nvPr>
-        </p:nvSpPr>
-        <p:spPr/>
-        <p:txBody>
-          <a:bodyPr/>
-          <a:lstStyle/>
-          <a:p>
-            <a:r>
-              <a:rPr lang="en-US" altLang="ko-KR" dirty="0"/>
-              <a:t>Lattice Hamiltonian</a:t>
-            </a:r>
-            <a:endParaRPr lang="ko-KR" altLang="en-US" dirty="0"/>
-          </a:p>
-        </p:txBody>
-      </p:sp>
-      <p:sp>
-        <p:nvSpPr>
-          <p:cNvPr id="3" name="내용 개체 틀 2"/>
-          <p:cNvSpPr>
-            <a:spLocks noGrp="1"/>
-          </p:cNvSpPr>
-          <p:nvPr>
-            <p:ph idx="1"/>
-          </p:nvPr>
-        </p:nvSpPr>
-        <p:spPr>
-          <a:xfrm>
-            <a:off x="4544790" y="1592263"/>
-            <a:ext cx="4865909" cy="4884737"/>
-          </a:xfrm>
-        </p:spPr>
-        <p:txBody>
-          <a:bodyPr>
-            <a:normAutofit/>
-          </a:bodyPr>
-          <a:lstStyle/>
-          <a:p>
-            <a:r>
-              <a:rPr lang="en-US" altLang="ko-KR" sz="2000" dirty="0"/>
-              <a:t>We need to introduce a lattice scale in space and time:</a:t>
-            </a:r>
-          </a:p>
-          <a:p>
-            <a:r>
-              <a:rPr lang="en-US" altLang="ko-KR" sz="2000" dirty="0"/>
-              <a:t>momentum space cutoff ~ 150 MeV </a:t>
-            </a:r>
-            <a:r>
-              <a:rPr lang="en-US" altLang="ko-KR" sz="2000" dirty="0">
-                <a:sym typeface="Wingdings" panose="05000000000000000000" pitchFamily="2" charset="2"/>
-              </a:rPr>
-              <a:t></a:t>
-            </a:r>
-            <a:r>
-              <a:rPr lang="en-US" altLang="ko-KR" sz="2000" dirty="0"/>
-              <a:t> </a:t>
-            </a:r>
-            <a:r>
-              <a:rPr lang="en-US" altLang="ko-KR" sz="2000"/>
-              <a:t>lattice spacing </a:t>
-            </a:r>
-            <a:r>
-              <a:rPr lang="en-US" altLang="ko-KR" sz="2000" dirty="0"/>
-              <a:t>a= 1.316 </a:t>
-            </a:r>
-            <a:r>
-              <a:rPr lang="en-US" altLang="ko-KR" sz="2000" dirty="0" err="1"/>
-              <a:t>fm</a:t>
-            </a:r>
-            <a:r>
-              <a:rPr lang="en-US" altLang="ko-KR" sz="2000" dirty="0"/>
-              <a:t>  </a:t>
-            </a:r>
-          </a:p>
-          <a:p>
-            <a:r>
-              <a:rPr lang="en-US" altLang="ko-KR" sz="2000" dirty="0"/>
-              <a:t>Time cutoff ~ 1000 MeV </a:t>
-            </a:r>
-          </a:p>
-          <a:p>
-            <a:r>
-              <a:rPr lang="en-US" altLang="ko-KR" sz="2000" dirty="0"/>
-              <a:t>We need to determine coefficients of interaction for the lattice size. (regularization scale.) </a:t>
-            </a:r>
-          </a:p>
-          <a:p>
-            <a:r>
-              <a:rPr lang="en-US" altLang="ko-KR" sz="2000" dirty="0"/>
-              <a:t>Two-body interaction coefficients can be determined from phase shifts of np scattering.  </a:t>
-            </a:r>
-          </a:p>
-          <a:p>
-            <a:r>
-              <a:rPr lang="en-US" altLang="ko-KR" sz="2000" dirty="0"/>
-              <a:t>Three-body interaction can be fixed from binding energy of A&gt;=3. </a:t>
-            </a:r>
-            <a:endParaRPr lang="ko-KR" altLang="en-US" sz="2000" dirty="0"/>
-          </a:p>
-        </p:txBody>
-      </p:sp>
-      <p:pic>
-        <p:nvPicPr>
-          <p:cNvPr id="4" name="Picture 4"/>
-          <p:cNvPicPr>
-            <a:picLocks noChangeAspect="1" noChangeArrowheads="1"/>
-          </p:cNvPicPr>
-          <p:nvPr/>
-        </p:nvPicPr>
-        <p:blipFill>
-          <a:blip r:embed="rId2">
-            <a:extLst>
-              <a:ext uri="{28A0092B-C50C-407E-A947-70E740481C1C}">
-                <a14:useLocalDpi xmlns:a14="http://schemas.microsoft.com/office/drawing/2010/main" val="0"/>
-              </a:ext>
-            </a:extLst>
-          </a:blip>
-          <a:srcRect/>
-          <a:stretch>
-            <a:fillRect/>
-          </a:stretch>
-        </p:blipFill>
-        <p:spPr bwMode="auto">
-          <a:xfrm>
-            <a:off x="360914" y="2438400"/>
-            <a:ext cx="4183876" cy="3038764"/>
-          </a:xfrm>
-          <a:prstGeom prst="rect">
-            <a:avLst/>
-          </a:prstGeom>
-          <a:noFill/>
-          <a:ln>
-            <a:noFill/>
-          </a:ln>
-          <a:extLst>
-            <a:ext uri="{909E8E84-426E-40DD-AFC4-6F175D3DCCD1}">
-              <a14:hiddenFill xmlns:a14="http://schemas.microsoft.com/office/drawing/2010/main">
-                <a:solidFill>
-                  <a:schemeClr val="accent1"/>
-                </a:solidFill>
-              </a14:hiddenFill>
-            </a:ext>
-            <a:ext uri="{91240B29-F687-4F45-9708-019B960494DF}">
-              <a14:hiddenLine xmlns:a14="http://schemas.microsoft.com/office/drawing/2010/main" w="9525">
-                <a:solidFill>
-                  <a:schemeClr val="tx1"/>
-                </a:solidFill>
-                <a:miter lim="800000"/>
-                <a:headEnd/>
-                <a:tailEnd/>
-              </a14:hiddenLine>
-            </a:ext>
-          </a:extLst>
-        </p:spPr>
-      </p:pic>
-    </p:spTree>
-    <p:extLst>
-      <p:ext uri="{BB962C8B-B14F-4D97-AF65-F5344CB8AC3E}">
-        <p14:creationId xmlns:p14="http://schemas.microsoft.com/office/powerpoint/2010/main" val="3950012657"/>
+        <p14:creationId xmlns:p14="http://schemas.microsoft.com/office/powerpoint/2010/main" val="3934732077"/>
       </p:ext>
     </p:extLst>
   </p:cSld>
@@ -11086,12 +10799,14 @@
         </p:nvSpPr>
         <p:spPr/>
         <p:txBody>
-          <a:bodyPr/>
+          <a:bodyPr>
+            <a:normAutofit fontScale="90000"/>
+          </a:bodyPr>
           <a:lstStyle/>
           <a:p>
             <a:r>
               <a:rPr lang="en-US" altLang="ko-KR" dirty="0"/>
-              <a:t>Chiral Effective Field Theory</a:t>
+              <a:t>Lattice chiral Hamiltonian at Leading order</a:t>
             </a:r>
             <a:endParaRPr lang="ko-KR" altLang="en-US" dirty="0"/>
           </a:p>
@@ -11099,81 +10814,240 @@
       </p:sp>
       <p:sp>
         <p:nvSpPr>
-          <p:cNvPr id="3" name="내용 개체 틀 2"/>
-          <p:cNvSpPr>
-            <a:spLocks noGrp="1"/>
-          </p:cNvSpPr>
-          <p:nvPr>
-            <p:ph idx="1"/>
-          </p:nvPr>
-        </p:nvSpPr>
-        <p:spPr/>
-        <p:txBody>
-          <a:bodyPr/>
-          <a:lstStyle/>
-          <a:p>
-            <a:endParaRPr lang="ko-KR" altLang="en-US"/>
+          <p:cNvPr id="3" name="TextBox 2"/>
+          <p:cNvSpPr txBox="1"/>
+          <p:nvPr/>
+        </p:nvSpPr>
+        <p:spPr>
+          <a:xfrm>
+            <a:off x="668338" y="1592263"/>
+            <a:ext cx="8532812" cy="382412"/>
+          </a:xfrm>
+          <a:prstGeom prst="rect">
+            <a:avLst/>
+          </a:prstGeom>
+          <a:noFill/>
+        </p:spPr>
+        <p:txBody>
+          <a:bodyPr wrap="square" rtlCol="0">
+            <a:spAutoFit/>
+          </a:bodyPr>
+          <a:lstStyle/>
+          <a:p>
+            <a:pPr marL="342900" indent="-342900">
+              <a:buFont typeface="Arial" panose="020B0604020202020204" pitchFamily="34" charset="0"/>
+              <a:buChar char="•"/>
+            </a:pPr>
+            <a:r>
+              <a:rPr lang="en-US" altLang="ko-KR" dirty="0"/>
+              <a:t>At Leading order, kinetic energy + contact interaction + one pion exchange   </a:t>
+            </a:r>
+            <a:endParaRPr lang="ko-KR" altLang="en-US" dirty="0"/>
           </a:p>
         </p:txBody>
       </p:sp>
       <p:pic>
         <p:nvPicPr>
-          <p:cNvPr id="9219" name="Picture 3"/>
+          <p:cNvPr id="14" name="그림 13"/>
           <p:cNvPicPr>
-            <a:picLocks noChangeAspect="1" noChangeArrowheads="1"/>
+            <a:picLocks noChangeAspect="1"/>
           </p:cNvPicPr>
           <p:nvPr/>
         </p:nvPicPr>
         <p:blipFill>
-          <a:blip r:embed="rId2">
-            <a:extLst>
-              <a:ext uri="{28A0092B-C50C-407E-A947-70E740481C1C}">
-                <a14:useLocalDpi xmlns:a14="http://schemas.microsoft.com/office/drawing/2010/main" val="0"/>
-              </a:ext>
-            </a:extLst>
-          </a:blip>
-          <a:srcRect/>
+          <a:blip r:embed="rId2"/>
           <a:stretch>
             <a:fillRect/>
           </a:stretch>
         </p:blipFill>
-        <p:spPr bwMode="auto">
-          <a:xfrm>
-            <a:off x="609600" y="1371600"/>
-            <a:ext cx="8383806" cy="5200650"/>
+        <p:spPr>
+          <a:xfrm>
+            <a:off x="1070384" y="2042938"/>
+            <a:ext cx="3277057" cy="552527"/>
+          </a:xfrm>
+          <a:prstGeom prst="rect">
+            <a:avLst/>
+          </a:prstGeom>
+        </p:spPr>
+      </p:pic>
+      <p:pic>
+        <p:nvPicPr>
+          <p:cNvPr id="15" name="그림 14"/>
+          <p:cNvPicPr>
+            <a:picLocks noChangeAspect="1"/>
+          </p:cNvPicPr>
+          <p:nvPr/>
+        </p:nvPicPr>
+        <p:blipFill>
+          <a:blip r:embed="rId3"/>
+          <a:stretch>
+            <a:fillRect/>
+          </a:stretch>
+        </p:blipFill>
+        <p:spPr>
+          <a:xfrm>
+            <a:off x="1148629" y="2652008"/>
+            <a:ext cx="6158742" cy="1365312"/>
+          </a:xfrm>
+          <a:prstGeom prst="rect">
+            <a:avLst/>
+          </a:prstGeom>
+        </p:spPr>
+      </p:pic>
+      <p:pic>
+        <p:nvPicPr>
+          <p:cNvPr id="10" name="그림 9"/>
+          <p:cNvPicPr>
+            <a:picLocks noChangeAspect="1"/>
+          </p:cNvPicPr>
+          <p:nvPr/>
+        </p:nvPicPr>
+        <p:blipFill>
+          <a:blip r:embed="rId4"/>
+          <a:stretch>
+            <a:fillRect/>
+          </a:stretch>
+        </p:blipFill>
+        <p:spPr>
+          <a:xfrm>
+            <a:off x="1148629" y="4081704"/>
+            <a:ext cx="4525385" cy="661606"/>
+          </a:xfrm>
+          <a:prstGeom prst="rect">
+            <a:avLst/>
+          </a:prstGeom>
+        </p:spPr>
+      </p:pic>
+      <p:sp>
+        <p:nvSpPr>
+          <p:cNvPr id="11" name="TextBox 10"/>
+          <p:cNvSpPr txBox="1"/>
+          <p:nvPr/>
+        </p:nvSpPr>
+        <p:spPr>
+          <a:xfrm>
+            <a:off x="6213475" y="4136283"/>
+            <a:ext cx="3427986" cy="382412"/>
           </a:xfrm>
           <a:prstGeom prst="rect">
             <a:avLst/>
           </a:prstGeom>
           <a:noFill/>
-          <a:ln>
-            <a:noFill/>
-          </a:ln>
-          <a:extLst>
-            <a:ext uri="{909E8E84-426E-40DD-AFC4-6F175D3DCCD1}">
-              <a14:hiddenFill xmlns:a14="http://schemas.microsoft.com/office/drawing/2010/main">
-                <a:solidFill>
-                  <a:schemeClr val="accent1"/>
-                </a:solidFill>
-              </a14:hiddenFill>
-            </a:ext>
-            <a:ext uri="{91240B29-F687-4F45-9708-019B960494DF}">
-              <a14:hiddenLine xmlns:a14="http://schemas.microsoft.com/office/drawing/2010/main" w="9525">
-                <a:solidFill>
-                  <a:schemeClr val="tx1"/>
-                </a:solidFill>
-                <a:miter lim="800000"/>
-                <a:headEnd/>
-                <a:tailEnd/>
-              </a14:hiddenLine>
-            </a:ext>
-          </a:extLst>
+        </p:spPr>
+        <p:txBody>
+          <a:bodyPr wrap="square" rtlCol="0">
+            <a:spAutoFit/>
+          </a:bodyPr>
+          <a:lstStyle/>
+          <a:p>
+            <a:pPr marL="342900" indent="-342900">
+              <a:buFont typeface="Arial" panose="020B0604020202020204" pitchFamily="34" charset="0"/>
+              <a:buChar char="•"/>
+            </a:pPr>
+            <a:r>
+              <a:rPr lang="en-US" altLang="ko-KR" dirty="0"/>
+              <a:t>Long range OPE</a:t>
+            </a:r>
+            <a:endParaRPr lang="ko-KR" altLang="en-US" dirty="0"/>
+          </a:p>
+        </p:txBody>
+      </p:sp>
+      <p:pic>
+        <p:nvPicPr>
+          <p:cNvPr id="12" name="그림 11"/>
+          <p:cNvPicPr>
+            <a:picLocks noChangeAspect="1"/>
+          </p:cNvPicPr>
+          <p:nvPr/>
+        </p:nvPicPr>
+        <p:blipFill>
+          <a:blip r:embed="rId5"/>
+          <a:stretch>
+            <a:fillRect/>
+          </a:stretch>
+        </p:blipFill>
+        <p:spPr>
+          <a:xfrm>
+            <a:off x="1269243" y="4939330"/>
+            <a:ext cx="2958757" cy="1032372"/>
+          </a:xfrm>
+          <a:prstGeom prst="rect">
+            <a:avLst/>
+          </a:prstGeom>
         </p:spPr>
       </p:pic>
+      <p:sp>
+        <p:nvSpPr>
+          <p:cNvPr id="13" name="TextBox 12"/>
+          <p:cNvSpPr txBox="1"/>
+          <p:nvPr/>
+        </p:nvSpPr>
+        <p:spPr>
+          <a:xfrm>
+            <a:off x="6176530" y="5000220"/>
+            <a:ext cx="1802386" cy="382412"/>
+          </a:xfrm>
+          <a:prstGeom prst="rect">
+            <a:avLst/>
+          </a:prstGeom>
+          <a:noFill/>
+        </p:spPr>
+        <p:txBody>
+          <a:bodyPr wrap="square" rtlCol="0">
+            <a:spAutoFit/>
+          </a:bodyPr>
+          <a:lstStyle/>
+          <a:p>
+            <a:pPr marL="342900" indent="-342900">
+              <a:buFont typeface="Arial" panose="020B0604020202020204" pitchFamily="34" charset="0"/>
+              <a:buChar char="•"/>
+            </a:pPr>
+            <a:r>
+              <a:rPr lang="en-US" altLang="ko-KR" dirty="0"/>
+              <a:t>Contact</a:t>
+            </a:r>
+            <a:endParaRPr lang="ko-KR" altLang="en-US" dirty="0"/>
+          </a:p>
+        </p:txBody>
+      </p:sp>
+      <p:sp>
+        <p:nvSpPr>
+          <p:cNvPr id="18" name="TextBox 17"/>
+          <p:cNvSpPr txBox="1"/>
+          <p:nvPr/>
+        </p:nvSpPr>
+        <p:spPr>
+          <a:xfrm>
+            <a:off x="6176530" y="2770971"/>
+            <a:ext cx="1802386" cy="382412"/>
+          </a:xfrm>
+          <a:prstGeom prst="rect">
+            <a:avLst/>
+          </a:prstGeom>
+          <a:noFill/>
+        </p:spPr>
+        <p:txBody>
+          <a:bodyPr wrap="square" rtlCol="0">
+            <a:spAutoFit/>
+          </a:bodyPr>
+          <a:lstStyle/>
+          <a:p>
+            <a:pPr marL="342900" indent="-342900">
+              <a:buFont typeface="Arial" panose="020B0604020202020204" pitchFamily="34" charset="0"/>
+              <a:buChar char="•"/>
+            </a:pPr>
+            <a:r>
+              <a:rPr lang="en-US" altLang="ko-KR" dirty="0"/>
+              <a:t>Kinetic</a:t>
+            </a:r>
+            <a:endParaRPr lang="ko-KR" altLang="en-US" dirty="0"/>
+          </a:p>
+        </p:txBody>
+      </p:sp>
     </p:spTree>
     <p:extLst>
       <p:ext uri="{BB962C8B-B14F-4D97-AF65-F5344CB8AC3E}">
-        <p14:creationId xmlns:p14="http://schemas.microsoft.com/office/powerpoint/2010/main" val="3934732077"/>
+        <p14:creationId xmlns:p14="http://schemas.microsoft.com/office/powerpoint/2010/main" val="3246486021"/>
       </p:ext>
     </p:extLst>
   </p:cSld>
@@ -11213,563 +11087,6 @@
         <p:spPr/>
         <p:txBody>
           <a:bodyPr>
-            <a:normAutofit fontScale="90000"/>
-          </a:bodyPr>
-          <a:lstStyle/>
-          <a:p>
-            <a:r>
-              <a:rPr lang="en-US" altLang="ko-KR" dirty="0"/>
-              <a:t>Lattice chiral Hamiltonian at Leading order</a:t>
-            </a:r>
-            <a:endParaRPr lang="ko-KR" altLang="en-US" dirty="0"/>
-          </a:p>
-        </p:txBody>
-      </p:sp>
-      <p:sp>
-        <p:nvSpPr>
-          <p:cNvPr id="3" name="TextBox 2"/>
-          <p:cNvSpPr txBox="1"/>
-          <p:nvPr/>
-        </p:nvSpPr>
-        <p:spPr>
-          <a:xfrm>
-            <a:off x="668338" y="1592263"/>
-            <a:ext cx="8532812" cy="382412"/>
-          </a:xfrm>
-          <a:prstGeom prst="rect">
-            <a:avLst/>
-          </a:prstGeom>
-          <a:noFill/>
-        </p:spPr>
-        <p:txBody>
-          <a:bodyPr wrap="square" rtlCol="0">
-            <a:spAutoFit/>
-          </a:bodyPr>
-          <a:lstStyle/>
-          <a:p>
-            <a:pPr marL="342900" indent="-342900">
-              <a:buFont typeface="Arial" panose="020B0604020202020204" pitchFamily="34" charset="0"/>
-              <a:buChar char="•"/>
-            </a:pPr>
-            <a:r>
-              <a:rPr lang="en-US" altLang="ko-KR" dirty="0"/>
-              <a:t>At Leading order, kinetic energy + contact interaction + one pion exchange   </a:t>
-            </a:r>
-            <a:endParaRPr lang="ko-KR" altLang="en-US" dirty="0"/>
-          </a:p>
-        </p:txBody>
-      </p:sp>
-      <p:pic>
-        <p:nvPicPr>
-          <p:cNvPr id="14" name="그림 13"/>
-          <p:cNvPicPr>
-            <a:picLocks noChangeAspect="1"/>
-          </p:cNvPicPr>
-          <p:nvPr/>
-        </p:nvPicPr>
-        <p:blipFill>
-          <a:blip r:embed="rId2"/>
-          <a:stretch>
-            <a:fillRect/>
-          </a:stretch>
-        </p:blipFill>
-        <p:spPr>
-          <a:xfrm>
-            <a:off x="1070384" y="2042938"/>
-            <a:ext cx="3277057" cy="552527"/>
-          </a:xfrm>
-          <a:prstGeom prst="rect">
-            <a:avLst/>
-          </a:prstGeom>
-        </p:spPr>
-      </p:pic>
-      <p:pic>
-        <p:nvPicPr>
-          <p:cNvPr id="15" name="그림 14"/>
-          <p:cNvPicPr>
-            <a:picLocks noChangeAspect="1"/>
-          </p:cNvPicPr>
-          <p:nvPr/>
-        </p:nvPicPr>
-        <p:blipFill>
-          <a:blip r:embed="rId3"/>
-          <a:stretch>
-            <a:fillRect/>
-          </a:stretch>
-        </p:blipFill>
-        <p:spPr>
-          <a:xfrm>
-            <a:off x="1148629" y="2652008"/>
-            <a:ext cx="6158742" cy="1365312"/>
-          </a:xfrm>
-          <a:prstGeom prst="rect">
-            <a:avLst/>
-          </a:prstGeom>
-        </p:spPr>
-      </p:pic>
-      <p:pic>
-        <p:nvPicPr>
-          <p:cNvPr id="10" name="그림 9"/>
-          <p:cNvPicPr>
-            <a:picLocks noChangeAspect="1"/>
-          </p:cNvPicPr>
-          <p:nvPr/>
-        </p:nvPicPr>
-        <p:blipFill>
-          <a:blip r:embed="rId4"/>
-          <a:stretch>
-            <a:fillRect/>
-          </a:stretch>
-        </p:blipFill>
-        <p:spPr>
-          <a:xfrm>
-            <a:off x="1148629" y="4081704"/>
-            <a:ext cx="4525385" cy="661606"/>
-          </a:xfrm>
-          <a:prstGeom prst="rect">
-            <a:avLst/>
-          </a:prstGeom>
-        </p:spPr>
-      </p:pic>
-      <p:sp>
-        <p:nvSpPr>
-          <p:cNvPr id="11" name="TextBox 10"/>
-          <p:cNvSpPr txBox="1"/>
-          <p:nvPr/>
-        </p:nvSpPr>
-        <p:spPr>
-          <a:xfrm>
-            <a:off x="6213475" y="4136283"/>
-            <a:ext cx="3427986" cy="382412"/>
-          </a:xfrm>
-          <a:prstGeom prst="rect">
-            <a:avLst/>
-          </a:prstGeom>
-          <a:noFill/>
-        </p:spPr>
-        <p:txBody>
-          <a:bodyPr wrap="square" rtlCol="0">
-            <a:spAutoFit/>
-          </a:bodyPr>
-          <a:lstStyle/>
-          <a:p>
-            <a:pPr marL="342900" indent="-342900">
-              <a:buFont typeface="Arial" panose="020B0604020202020204" pitchFamily="34" charset="0"/>
-              <a:buChar char="•"/>
-            </a:pPr>
-            <a:r>
-              <a:rPr lang="en-US" altLang="ko-KR" dirty="0"/>
-              <a:t>Long range OPE</a:t>
-            </a:r>
-            <a:endParaRPr lang="ko-KR" altLang="en-US" dirty="0"/>
-          </a:p>
-        </p:txBody>
-      </p:sp>
-      <p:pic>
-        <p:nvPicPr>
-          <p:cNvPr id="12" name="그림 11"/>
-          <p:cNvPicPr>
-            <a:picLocks noChangeAspect="1"/>
-          </p:cNvPicPr>
-          <p:nvPr/>
-        </p:nvPicPr>
-        <p:blipFill>
-          <a:blip r:embed="rId5"/>
-          <a:stretch>
-            <a:fillRect/>
-          </a:stretch>
-        </p:blipFill>
-        <p:spPr>
-          <a:xfrm>
-            <a:off x="1269243" y="4939330"/>
-            <a:ext cx="2958757" cy="1032372"/>
-          </a:xfrm>
-          <a:prstGeom prst="rect">
-            <a:avLst/>
-          </a:prstGeom>
-        </p:spPr>
-      </p:pic>
-      <p:sp>
-        <p:nvSpPr>
-          <p:cNvPr id="13" name="TextBox 12"/>
-          <p:cNvSpPr txBox="1"/>
-          <p:nvPr/>
-        </p:nvSpPr>
-        <p:spPr>
-          <a:xfrm>
-            <a:off x="6176530" y="5000220"/>
-            <a:ext cx="1802386" cy="382412"/>
-          </a:xfrm>
-          <a:prstGeom prst="rect">
-            <a:avLst/>
-          </a:prstGeom>
-          <a:noFill/>
-        </p:spPr>
-        <p:txBody>
-          <a:bodyPr wrap="square" rtlCol="0">
-            <a:spAutoFit/>
-          </a:bodyPr>
-          <a:lstStyle/>
-          <a:p>
-            <a:pPr marL="342900" indent="-342900">
-              <a:buFont typeface="Arial" panose="020B0604020202020204" pitchFamily="34" charset="0"/>
-              <a:buChar char="•"/>
-            </a:pPr>
-            <a:r>
-              <a:rPr lang="en-US" altLang="ko-KR" dirty="0"/>
-              <a:t>Contact</a:t>
-            </a:r>
-            <a:endParaRPr lang="ko-KR" altLang="en-US" dirty="0"/>
-          </a:p>
-        </p:txBody>
-      </p:sp>
-      <p:sp>
-        <p:nvSpPr>
-          <p:cNvPr id="18" name="TextBox 17"/>
-          <p:cNvSpPr txBox="1"/>
-          <p:nvPr/>
-        </p:nvSpPr>
-        <p:spPr>
-          <a:xfrm>
-            <a:off x="6176530" y="2770971"/>
-            <a:ext cx="1802386" cy="382412"/>
-          </a:xfrm>
-          <a:prstGeom prst="rect">
-            <a:avLst/>
-          </a:prstGeom>
-          <a:noFill/>
-        </p:spPr>
-        <p:txBody>
-          <a:bodyPr wrap="square" rtlCol="0">
-            <a:spAutoFit/>
-          </a:bodyPr>
-          <a:lstStyle/>
-          <a:p>
-            <a:pPr marL="342900" indent="-342900">
-              <a:buFont typeface="Arial" panose="020B0604020202020204" pitchFamily="34" charset="0"/>
-              <a:buChar char="•"/>
-            </a:pPr>
-            <a:r>
-              <a:rPr lang="en-US" altLang="ko-KR" dirty="0"/>
-              <a:t>Kinetic</a:t>
-            </a:r>
-            <a:endParaRPr lang="ko-KR" altLang="en-US" dirty="0"/>
-          </a:p>
-        </p:txBody>
-      </p:sp>
-    </p:spTree>
-    <p:extLst>
-      <p:ext uri="{BB962C8B-B14F-4D97-AF65-F5344CB8AC3E}">
-        <p14:creationId xmlns:p14="http://schemas.microsoft.com/office/powerpoint/2010/main" val="3246486021"/>
-      </p:ext>
-    </p:extLst>
-  </p:cSld>
-  <p:clrMapOvr>
-    <a:masterClrMapping/>
-  </p:clrMapOvr>
-</p:sld>
-</file>
-
-<file path=ppt/slides/slide14.xml><?xml version="1.0" encoding="utf-8"?>
-<p:sld xmlns:a="http://schemas.openxmlformats.org/drawingml/2006/main" xmlns:r="http://schemas.openxmlformats.org/officeDocument/2006/relationships" xmlns:p="http://schemas.openxmlformats.org/presentationml/2006/main">
-  <p:cSld>
-    <p:spTree>
-      <p:nvGrpSpPr>
-        <p:cNvPr id="1" name=""/>
-        <p:cNvGrpSpPr/>
-        <p:nvPr/>
-      </p:nvGrpSpPr>
-      <p:grpSpPr>
-        <a:xfrm>
-          <a:off x="0" y="0"/>
-          <a:ext cx="0" cy="0"/>
-          <a:chOff x="0" y="0"/>
-          <a:chExt cx="0" cy="0"/>
-        </a:xfrm>
-      </p:grpSpPr>
-      <p:sp>
-        <p:nvSpPr>
-          <p:cNvPr id="2" name="제목 1"/>
-          <p:cNvSpPr>
-            <a:spLocks noGrp="1"/>
-          </p:cNvSpPr>
-          <p:nvPr>
-            <p:ph type="title"/>
-          </p:nvPr>
-        </p:nvSpPr>
-        <p:spPr/>
-        <p:txBody>
-          <a:bodyPr>
-            <a:normAutofit/>
-          </a:bodyPr>
-          <a:lstStyle/>
-          <a:p>
-            <a:r>
-              <a:rPr lang="en-US" altLang="ko-KR" dirty="0"/>
-              <a:t>Low energy constants in lattice EFT</a:t>
-            </a:r>
-            <a:endParaRPr lang="ko-KR" altLang="en-US" dirty="0"/>
-          </a:p>
-        </p:txBody>
-      </p:sp>
-      <p:sp>
-        <p:nvSpPr>
-          <p:cNvPr id="3" name="내용 개체 틀 2"/>
-          <p:cNvSpPr>
-            <a:spLocks noGrp="1"/>
-          </p:cNvSpPr>
-          <p:nvPr>
-            <p:ph idx="1"/>
-          </p:nvPr>
-        </p:nvSpPr>
-        <p:spPr/>
-        <p:txBody>
-          <a:bodyPr/>
-          <a:lstStyle/>
-          <a:p>
-            <a:r>
-              <a:rPr lang="en-US" altLang="ko-KR" dirty="0"/>
-              <a:t>All LECs(parameters in the Hamiltonian) needs to be fixed</a:t>
-            </a:r>
-          </a:p>
-          <a:p>
-            <a:r>
-              <a:rPr lang="en-US" altLang="ko-KR" dirty="0"/>
-              <a:t> (They have to be fixed for given lattice regularization)</a:t>
-            </a:r>
-          </a:p>
-          <a:p>
-            <a:r>
-              <a:rPr lang="en-US" altLang="ko-KR" dirty="0"/>
-              <a:t>N-P scattering phase shifts, Deuteron binding energy</a:t>
-            </a:r>
-          </a:p>
-          <a:p>
-            <a:r>
-              <a:rPr lang="en-US" altLang="ko-KR" dirty="0"/>
-              <a:t>Scattering phase shifts on the Lattice: Wall method. </a:t>
-            </a:r>
-          </a:p>
-        </p:txBody>
-      </p:sp>
-      <p:pic>
-        <p:nvPicPr>
-          <p:cNvPr id="22532" name="Picture 4"/>
-          <p:cNvPicPr>
-            <a:picLocks noChangeAspect="1" noChangeArrowheads="1"/>
-          </p:cNvPicPr>
-          <p:nvPr/>
-        </p:nvPicPr>
-        <p:blipFill>
-          <a:blip r:embed="rId2">
-            <a:extLst>
-              <a:ext uri="{28A0092B-C50C-407E-A947-70E740481C1C}">
-                <a14:useLocalDpi xmlns:a14="http://schemas.microsoft.com/office/drawing/2010/main" val="0"/>
-              </a:ext>
-            </a:extLst>
-          </a:blip>
-          <a:srcRect/>
-          <a:stretch>
-            <a:fillRect/>
-          </a:stretch>
-        </p:blipFill>
-        <p:spPr bwMode="auto">
-          <a:xfrm>
-            <a:off x="858550" y="4125075"/>
-            <a:ext cx="7924800" cy="2592070"/>
-          </a:xfrm>
-          <a:prstGeom prst="rect">
-            <a:avLst/>
-          </a:prstGeom>
-          <a:noFill/>
-          <a:ln>
-            <a:noFill/>
-          </a:ln>
-          <a:extLst>
-            <a:ext uri="{909E8E84-426E-40DD-AFC4-6F175D3DCCD1}">
-              <a14:hiddenFill xmlns:a14="http://schemas.microsoft.com/office/drawing/2010/main">
-                <a:solidFill>
-                  <a:schemeClr val="accent1"/>
-                </a:solidFill>
-              </a14:hiddenFill>
-            </a:ext>
-            <a:ext uri="{91240B29-F687-4F45-9708-019B960494DF}">
-              <a14:hiddenLine xmlns:a14="http://schemas.microsoft.com/office/drawing/2010/main" w="9525">
-                <a:solidFill>
-                  <a:schemeClr val="tx1"/>
-                </a:solidFill>
-                <a:miter lim="800000"/>
-                <a:headEnd/>
-                <a:tailEnd/>
-              </a14:hiddenLine>
-            </a:ext>
-          </a:extLst>
-        </p:spPr>
-      </p:pic>
-      <p:sp>
-        <p:nvSpPr>
-          <p:cNvPr id="4" name="TextBox 3">
-            <a:extLst>
-              <a:ext uri="{FF2B5EF4-FFF2-40B4-BE49-F238E27FC236}">
-                <a16:creationId xmlns:a16="http://schemas.microsoft.com/office/drawing/2014/main" id="{389AB39B-4B66-A44D-A873-708FB7F75BB9}"/>
-              </a:ext>
-            </a:extLst>
-          </p:cNvPr>
-          <p:cNvSpPr txBox="1"/>
-          <p:nvPr/>
-        </p:nvSpPr>
-        <p:spPr>
-          <a:xfrm>
-            <a:off x="1092488" y="3366108"/>
-            <a:ext cx="7647999" cy="672492"/>
-          </a:xfrm>
-          <a:prstGeom prst="rect">
-            <a:avLst/>
-          </a:prstGeom>
-          <a:solidFill>
-            <a:srgbClr val="FFFF00"/>
-          </a:solidFill>
-        </p:spPr>
-        <p:txBody>
-          <a:bodyPr wrap="square" rtlCol="0">
-            <a:spAutoFit/>
-          </a:bodyPr>
-          <a:lstStyle/>
-          <a:p>
-            <a:r>
-              <a:rPr lang="en-US" dirty="0"/>
-              <a:t>Phase shift can be obtained from</a:t>
-            </a:r>
-          </a:p>
-          <a:p>
-            <a:r>
-              <a:rPr lang="en-US" dirty="0"/>
-              <a:t>The energy spectrum of E(or k) in lattice and imposed Wall size. </a:t>
-            </a:r>
-          </a:p>
-        </p:txBody>
-      </p:sp>
-    </p:spTree>
-    <p:extLst>
-      <p:ext uri="{BB962C8B-B14F-4D97-AF65-F5344CB8AC3E}">
-        <p14:creationId xmlns:p14="http://schemas.microsoft.com/office/powerpoint/2010/main" val="3476685088"/>
-      </p:ext>
-    </p:extLst>
-  </p:cSld>
-  <p:clrMapOvr>
-    <a:masterClrMapping/>
-  </p:clrMapOvr>
-  <p:timing>
-    <p:tnLst>
-      <p:par>
-        <p:cTn id="1" dur="indefinite" restart="never" nodeType="tmRoot">
-          <p:childTnLst>
-            <p:seq concurrent="1" nextAc="seek">
-              <p:cTn id="2" dur="indefinite" nodeType="mainSeq">
-                <p:childTnLst>
-                  <p:par>
-                    <p:cTn id="3" fill="hold">
-                      <p:stCondLst>
-                        <p:cond delay="indefinite"/>
-                      </p:stCondLst>
-                      <p:childTnLst>
-                        <p:par>
-                          <p:cTn id="4" fill="hold">
-                            <p:stCondLst>
-                              <p:cond delay="0"/>
-                            </p:stCondLst>
-                            <p:childTnLst>
-                              <p:par>
-                                <p:cTn id="5" presetID="1" presetClass="entr" presetSubtype="0" fill="hold" grpId="0" nodeType="clickEffect">
-                                  <p:stCondLst>
-                                    <p:cond delay="0"/>
-                                  </p:stCondLst>
-                                  <p:childTnLst>
-                                    <p:set>
-                                      <p:cBhvr>
-                                        <p:cTn id="6" dur="1" fill="hold">
-                                          <p:stCondLst>
-                                            <p:cond delay="0"/>
-                                          </p:stCondLst>
-                                        </p:cTn>
-                                        <p:tgtEl>
-                                          <p:spTgt spid="4"/>
-                                        </p:tgtEl>
-                                        <p:attrNameLst>
-                                          <p:attrName>style.visibility</p:attrName>
-                                        </p:attrNameLst>
-                                      </p:cBhvr>
-                                      <p:to>
-                                        <p:strVal val="visible"/>
-                                      </p:to>
-                                    </p:set>
-                                  </p:childTnLst>
-                                </p:cTn>
-                              </p:par>
-                            </p:childTnLst>
-                          </p:cTn>
-                        </p:par>
-                      </p:childTnLst>
-                    </p:cTn>
-                  </p:par>
-                </p:childTnLst>
-              </p:cTn>
-              <p:prevCondLst>
-                <p:cond evt="onPrev" delay="0">
-                  <p:tgtEl>
-                    <p:sldTgt/>
-                  </p:tgtEl>
-                </p:cond>
-              </p:prevCondLst>
-              <p:nextCondLst>
-                <p:cond evt="onNext" delay="0">
-                  <p:tgtEl>
-                    <p:sldTgt/>
-                  </p:tgtEl>
-                </p:cond>
-              </p:nextCondLst>
-            </p:seq>
-          </p:childTnLst>
-        </p:cTn>
-      </p:par>
-    </p:tnLst>
-    <p:bldLst>
-      <p:bldP spid="4" grpId="0" animBg="1"/>
-    </p:bldLst>
-  </p:timing>
-</p:sld>
-</file>
-
-<file path=ppt/slides/slide15.xml><?xml version="1.0" encoding="utf-8"?>
-<p:sld xmlns:a="http://schemas.openxmlformats.org/drawingml/2006/main" xmlns:r="http://schemas.openxmlformats.org/officeDocument/2006/relationships" xmlns:p="http://schemas.openxmlformats.org/presentationml/2006/main">
-  <p:cSld>
-    <p:spTree>
-      <p:nvGrpSpPr>
-        <p:cNvPr id="1" name=""/>
-        <p:cNvGrpSpPr/>
-        <p:nvPr/>
-      </p:nvGrpSpPr>
-      <p:grpSpPr>
-        <a:xfrm>
-          <a:off x="0" y="0"/>
-          <a:ext cx="0" cy="0"/>
-          <a:chOff x="0" y="0"/>
-          <a:chExt cx="0" cy="0"/>
-        </a:xfrm>
-      </p:grpSpPr>
-      <p:sp>
-        <p:nvSpPr>
-          <p:cNvPr id="2" name="제목 1"/>
-          <p:cNvSpPr>
-            <a:spLocks noGrp="1"/>
-          </p:cNvSpPr>
-          <p:nvPr>
-            <p:ph type="title"/>
-          </p:nvPr>
-        </p:nvSpPr>
-        <p:spPr/>
-        <p:txBody>
-          <a:bodyPr>
             <a:normAutofit/>
           </a:bodyPr>
           <a:lstStyle/>
@@ -12016,7 +11333,7 @@
 </p:sld>
 </file>
 
-<file path=ppt/slides/slide16.xml><?xml version="1.0" encoding="utf-8"?>
+<file path=ppt/slides/slide14.xml><?xml version="1.0" encoding="utf-8"?>
 <p:sld xmlns:a="http://schemas.openxmlformats.org/drawingml/2006/main" xmlns:r="http://schemas.openxmlformats.org/officeDocument/2006/relationships" xmlns:p="http://schemas.openxmlformats.org/presentationml/2006/main">
   <p:cSld>
     <p:spTree>
@@ -12312,7 +11629,7 @@
 </p:sld>
 </file>
 
-<file path=ppt/slides/slide17.xml><?xml version="1.0" encoding="utf-8"?>
+<file path=ppt/slides/slide15.xml><?xml version="1.0" encoding="utf-8"?>
 <p:sld xmlns:a="http://schemas.openxmlformats.org/drawingml/2006/main" xmlns:r="http://schemas.openxmlformats.org/officeDocument/2006/relationships" xmlns:p="http://schemas.openxmlformats.org/presentationml/2006/main">
   <p:cSld>
     <p:spTree>
@@ -12426,6 +11743,446 @@
 </p:sld>
 </file>
 
+<file path=ppt/slides/slide16.xml><?xml version="1.0" encoding="utf-8"?>
+<p:sld xmlns:a="http://schemas.openxmlformats.org/drawingml/2006/main" xmlns:r="http://schemas.openxmlformats.org/officeDocument/2006/relationships" xmlns:p="http://schemas.openxmlformats.org/presentationml/2006/main">
+  <p:cSld>
+    <p:spTree>
+      <p:nvGrpSpPr>
+        <p:cNvPr id="1" name=""/>
+        <p:cNvGrpSpPr/>
+        <p:nvPr/>
+      </p:nvGrpSpPr>
+      <p:grpSpPr>
+        <a:xfrm>
+          <a:off x="0" y="0"/>
+          <a:ext cx="0" cy="0"/>
+          <a:chOff x="0" y="0"/>
+          <a:chExt cx="0" cy="0"/>
+        </a:xfrm>
+      </p:grpSpPr>
+      <p:sp>
+        <p:nvSpPr>
+          <p:cNvPr id="2" name="제목 1"/>
+          <p:cNvSpPr>
+            <a:spLocks noGrp="1"/>
+          </p:cNvSpPr>
+          <p:nvPr>
+            <p:ph type="title"/>
+          </p:nvPr>
+        </p:nvSpPr>
+        <p:spPr/>
+        <p:txBody>
+          <a:bodyPr/>
+          <a:lstStyle/>
+          <a:p>
+            <a:r>
+              <a:rPr lang="en-US" altLang="ko-KR" dirty="0"/>
+              <a:t>Lattice chiral Hamiltonian (N3LO)</a:t>
+            </a:r>
+            <a:endParaRPr lang="ko-KR" altLang="en-US" dirty="0"/>
+          </a:p>
+        </p:txBody>
+      </p:sp>
+      <p:sp>
+        <p:nvSpPr>
+          <p:cNvPr id="3" name="TextBox 2"/>
+          <p:cNvSpPr txBox="1"/>
+          <p:nvPr/>
+        </p:nvSpPr>
+        <p:spPr>
+          <a:xfrm>
+            <a:off x="668338" y="1681018"/>
+            <a:ext cx="8532812" cy="3785652"/>
+          </a:xfrm>
+          <a:prstGeom prst="rect">
+            <a:avLst/>
+          </a:prstGeom>
+          <a:noFill/>
+        </p:spPr>
+        <p:txBody>
+          <a:bodyPr wrap="square" rtlCol="0">
+            <a:spAutoFit/>
+          </a:bodyPr>
+          <a:lstStyle/>
+          <a:p>
+            <a:r>
+              <a:rPr lang="en-US" altLang="ko-KR" sz="2000" dirty="0"/>
+              <a:t>Full N3LO Hamiltonian includes</a:t>
+            </a:r>
+          </a:p>
+          <a:p>
+            <a:pPr marL="342900" indent="-342900">
+              <a:buFont typeface="Arial" panose="020B0604020202020204" pitchFamily="34" charset="0"/>
+              <a:buChar char="•"/>
+            </a:pPr>
+            <a:r>
+              <a:rPr lang="en-US" altLang="ko-KR" sz="2000" dirty="0"/>
+              <a:t>Free Hamiltonian(Kinetic term)</a:t>
+            </a:r>
+          </a:p>
+          <a:p>
+            <a:pPr marL="342900" indent="-342900">
+              <a:buFont typeface="Arial" panose="020B0604020202020204" pitchFamily="34" charset="0"/>
+              <a:buChar char="•"/>
+            </a:pPr>
+            <a:r>
+              <a:rPr lang="en-US" altLang="ko-KR" sz="2000" dirty="0"/>
+              <a:t>Short range (nonlocal smeared) contact interactions up to Q^4 order</a:t>
+            </a:r>
+          </a:p>
+          <a:p>
+            <a:pPr marL="342900" indent="-342900">
+              <a:buFont typeface="Arial" panose="020B0604020202020204" pitchFamily="34" charset="0"/>
+              <a:buChar char="•"/>
+            </a:pPr>
+            <a:r>
+              <a:rPr lang="en-US" altLang="ko-KR" sz="2000" dirty="0"/>
+              <a:t>Isospin-breaking short range interactions</a:t>
+            </a:r>
+          </a:p>
+          <a:p>
+            <a:pPr marL="342900" indent="-342900">
+              <a:buFont typeface="Arial" panose="020B0604020202020204" pitchFamily="34" charset="0"/>
+              <a:buChar char="•"/>
+            </a:pPr>
+            <a:r>
+              <a:rPr lang="en-US" altLang="ko-KR" sz="2000" dirty="0"/>
+              <a:t>One pion exchange potential </a:t>
+            </a:r>
+          </a:p>
+          <a:p>
+            <a:pPr marL="342900" indent="-342900">
+              <a:buFont typeface="Arial" panose="020B0604020202020204" pitchFamily="34" charset="0"/>
+              <a:buChar char="•"/>
+            </a:pPr>
+            <a:r>
+              <a:rPr lang="en-US" altLang="ko-KR" sz="2000" dirty="0"/>
+              <a:t>Two pion exchange potential up to Q^4 order</a:t>
+            </a:r>
+          </a:p>
+          <a:p>
+            <a:pPr marL="342900" indent="-342900">
+              <a:buFont typeface="Arial" panose="020B0604020202020204" pitchFamily="34" charset="0"/>
+              <a:buChar char="•"/>
+            </a:pPr>
+            <a:r>
+              <a:rPr lang="en-US" altLang="ko-KR" sz="2000" dirty="0"/>
+              <a:t>Coulomb interaction</a:t>
+            </a:r>
+          </a:p>
+          <a:p>
+            <a:pPr marL="342900" indent="-342900">
+              <a:buFont typeface="Arial" panose="020B0604020202020204" pitchFamily="34" charset="0"/>
+              <a:buChar char="•"/>
+            </a:pPr>
+            <a:r>
+              <a:rPr lang="en-US" altLang="ko-KR" sz="2000" dirty="0"/>
+              <a:t>Long range isospin breaking interaction( isospin dependence in OPE)</a:t>
+            </a:r>
+          </a:p>
+          <a:p>
+            <a:pPr marL="342900" indent="-342900">
+              <a:buFont typeface="Arial" panose="020B0604020202020204" pitchFamily="34" charset="0"/>
+              <a:buChar char="•"/>
+            </a:pPr>
+            <a:r>
+              <a:rPr lang="en-US" altLang="ko-KR" sz="2000" dirty="0"/>
+              <a:t>Galilean Invariance Restoration (GIR) term (because of non-local interaction.) </a:t>
+            </a:r>
+          </a:p>
+          <a:p>
+            <a:pPr marL="342900" indent="-342900">
+              <a:buFont typeface="Arial" panose="020B0604020202020204" pitchFamily="34" charset="0"/>
+              <a:buChar char="•"/>
+            </a:pPr>
+            <a:r>
+              <a:rPr lang="en-US" altLang="ko-KR" sz="2000" dirty="0"/>
+              <a:t>Three nucleon interaction</a:t>
+            </a:r>
+          </a:p>
+          <a:p>
+            <a:pPr marL="342900" indent="-342900">
+              <a:buFont typeface="Arial" panose="020B0604020202020204" pitchFamily="34" charset="0"/>
+              <a:buChar char="•"/>
+            </a:pPr>
+            <a:endParaRPr lang="en-US" altLang="ko-KR" sz="2000" dirty="0"/>
+          </a:p>
+        </p:txBody>
+      </p:sp>
+      <p:pic>
+        <p:nvPicPr>
+          <p:cNvPr id="4" name="그림 3"/>
+          <p:cNvPicPr>
+            <a:picLocks noChangeAspect="1"/>
+          </p:cNvPicPr>
+          <p:nvPr/>
+        </p:nvPicPr>
+        <p:blipFill>
+          <a:blip r:embed="rId2"/>
+          <a:stretch>
+            <a:fillRect/>
+          </a:stretch>
+        </p:blipFill>
+        <p:spPr>
+          <a:xfrm>
+            <a:off x="5904932" y="4547360"/>
+            <a:ext cx="3505768" cy="2085215"/>
+          </a:xfrm>
+          <a:prstGeom prst="rect">
+            <a:avLst/>
+          </a:prstGeom>
+        </p:spPr>
+      </p:pic>
+    </p:spTree>
+    <p:extLst>
+      <p:ext uri="{BB962C8B-B14F-4D97-AF65-F5344CB8AC3E}">
+        <p14:creationId xmlns:p14="http://schemas.microsoft.com/office/powerpoint/2010/main" val="3324199361"/>
+      </p:ext>
+    </p:extLst>
+  </p:cSld>
+  <p:clrMapOvr>
+    <a:masterClrMapping/>
+  </p:clrMapOvr>
+</p:sld>
+</file>
+
+<file path=ppt/slides/slide17.xml><?xml version="1.0" encoding="utf-8"?>
+<p:sld xmlns:a="http://schemas.openxmlformats.org/drawingml/2006/main" xmlns:r="http://schemas.openxmlformats.org/officeDocument/2006/relationships" xmlns:p="http://schemas.openxmlformats.org/presentationml/2006/main">
+  <p:cSld>
+    <p:spTree>
+      <p:nvGrpSpPr>
+        <p:cNvPr id="1" name=""/>
+        <p:cNvGrpSpPr/>
+        <p:nvPr/>
+      </p:nvGrpSpPr>
+      <p:grpSpPr>
+        <a:xfrm>
+          <a:off x="0" y="0"/>
+          <a:ext cx="0" cy="0"/>
+          <a:chOff x="0" y="0"/>
+          <a:chExt cx="0" cy="0"/>
+        </a:xfrm>
+      </p:grpSpPr>
+      <p:sp>
+        <p:nvSpPr>
+          <p:cNvPr id="2" name="제목 1"/>
+          <p:cNvSpPr>
+            <a:spLocks noGrp="1"/>
+          </p:cNvSpPr>
+          <p:nvPr>
+            <p:ph type="title"/>
+          </p:nvPr>
+        </p:nvSpPr>
+        <p:spPr/>
+        <p:txBody>
+          <a:bodyPr/>
+          <a:lstStyle/>
+          <a:p>
+            <a:r>
+              <a:rPr lang="en-US" altLang="ko-KR" dirty="0"/>
+              <a:t>Difficulty with full chiral interaction</a:t>
+            </a:r>
+            <a:endParaRPr lang="ko-KR" altLang="en-US" dirty="0"/>
+          </a:p>
+        </p:txBody>
+      </p:sp>
+      <p:sp>
+        <p:nvSpPr>
+          <p:cNvPr id="3" name="TextBox 2"/>
+          <p:cNvSpPr txBox="1"/>
+          <p:nvPr/>
+        </p:nvSpPr>
+        <p:spPr>
+          <a:xfrm>
+            <a:off x="874207" y="1868993"/>
+            <a:ext cx="8139164" cy="3863365"/>
+          </a:xfrm>
+          <a:prstGeom prst="rect">
+            <a:avLst/>
+          </a:prstGeom>
+          <a:noFill/>
+        </p:spPr>
+        <p:txBody>
+          <a:bodyPr wrap="square" rtlCol="0">
+            <a:spAutoFit/>
+          </a:bodyPr>
+          <a:lstStyle/>
+          <a:p>
+            <a:pPr marL="342900" indent="-342900">
+              <a:buFont typeface="Arial" panose="020B0604020202020204" pitchFamily="34" charset="0"/>
+              <a:buChar char="•"/>
+            </a:pPr>
+            <a:r>
+              <a:rPr lang="en-US" altLang="ko-KR" dirty="0">
+                <a:solidFill>
+                  <a:srgbClr val="FF0000"/>
+                </a:solidFill>
+              </a:rPr>
+              <a:t>Sign problem</a:t>
+            </a:r>
+          </a:p>
+          <a:p>
+            <a:pPr marL="821819" lvl="1" indent="-342900">
+              <a:buFont typeface="Arial" panose="020B0604020202020204" pitchFamily="34" charset="0"/>
+              <a:buChar char="•"/>
+            </a:pPr>
+            <a:r>
+              <a:rPr lang="en-US" altLang="ko-KR" dirty="0"/>
+              <a:t>NLEFT suffers sign problems at large Euclidean time limit</a:t>
+            </a:r>
+          </a:p>
+          <a:p>
+            <a:pPr marL="821819" lvl="1" indent="-342900">
+              <a:buFont typeface="Arial" panose="020B0604020202020204" pitchFamily="34" charset="0"/>
+              <a:buChar char="•"/>
+            </a:pPr>
+            <a:r>
+              <a:rPr lang="en-US" altLang="ko-KR" dirty="0"/>
+              <a:t>Large cancellation between positive and negative contributions</a:t>
+            </a:r>
+            <a:r>
+              <a:rPr lang="en-US" altLang="ko-KR" dirty="0">
+                <a:sym typeface="Wingdings" panose="05000000000000000000" pitchFamily="2" charset="2"/>
+              </a:rPr>
+              <a:t> large uncertainty. </a:t>
+            </a:r>
+          </a:p>
+          <a:p>
+            <a:pPr marL="821819" lvl="1" indent="-342900">
+              <a:buFont typeface="Arial" panose="020B0604020202020204" pitchFamily="34" charset="0"/>
+              <a:buChar char="•"/>
+            </a:pPr>
+            <a:r>
+              <a:rPr lang="en-US" altLang="ko-KR" dirty="0"/>
+              <a:t>SU(4) symmetric interaction does not have sign problem</a:t>
+            </a:r>
+          </a:p>
+          <a:p>
+            <a:pPr marL="821819" lvl="1" indent="-342900">
+              <a:buFont typeface="Arial" panose="020B0604020202020204" pitchFamily="34" charset="0"/>
+              <a:buChar char="•"/>
+            </a:pPr>
+            <a:r>
+              <a:rPr lang="en-US" altLang="ko-KR" dirty="0"/>
+              <a:t>One pion exchange and </a:t>
+            </a:r>
+            <a:r>
+              <a:rPr lang="en-US" altLang="ko-KR" dirty="0">
+                <a:solidFill>
+                  <a:srgbClr val="FF0000"/>
+                </a:solidFill>
+              </a:rPr>
+              <a:t>higher order chiral interaction, short range repulsion</a:t>
+            </a:r>
+          </a:p>
+          <a:p>
+            <a:pPr marL="821819" lvl="1" indent="-342900">
+              <a:buFont typeface="Arial" panose="020B0604020202020204" pitchFamily="34" charset="0"/>
+              <a:buChar char="•"/>
+            </a:pPr>
+            <a:r>
+              <a:rPr lang="en-US" altLang="ko-KR" dirty="0"/>
+              <a:t>Difficulty with Asymmetric nuclei</a:t>
+            </a:r>
+          </a:p>
+          <a:p>
+            <a:pPr marL="821819" lvl="1" indent="-342900">
+              <a:buFont typeface="Arial" panose="020B0604020202020204" pitchFamily="34" charset="0"/>
+              <a:buChar char="•"/>
+            </a:pPr>
+            <a:r>
+              <a:rPr lang="en-US" altLang="ko-KR" dirty="0"/>
+              <a:t>Needs a remedy to extend to </a:t>
+            </a:r>
+            <a:r>
+              <a:rPr lang="en-US" altLang="ko-KR" dirty="0">
+                <a:solidFill>
+                  <a:srgbClr val="FF0000"/>
+                </a:solidFill>
+              </a:rPr>
+              <a:t>neutron rich isotopes</a:t>
+            </a:r>
+            <a:r>
+              <a:rPr lang="en-US" altLang="ko-KR" dirty="0"/>
+              <a:t>.</a:t>
+            </a:r>
+          </a:p>
+          <a:p>
+            <a:pPr marL="821819" lvl="1" indent="-342900">
+              <a:buFont typeface="Arial" panose="020B0604020202020204" pitchFamily="34" charset="0"/>
+              <a:buChar char="•"/>
+            </a:pPr>
+            <a:endParaRPr lang="en-US" altLang="ko-KR" dirty="0"/>
+          </a:p>
+          <a:p>
+            <a:pPr marL="342900" indent="-342900">
+              <a:buFont typeface="Arial" panose="020B0604020202020204" pitchFamily="34" charset="0"/>
+              <a:buChar char="•"/>
+            </a:pPr>
+            <a:r>
+              <a:rPr lang="en-US" altLang="ko-KR" dirty="0"/>
+              <a:t>A new approach to reduce the sign problem.</a:t>
+            </a:r>
+          </a:p>
+          <a:p>
+            <a:pPr marL="342900" indent="-342900">
+              <a:buFont typeface="Arial" panose="020B0604020202020204" pitchFamily="34" charset="0"/>
+              <a:buChar char="•"/>
+            </a:pPr>
+            <a:r>
+              <a:rPr lang="en-US" altLang="ko-KR" dirty="0">
+                <a:sym typeface="Wingdings" panose="05000000000000000000" pitchFamily="2" charset="2"/>
+              </a:rPr>
+              <a:t> Wave function matching Hamiltonian.</a:t>
+            </a:r>
+            <a:endParaRPr lang="en-US" altLang="ko-KR" dirty="0"/>
+          </a:p>
+          <a:p>
+            <a:pPr marL="342900" indent="-342900">
+              <a:buFont typeface="Arial" panose="020B0604020202020204" pitchFamily="34" charset="0"/>
+              <a:buChar char="•"/>
+            </a:pPr>
+            <a:endParaRPr lang="ko-KR" altLang="en-US" dirty="0"/>
+          </a:p>
+        </p:txBody>
+      </p:sp>
+      <p:pic>
+        <p:nvPicPr>
+          <p:cNvPr id="4" name="그림 3"/>
+          <p:cNvPicPr>
+            <a:picLocks noChangeAspect="1"/>
+          </p:cNvPicPr>
+          <p:nvPr/>
+        </p:nvPicPr>
+        <p:blipFill>
+          <a:blip r:embed="rId2"/>
+          <a:stretch>
+            <a:fillRect/>
+          </a:stretch>
+        </p:blipFill>
+        <p:spPr>
+          <a:xfrm>
+            <a:off x="6213475" y="4575070"/>
+            <a:ext cx="3505768" cy="2085215"/>
+          </a:xfrm>
+          <a:prstGeom prst="rect">
+            <a:avLst/>
+          </a:prstGeom>
+        </p:spPr>
+      </p:pic>
+    </p:spTree>
+    <p:extLst>
+      <p:ext uri="{BB962C8B-B14F-4D97-AF65-F5344CB8AC3E}">
+        <p14:creationId xmlns:p14="http://schemas.microsoft.com/office/powerpoint/2010/main" val="2151944090"/>
+      </p:ext>
+    </p:extLst>
+  </p:cSld>
+  <p:clrMapOvr>
+    <a:masterClrMapping/>
+  </p:clrMapOvr>
+</p:sld>
+</file>
+
 <file path=ppt/slides/slide18.xml><?xml version="1.0" encoding="utf-8"?>
 <p:sld xmlns:a="http://schemas.openxmlformats.org/drawingml/2006/main" xmlns:r="http://schemas.openxmlformats.org/officeDocument/2006/relationships" xmlns:p="http://schemas.openxmlformats.org/presentationml/2006/main">
   <p:cSld>
@@ -12443,9 +12200,32 @@
           <a:chExt cx="0" cy="0"/>
         </a:xfrm>
       </p:grpSpPr>
+      <p:sp>
+        <p:nvSpPr>
+          <p:cNvPr id="2" name="제목 1"/>
+          <p:cNvSpPr>
+            <a:spLocks noGrp="1"/>
+          </p:cNvSpPr>
+          <p:nvPr>
+            <p:ph type="title"/>
+          </p:nvPr>
+        </p:nvSpPr>
+        <p:spPr/>
+        <p:txBody>
+          <a:bodyPr/>
+          <a:lstStyle/>
+          <a:p>
+            <a:r>
+              <a:rPr lang="en-US" altLang="ko-KR" dirty="0"/>
+              <a:t>Wave function matching</a:t>
+            </a:r>
+            <a:endParaRPr lang="ko-KR" altLang="en-US" dirty="0"/>
+          </a:p>
+        </p:txBody>
+      </p:sp>
       <p:pic>
         <p:nvPicPr>
-          <p:cNvPr id="2" name="그림 1"/>
+          <p:cNvPr id="4" name="그림 3"/>
           <p:cNvPicPr>
             <a:picLocks noChangeAspect="1"/>
           </p:cNvPicPr>
@@ -12459,17 +12239,52 @@
         </p:blipFill>
         <p:spPr>
           <a:xfrm>
-            <a:off x="5366327" y="1917199"/>
-            <a:ext cx="3717348" cy="3402320"/>
+            <a:off x="307975" y="1438275"/>
+            <a:ext cx="7112874" cy="4870450"/>
           </a:xfrm>
           <a:prstGeom prst="rect">
             <a:avLst/>
           </a:prstGeom>
         </p:spPr>
       </p:pic>
+      <p:sp>
+        <p:nvSpPr>
+          <p:cNvPr id="5" name="TextBox 4"/>
+          <p:cNvSpPr txBox="1"/>
+          <p:nvPr/>
+        </p:nvSpPr>
+        <p:spPr>
+          <a:xfrm>
+            <a:off x="997219" y="4913507"/>
+            <a:ext cx="1811714" cy="672492"/>
+          </a:xfrm>
+          <a:prstGeom prst="rect">
+            <a:avLst/>
+          </a:prstGeom>
+          <a:noFill/>
+        </p:spPr>
+        <p:txBody>
+          <a:bodyPr wrap="none" rtlCol="0">
+            <a:spAutoFit/>
+          </a:bodyPr>
+          <a:lstStyle/>
+          <a:p>
+            <a:r>
+              <a:rPr lang="en-US" altLang="ko-KR" dirty="0"/>
+              <a:t>U is only active</a:t>
+            </a:r>
+          </a:p>
+          <a:p>
+            <a:r>
+              <a:rPr lang="en-US" altLang="ko-KR" dirty="0"/>
+              <a:t>At r &lt; R</a:t>
+            </a:r>
+          </a:p>
+        </p:txBody>
+      </p:sp>
       <p:pic>
         <p:nvPicPr>
-          <p:cNvPr id="3" name="그림 2"/>
+          <p:cNvPr id="6" name="그림 5"/>
           <p:cNvPicPr>
             <a:picLocks noChangeAspect="1"/>
           </p:cNvPicPr>
@@ -12483,24 +12298,48 @@
         </p:blipFill>
         <p:spPr>
           <a:xfrm>
-            <a:off x="787401" y="1917199"/>
-            <a:ext cx="4227944" cy="3462343"/>
+            <a:off x="3283795" y="3945551"/>
+            <a:ext cx="3697298" cy="470678"/>
           </a:xfrm>
           <a:prstGeom prst="rect">
             <a:avLst/>
           </a:prstGeom>
         </p:spPr>
       </p:pic>
-      <p:sp>
-        <p:nvSpPr>
-          <p:cNvPr id="4" name="TextBox 3"/>
+      <p:pic>
+        <p:nvPicPr>
+          <p:cNvPr id="7" name="그림 6"/>
+          <p:cNvPicPr>
+            <a:picLocks noChangeAspect="1"/>
+          </p:cNvPicPr>
+          <p:nvPr/>
+        </p:nvPicPr>
+        <p:blipFill>
+          <a:blip r:embed="rId4"/>
+          <a:stretch>
+            <a:fillRect/>
+          </a:stretch>
+        </p:blipFill>
+        <p:spPr>
+          <a:xfrm>
+            <a:off x="4129968" y="4454309"/>
+            <a:ext cx="2004951" cy="459198"/>
+          </a:xfrm>
+          <a:prstGeom prst="rect">
+            <a:avLst/>
+          </a:prstGeom>
+        </p:spPr>
+      </p:pic>
+      <p:sp>
+        <p:nvSpPr>
+          <p:cNvPr id="8" name="TextBox 7"/>
           <p:cNvSpPr txBox="1"/>
           <p:nvPr/>
         </p:nvSpPr>
         <p:spPr>
           <a:xfrm>
-            <a:off x="775854" y="5697538"/>
-            <a:ext cx="4433455" cy="672492"/>
+            <a:off x="7420849" y="1524000"/>
+            <a:ext cx="2078904" cy="962571"/>
           </a:xfrm>
           <a:prstGeom prst="rect">
             <a:avLst/>
@@ -12515,22 +12354,101 @@
           <a:p>
             <a:r>
               <a:rPr lang="en-US" altLang="ko-KR" dirty="0"/>
-              <a:t>Can we improve the agreement by </a:t>
-            </a:r>
-          </a:p>
+              <a:t>H and H’ are fully equivalent to two-body observables</a:t>
+            </a:r>
+            <a:endParaRPr lang="ko-KR" altLang="en-US" dirty="0"/>
+          </a:p>
+        </p:txBody>
+      </p:sp>
+      <p:sp>
+        <p:nvSpPr>
+          <p:cNvPr id="9" name="TextBox 8"/>
+          <p:cNvSpPr txBox="1"/>
+          <p:nvPr/>
+        </p:nvSpPr>
+        <p:spPr>
+          <a:xfrm>
+            <a:off x="7420849" y="2693770"/>
+            <a:ext cx="2197223" cy="2122889"/>
+          </a:xfrm>
+          <a:prstGeom prst="rect">
+            <a:avLst/>
+          </a:prstGeom>
+          <a:noFill/>
+        </p:spPr>
+        <p:txBody>
+          <a:bodyPr wrap="square" rtlCol="0">
+            <a:spAutoFit/>
+          </a:bodyPr>
+          <a:lstStyle/>
           <a:p>
             <a:r>
               <a:rPr lang="en-US" altLang="ko-KR" dirty="0"/>
-              <a:t>Including higher order corrections? </a:t>
-            </a:r>
-            <a:endParaRPr lang="ko-KR" altLang="en-US" dirty="0"/>
-          </a:p>
-        </p:txBody>
-      </p:sp>
+              <a:t>The</a:t>
+            </a:r>
+            <a:r>
+              <a:rPr lang="en-US" altLang="ko-KR" dirty="0">
+                <a:solidFill>
+                  <a:srgbClr val="FF0000"/>
+                </a:solidFill>
+              </a:rPr>
+              <a:t> goal </a:t>
+            </a:r>
+            <a:r>
+              <a:rPr lang="en-US" altLang="ko-KR" dirty="0"/>
+              <a:t>is to make the </a:t>
+            </a:r>
+            <a:r>
+              <a:rPr lang="en-US" altLang="ko-KR" dirty="0">
+                <a:solidFill>
+                  <a:srgbClr val="FF0000"/>
+                </a:solidFill>
+              </a:rPr>
+              <a:t>perturbation expansion</a:t>
+            </a:r>
+            <a:r>
+              <a:rPr lang="en-US" altLang="ko-KR" dirty="0"/>
+              <a:t> from “simple” wave function gives </a:t>
+            </a:r>
+            <a:r>
+              <a:rPr lang="en-US" altLang="ko-KR" dirty="0">
+                <a:solidFill>
+                  <a:srgbClr val="FF0000"/>
+                </a:solidFill>
+              </a:rPr>
+              <a:t>a good convergence</a:t>
+            </a:r>
+          </a:p>
+        </p:txBody>
+      </p:sp>
+      <p:pic>
+        <p:nvPicPr>
+          <p:cNvPr id="10" name="그림 9"/>
+          <p:cNvPicPr>
+            <a:picLocks noChangeAspect="1"/>
+          </p:cNvPicPr>
+          <p:nvPr/>
+        </p:nvPicPr>
+        <p:blipFill>
+          <a:blip r:embed="rId5"/>
+          <a:stretch>
+            <a:fillRect/>
+          </a:stretch>
+        </p:blipFill>
+        <p:spPr>
+          <a:xfrm>
+            <a:off x="7376341" y="4913507"/>
+            <a:ext cx="2167921" cy="1105441"/>
+          </a:xfrm>
+          <a:prstGeom prst="rect">
+            <a:avLst/>
+          </a:prstGeom>
+        </p:spPr>
+      </p:pic>
     </p:spTree>
     <p:extLst>
       <p:ext uri="{BB962C8B-B14F-4D97-AF65-F5344CB8AC3E}">
-        <p14:creationId xmlns:p14="http://schemas.microsoft.com/office/powerpoint/2010/main" val="3041087233"/>
+        <p14:creationId xmlns:p14="http://schemas.microsoft.com/office/powerpoint/2010/main" val="651524898"/>
       </p:ext>
     </p:extLst>
   </p:cSld>
@@ -12574,141 +12492,15 @@
           <a:p>
             <a:r>
               <a:rPr lang="en-US" altLang="ko-KR" dirty="0"/>
-              <a:t>Lattice chiral Hamiltonian (N3LO)</a:t>
+              <a:t>NN phase shifts from WFM</a:t>
             </a:r>
             <a:endParaRPr lang="ko-KR" altLang="en-US" dirty="0"/>
-          </a:p>
-        </p:txBody>
-      </p:sp>
-      <p:sp>
-        <p:nvSpPr>
-          <p:cNvPr id="3" name="TextBox 2"/>
-          <p:cNvSpPr txBox="1"/>
-          <p:nvPr/>
-        </p:nvSpPr>
-        <p:spPr>
-          <a:xfrm>
-            <a:off x="668338" y="1681018"/>
-            <a:ext cx="8532812" cy="3785652"/>
-          </a:xfrm>
-          <a:prstGeom prst="rect">
-            <a:avLst/>
-          </a:prstGeom>
-          <a:noFill/>
-        </p:spPr>
-        <p:txBody>
-          <a:bodyPr wrap="square" rtlCol="0">
-            <a:spAutoFit/>
-          </a:bodyPr>
-          <a:lstStyle/>
-          <a:p>
-            <a:r>
-              <a:rPr lang="en-US" altLang="ko-KR" sz="2000" dirty="0"/>
-              <a:t>Full N3LO Hamiltonian includes</a:t>
-            </a:r>
-          </a:p>
-          <a:p>
-            <a:pPr marL="342900" indent="-342900">
-              <a:buFont typeface="Arial" panose="020B0604020202020204" pitchFamily="34" charset="0"/>
-              <a:buChar char="•"/>
-            </a:pPr>
-            <a:r>
-              <a:rPr lang="en-US" altLang="ko-KR" sz="2000" dirty="0"/>
-              <a:t>Free Hamiltonian(Kinetic term)</a:t>
-            </a:r>
-          </a:p>
-          <a:p>
-            <a:pPr marL="342900" indent="-342900">
-              <a:buFont typeface="Arial" panose="020B0604020202020204" pitchFamily="34" charset="0"/>
-              <a:buChar char="•"/>
-            </a:pPr>
-            <a:r>
-              <a:rPr lang="en-US" altLang="ko-KR" sz="2000" dirty="0"/>
-              <a:t>Short range (nonlocal smeared) contact interactions up to Q^4 order</a:t>
-            </a:r>
-          </a:p>
-          <a:p>
-            <a:pPr marL="342900" indent="-342900">
-              <a:buFont typeface="Arial" panose="020B0604020202020204" pitchFamily="34" charset="0"/>
-              <a:buChar char="•"/>
-            </a:pPr>
-            <a:r>
-              <a:rPr lang="en-US" altLang="ko-KR" sz="2000" dirty="0"/>
-              <a:t>Isospin-breaking short range interactions</a:t>
-            </a:r>
-          </a:p>
-          <a:p>
-            <a:pPr marL="342900" indent="-342900">
-              <a:buFont typeface="Arial" panose="020B0604020202020204" pitchFamily="34" charset="0"/>
-              <a:buChar char="•"/>
-            </a:pPr>
-            <a:r>
-              <a:rPr lang="en-US" altLang="ko-KR" sz="2000" dirty="0"/>
-              <a:t>One pion exchange potential </a:t>
-            </a:r>
-          </a:p>
-          <a:p>
-            <a:pPr marL="342900" indent="-342900">
-              <a:buFont typeface="Arial" panose="020B0604020202020204" pitchFamily="34" charset="0"/>
-              <a:buChar char="•"/>
-            </a:pPr>
-            <a:r>
-              <a:rPr lang="en-US" altLang="ko-KR" sz="2000" dirty="0"/>
-              <a:t>Two pion exchange potential up to Q^4 order</a:t>
-            </a:r>
-          </a:p>
-          <a:p>
-            <a:pPr marL="342900" indent="-342900">
-              <a:buFont typeface="Arial" panose="020B0604020202020204" pitchFamily="34" charset="0"/>
-              <a:buChar char="•"/>
-            </a:pPr>
-            <a:r>
-              <a:rPr lang="en-US" altLang="ko-KR" sz="2000" dirty="0"/>
-              <a:t>Coulomb interaction</a:t>
-            </a:r>
-          </a:p>
-          <a:p>
-            <a:pPr marL="342900" indent="-342900">
-              <a:buFont typeface="Arial" panose="020B0604020202020204" pitchFamily="34" charset="0"/>
-              <a:buChar char="•"/>
-            </a:pPr>
-            <a:r>
-              <a:rPr lang="en-US" altLang="ko-KR" sz="2000" dirty="0"/>
-              <a:t>Long range isospin breaking interaction( isospin dependence in OPE)</a:t>
-            </a:r>
-          </a:p>
-          <a:p>
-            <a:pPr marL="342900" indent="-342900">
-              <a:buFont typeface="Arial" panose="020B0604020202020204" pitchFamily="34" charset="0"/>
-              <a:buChar char="•"/>
-            </a:pPr>
-            <a:r>
-              <a:rPr lang="en-US" altLang="ko-KR" sz="2000" dirty="0"/>
-              <a:t>Galilean Invariance Restoration (GIR) term (because of non-local interaction.) </a:t>
-            </a:r>
-          </a:p>
-          <a:p>
-            <a:pPr marL="342900" indent="-342900">
-              <a:buFont typeface="Arial" panose="020B0604020202020204" pitchFamily="34" charset="0"/>
-              <a:buChar char="•"/>
-            </a:pPr>
-            <a:r>
-              <a:rPr lang="en-US" altLang="ko-KR" sz="2000" dirty="0"/>
-              <a:t>Three nucleon interaction</a:t>
-            </a:r>
-          </a:p>
-          <a:p>
-            <a:pPr marL="342900" indent="-342900">
-              <a:buFont typeface="Arial" panose="020B0604020202020204" pitchFamily="34" charset="0"/>
-              <a:buChar char="•"/>
-            </a:pPr>
-            <a:endParaRPr lang="en-US" altLang="ko-KR" sz="2000" dirty="0"/>
           </a:p>
         </p:txBody>
       </p:sp>
       <p:pic>
         <p:nvPicPr>
-          <p:cNvPr id="4" name="그림 3"/>
+          <p:cNvPr id="3" name="그림 2"/>
           <p:cNvPicPr>
             <a:picLocks noChangeAspect="1"/>
           </p:cNvPicPr>
@@ -12722,8 +12514,71 @@
         </p:blipFill>
         <p:spPr>
           <a:xfrm>
-            <a:off x="5904932" y="4547360"/>
-            <a:ext cx="3505768" cy="2085215"/>
+            <a:off x="417460" y="1785693"/>
+            <a:ext cx="6633971" cy="4241157"/>
+          </a:xfrm>
+          <a:prstGeom prst="rect">
+            <a:avLst/>
+          </a:prstGeom>
+        </p:spPr>
+      </p:pic>
+      <p:sp>
+        <p:nvSpPr>
+          <p:cNvPr id="4" name="TextBox 3"/>
+          <p:cNvSpPr txBox="1"/>
+          <p:nvPr/>
+        </p:nvSpPr>
+        <p:spPr>
+          <a:xfrm>
+            <a:off x="7323992" y="2022231"/>
+            <a:ext cx="2224454" cy="2412968"/>
+          </a:xfrm>
+          <a:prstGeom prst="rect">
+            <a:avLst/>
+          </a:prstGeom>
+          <a:noFill/>
+        </p:spPr>
+        <p:txBody>
+          <a:bodyPr wrap="square" rtlCol="0">
+            <a:spAutoFit/>
+          </a:bodyPr>
+          <a:lstStyle/>
+          <a:p>
+            <a:r>
+              <a:rPr lang="en-US" altLang="ko-KR" dirty="0"/>
+              <a:t>Original Chiral Hamiltonian is fitted to phase shifts. (up to N3LO)</a:t>
+            </a:r>
+          </a:p>
+          <a:p>
+            <a:endParaRPr lang="en-US" altLang="ko-KR" dirty="0"/>
+          </a:p>
+          <a:p>
+            <a:r>
+              <a:rPr lang="en-US" altLang="ko-KR" dirty="0"/>
+              <a:t>H’ is equivalent to original Hamiltonian.</a:t>
+            </a:r>
+            <a:endParaRPr lang="ko-KR" altLang="en-US" dirty="0"/>
+          </a:p>
+        </p:txBody>
+      </p:sp>
+      <p:pic>
+        <p:nvPicPr>
+          <p:cNvPr id="5" name="그림 4"/>
+          <p:cNvPicPr>
+            <a:picLocks noChangeAspect="1"/>
+          </p:cNvPicPr>
+          <p:nvPr/>
+        </p:nvPicPr>
+        <p:blipFill>
+          <a:blip r:embed="rId3"/>
+          <a:stretch>
+            <a:fillRect/>
+          </a:stretch>
+        </p:blipFill>
+        <p:spPr>
+          <a:xfrm>
+            <a:off x="7476885" y="4766719"/>
+            <a:ext cx="1362265" cy="333422"/>
           </a:xfrm>
           <a:prstGeom prst="rect">
             <a:avLst/>
@@ -12733,7 +12588,7 @@
     </p:spTree>
     <p:extLst>
       <p:ext uri="{BB962C8B-B14F-4D97-AF65-F5344CB8AC3E}">
-        <p14:creationId xmlns:p14="http://schemas.microsoft.com/office/powerpoint/2010/main" val="3324199361"/>
+        <p14:creationId xmlns:p14="http://schemas.microsoft.com/office/powerpoint/2010/main" val="2077646196"/>
       </p:ext>
     </p:extLst>
   </p:cSld>
@@ -12838,13 +12693,8 @@
           <a:p>
             <a:r>
               <a:rPr lang="en-US" dirty="0"/>
-              <a:t>: 3 Korean </a:t>
-            </a:r>
-            <a:r>
-              <a:rPr lang="en-US" dirty="0" smtClean="0"/>
-              <a:t>researchers(Y.-H. Song, Y. Kim, M. Kim)</a:t>
-            </a:r>
-            <a:endParaRPr lang="en-US" dirty="0"/>
+              <a:t>: 3 Korean researchers(Y.-H. Song, Y. Kim, M. Kim)</a:t>
+            </a:r>
           </a:p>
         </p:txBody>
       </p:sp>
@@ -12895,175 +12745,15 @@
           <a:p>
             <a:r>
               <a:rPr lang="en-US" altLang="ko-KR" dirty="0"/>
-              <a:t>Difficulty with full chiral interaction</a:t>
-            </a:r>
-            <a:endParaRPr lang="ko-KR" altLang="en-US" dirty="0"/>
-          </a:p>
-        </p:txBody>
-      </p:sp>
-      <p:sp>
-        <p:nvSpPr>
-          <p:cNvPr id="3" name="TextBox 2"/>
-          <p:cNvSpPr txBox="1"/>
-          <p:nvPr/>
-        </p:nvSpPr>
-        <p:spPr>
-          <a:xfrm>
-            <a:off x="874207" y="1868993"/>
-            <a:ext cx="8139164" cy="3863365"/>
-          </a:xfrm>
-          <a:prstGeom prst="rect">
-            <a:avLst/>
-          </a:prstGeom>
-          <a:noFill/>
-        </p:spPr>
-        <p:txBody>
-          <a:bodyPr wrap="square" rtlCol="0">
-            <a:spAutoFit/>
-          </a:bodyPr>
-          <a:lstStyle/>
-          <a:p>
-            <a:pPr marL="342900" indent="-342900">
-              <a:buFont typeface="Arial" panose="020B0604020202020204" pitchFamily="34" charset="0"/>
-              <a:buChar char="•"/>
-            </a:pPr>
-            <a:r>
-              <a:rPr lang="en-US" altLang="ko-KR" dirty="0">
-                <a:solidFill>
-                  <a:srgbClr val="FF0000"/>
-                </a:solidFill>
-              </a:rPr>
-              <a:t>Sign problem</a:t>
-            </a:r>
-          </a:p>
-          <a:p>
-            <a:pPr marL="821819" lvl="1" indent="-342900">
-              <a:buFont typeface="Arial" panose="020B0604020202020204" pitchFamily="34" charset="0"/>
-              <a:buChar char="•"/>
-            </a:pPr>
-            <a:r>
-              <a:rPr lang="en-US" altLang="ko-KR" dirty="0"/>
-              <a:t>NLEFT suffers sign problems at large Euclidean time limit</a:t>
-            </a:r>
-          </a:p>
-          <a:p>
-            <a:pPr marL="821819" lvl="1" indent="-342900">
-              <a:buFont typeface="Arial" panose="020B0604020202020204" pitchFamily="34" charset="0"/>
-              <a:buChar char="•"/>
-            </a:pPr>
-            <a:r>
-              <a:rPr lang="en-US" altLang="ko-KR" dirty="0"/>
-              <a:t>Large cancellation between positive and negative contributions</a:t>
-            </a:r>
-            <a:r>
-              <a:rPr lang="en-US" altLang="ko-KR" dirty="0">
-                <a:sym typeface="Wingdings" panose="05000000000000000000" pitchFamily="2" charset="2"/>
-              </a:rPr>
-              <a:t> large uncertainty. </a:t>
-            </a:r>
-          </a:p>
-          <a:p>
-            <a:pPr marL="821819" lvl="1" indent="-342900">
-              <a:buFont typeface="Arial" panose="020B0604020202020204" pitchFamily="34" charset="0"/>
-              <a:buChar char="•"/>
-            </a:pPr>
-            <a:r>
-              <a:rPr lang="en-US" altLang="ko-KR" dirty="0"/>
-              <a:t>SU(4) symmetric interaction does not have sign problem</a:t>
-            </a:r>
-          </a:p>
-          <a:p>
-            <a:pPr marL="821819" lvl="1" indent="-342900">
-              <a:buFont typeface="Arial" panose="020B0604020202020204" pitchFamily="34" charset="0"/>
-              <a:buChar char="•"/>
-            </a:pPr>
-            <a:r>
-              <a:rPr lang="en-US" altLang="ko-KR" dirty="0"/>
-              <a:t>One pion exchange and </a:t>
-            </a:r>
-            <a:r>
-              <a:rPr lang="en-US" altLang="ko-KR" dirty="0">
-                <a:solidFill>
-                  <a:srgbClr val="FF0000"/>
-                </a:solidFill>
-              </a:rPr>
-              <a:t>higher order chiral interaction, short range repulsion</a:t>
-            </a:r>
-          </a:p>
-          <a:p>
-            <a:pPr marL="821819" lvl="1" indent="-342900">
-              <a:buFont typeface="Arial" panose="020B0604020202020204" pitchFamily="34" charset="0"/>
-              <a:buChar char="•"/>
-            </a:pPr>
-            <a:r>
-              <a:rPr lang="en-US" altLang="ko-KR" dirty="0"/>
-              <a:t>Difficulty with Asymmetric nuclei</a:t>
-            </a:r>
-          </a:p>
-          <a:p>
-            <a:pPr marL="821819" lvl="1" indent="-342900">
-              <a:buFont typeface="Arial" panose="020B0604020202020204" pitchFamily="34" charset="0"/>
-              <a:buChar char="•"/>
-            </a:pPr>
-            <a:r>
-              <a:rPr lang="en-US" altLang="ko-KR" dirty="0"/>
-              <a:t>Needs a remedy to extend to </a:t>
-            </a:r>
-            <a:r>
-              <a:rPr lang="en-US" altLang="ko-KR" dirty="0">
-                <a:solidFill>
-                  <a:srgbClr val="FF0000"/>
-                </a:solidFill>
-              </a:rPr>
-              <a:t>neutron rich isotopes</a:t>
-            </a:r>
-            <a:r>
-              <a:rPr lang="en-US" altLang="ko-KR" dirty="0"/>
-              <a:t>.</a:t>
-            </a:r>
-          </a:p>
-          <a:p>
-            <a:pPr marL="821819" lvl="1" indent="-342900">
-              <a:buFont typeface="Arial" panose="020B0604020202020204" pitchFamily="34" charset="0"/>
-              <a:buChar char="•"/>
-            </a:pPr>
-            <a:endParaRPr lang="en-US" altLang="ko-KR" dirty="0"/>
-          </a:p>
-          <a:p>
-            <a:pPr marL="342900" indent="-342900">
-              <a:buFont typeface="Arial" panose="020B0604020202020204" pitchFamily="34" charset="0"/>
-              <a:buChar char="•"/>
-            </a:pPr>
-            <a:r>
-              <a:rPr lang="en-US" altLang="ko-KR" dirty="0"/>
-              <a:t>A new approach to reduce the sign problem.</a:t>
-            </a:r>
-          </a:p>
-          <a:p>
-            <a:pPr marL="342900" indent="-342900">
-              <a:buFont typeface="Arial" panose="020B0604020202020204" pitchFamily="34" charset="0"/>
-              <a:buChar char="•"/>
-            </a:pPr>
-            <a:r>
-              <a:rPr lang="en-US" altLang="ko-KR" dirty="0">
-                <a:sym typeface="Wingdings" panose="05000000000000000000" pitchFamily="2" charset="2"/>
-              </a:rPr>
-              <a:t> Wave function matching Hamiltonian.</a:t>
-            </a:r>
-            <a:endParaRPr lang="en-US" altLang="ko-KR" dirty="0"/>
-          </a:p>
-          <a:p>
-            <a:pPr marL="342900" indent="-342900">
-              <a:buFont typeface="Arial" panose="020B0604020202020204" pitchFamily="34" charset="0"/>
-              <a:buChar char="•"/>
-            </a:pPr>
+              <a:t>Wave function matching Hamiltonian</a:t>
+            </a:r>
             <a:endParaRPr lang="ko-KR" altLang="en-US" dirty="0"/>
           </a:p>
         </p:txBody>
       </p:sp>
       <p:pic>
         <p:nvPicPr>
-          <p:cNvPr id="4" name="그림 3"/>
+          <p:cNvPr id="6" name="그림 5"/>
           <p:cNvPicPr>
             <a:picLocks noChangeAspect="1"/>
           </p:cNvPicPr>
@@ -13077,18 +12767,136 @@
         </p:blipFill>
         <p:spPr>
           <a:xfrm>
-            <a:off x="6213475" y="4575070"/>
-            <a:ext cx="3505768" cy="2085215"/>
+            <a:off x="930821" y="2087418"/>
+            <a:ext cx="6658904" cy="924054"/>
           </a:xfrm>
           <a:prstGeom prst="rect">
             <a:avLst/>
           </a:prstGeom>
         </p:spPr>
       </p:pic>
+      <p:pic>
+        <p:nvPicPr>
+          <p:cNvPr id="7" name="그림 6"/>
+          <p:cNvPicPr>
+            <a:picLocks noChangeAspect="1"/>
+          </p:cNvPicPr>
+          <p:nvPr/>
+        </p:nvPicPr>
+        <p:blipFill>
+          <a:blip r:embed="rId3"/>
+          <a:stretch>
+            <a:fillRect/>
+          </a:stretch>
+        </p:blipFill>
+        <p:spPr>
+          <a:xfrm>
+            <a:off x="393657" y="3251061"/>
+            <a:ext cx="8878539" cy="1981477"/>
+          </a:xfrm>
+          <a:prstGeom prst="rect">
+            <a:avLst/>
+          </a:prstGeom>
+        </p:spPr>
+      </p:pic>
+      <p:sp>
+        <p:nvSpPr>
+          <p:cNvPr id="8" name="TextBox 7"/>
+          <p:cNvSpPr txBox="1"/>
+          <p:nvPr/>
+        </p:nvSpPr>
+        <p:spPr>
+          <a:xfrm>
+            <a:off x="960582" y="1592263"/>
+            <a:ext cx="2787943" cy="382412"/>
+          </a:xfrm>
+          <a:prstGeom prst="rect">
+            <a:avLst/>
+          </a:prstGeom>
+          <a:noFill/>
+        </p:spPr>
+        <p:txBody>
+          <a:bodyPr wrap="none" rtlCol="0">
+            <a:spAutoFit/>
+          </a:bodyPr>
+          <a:lstStyle/>
+          <a:p>
+            <a:pPr marL="342900" indent="-342900">
+              <a:buFont typeface="Arial" panose="020B0604020202020204" pitchFamily="34" charset="0"/>
+              <a:buChar char="•"/>
+            </a:pPr>
+            <a:r>
+              <a:rPr lang="en-US" dirty="0"/>
+              <a:t>“Simple” Hamiltonian</a:t>
+            </a:r>
+          </a:p>
+        </p:txBody>
+      </p:sp>
+      <p:pic>
+        <p:nvPicPr>
+          <p:cNvPr id="9" name="그림 8"/>
+          <p:cNvPicPr>
+            <a:picLocks noChangeAspect="1"/>
+          </p:cNvPicPr>
+          <p:nvPr/>
+        </p:nvPicPr>
+        <p:blipFill>
+          <a:blip r:embed="rId4"/>
+          <a:stretch>
+            <a:fillRect/>
+          </a:stretch>
+        </p:blipFill>
+        <p:spPr>
+          <a:xfrm>
+            <a:off x="1433234" y="5472127"/>
+            <a:ext cx="3991532" cy="724001"/>
+          </a:xfrm>
+          <a:prstGeom prst="rect">
+            <a:avLst/>
+          </a:prstGeom>
+        </p:spPr>
+      </p:pic>
+      <p:sp>
+        <p:nvSpPr>
+          <p:cNvPr id="10" name="TextBox 9"/>
+          <p:cNvSpPr txBox="1"/>
+          <p:nvPr/>
+        </p:nvSpPr>
+        <p:spPr>
+          <a:xfrm>
+            <a:off x="5781964" y="5652655"/>
+            <a:ext cx="3990195" cy="382412"/>
+          </a:xfrm>
+          <a:prstGeom prst="rect">
+            <a:avLst/>
+          </a:prstGeom>
+          <a:noFill/>
+        </p:spPr>
+        <p:txBody>
+          <a:bodyPr wrap="none" rtlCol="0">
+            <a:spAutoFit/>
+          </a:bodyPr>
+          <a:lstStyle/>
+          <a:p>
+            <a:r>
+              <a:rPr lang="en-US" dirty="0"/>
+              <a:t>(</a:t>
+            </a:r>
+            <a:r>
+              <a:rPr lang="en-US" dirty="0" err="1"/>
+              <a:t>local,non</a:t>
+            </a:r>
+            <a:r>
+              <a:rPr lang="en-US" dirty="0"/>
+              <a:t>-local smeared operators)</a:t>
+            </a:r>
+          </a:p>
+        </p:txBody>
+      </p:sp>
     </p:spTree>
     <p:extLst>
       <p:ext uri="{BB962C8B-B14F-4D97-AF65-F5344CB8AC3E}">
-        <p14:creationId xmlns:p14="http://schemas.microsoft.com/office/powerpoint/2010/main" val="2151944090"/>
+        <p14:creationId xmlns:p14="http://schemas.microsoft.com/office/powerpoint/2010/main" val="1864364872"/>
       </p:ext>
     </p:extLst>
   </p:cSld>
@@ -13132,284 +12940,9 @@
           <a:p>
             <a:r>
               <a:rPr lang="en-US" altLang="ko-KR" dirty="0"/>
-              <a:t>Wave function matching</a:t>
-            </a:r>
-            <a:endParaRPr lang="ko-KR" altLang="en-US" dirty="0"/>
-          </a:p>
-        </p:txBody>
-      </p:sp>
-      <p:pic>
-        <p:nvPicPr>
-          <p:cNvPr id="4" name="그림 3"/>
-          <p:cNvPicPr>
-            <a:picLocks noChangeAspect="1"/>
-          </p:cNvPicPr>
-          <p:nvPr/>
-        </p:nvPicPr>
-        <p:blipFill>
-          <a:blip r:embed="rId2"/>
-          <a:stretch>
-            <a:fillRect/>
-          </a:stretch>
-        </p:blipFill>
-        <p:spPr>
-          <a:xfrm>
-            <a:off x="307975" y="1438275"/>
-            <a:ext cx="7112874" cy="4870450"/>
-          </a:xfrm>
-          <a:prstGeom prst="rect">
-            <a:avLst/>
-          </a:prstGeom>
-        </p:spPr>
-      </p:pic>
-      <p:sp>
-        <p:nvSpPr>
-          <p:cNvPr id="5" name="TextBox 4"/>
-          <p:cNvSpPr txBox="1"/>
-          <p:nvPr/>
-        </p:nvSpPr>
-        <p:spPr>
-          <a:xfrm>
-            <a:off x="997219" y="4913507"/>
-            <a:ext cx="1811714" cy="672492"/>
-          </a:xfrm>
-          <a:prstGeom prst="rect">
-            <a:avLst/>
-          </a:prstGeom>
-          <a:noFill/>
-        </p:spPr>
-        <p:txBody>
-          <a:bodyPr wrap="none" rtlCol="0">
-            <a:spAutoFit/>
-          </a:bodyPr>
-          <a:lstStyle/>
-          <a:p>
-            <a:r>
-              <a:rPr lang="en-US" altLang="ko-KR" dirty="0"/>
-              <a:t>U is only active</a:t>
-            </a:r>
-          </a:p>
-          <a:p>
-            <a:r>
-              <a:rPr lang="en-US" altLang="ko-KR" dirty="0"/>
-              <a:t>At r &lt; R</a:t>
-            </a:r>
-          </a:p>
-        </p:txBody>
-      </p:sp>
-      <p:pic>
-        <p:nvPicPr>
-          <p:cNvPr id="6" name="그림 5"/>
-          <p:cNvPicPr>
-            <a:picLocks noChangeAspect="1"/>
-          </p:cNvPicPr>
-          <p:nvPr/>
-        </p:nvPicPr>
-        <p:blipFill>
-          <a:blip r:embed="rId3"/>
-          <a:stretch>
-            <a:fillRect/>
-          </a:stretch>
-        </p:blipFill>
-        <p:spPr>
-          <a:xfrm>
-            <a:off x="3283795" y="3945551"/>
-            <a:ext cx="3697298" cy="470678"/>
-          </a:xfrm>
-          <a:prstGeom prst="rect">
-            <a:avLst/>
-          </a:prstGeom>
-        </p:spPr>
-      </p:pic>
-      <p:pic>
-        <p:nvPicPr>
-          <p:cNvPr id="7" name="그림 6"/>
-          <p:cNvPicPr>
-            <a:picLocks noChangeAspect="1"/>
-          </p:cNvPicPr>
-          <p:nvPr/>
-        </p:nvPicPr>
-        <p:blipFill>
-          <a:blip r:embed="rId4"/>
-          <a:stretch>
-            <a:fillRect/>
-          </a:stretch>
-        </p:blipFill>
-        <p:spPr>
-          <a:xfrm>
-            <a:off x="4129968" y="4454309"/>
-            <a:ext cx="2004951" cy="459198"/>
-          </a:xfrm>
-          <a:prstGeom prst="rect">
-            <a:avLst/>
-          </a:prstGeom>
-        </p:spPr>
-      </p:pic>
-      <p:sp>
-        <p:nvSpPr>
-          <p:cNvPr id="8" name="TextBox 7"/>
-          <p:cNvSpPr txBox="1"/>
-          <p:nvPr/>
-        </p:nvSpPr>
-        <p:spPr>
-          <a:xfrm>
-            <a:off x="7420849" y="1524000"/>
-            <a:ext cx="2078904" cy="962571"/>
-          </a:xfrm>
-          <a:prstGeom prst="rect">
-            <a:avLst/>
-          </a:prstGeom>
-          <a:noFill/>
-        </p:spPr>
-        <p:txBody>
-          <a:bodyPr wrap="square" rtlCol="0">
-            <a:spAutoFit/>
-          </a:bodyPr>
-          <a:lstStyle/>
-          <a:p>
-            <a:r>
-              <a:rPr lang="en-US" altLang="ko-KR" dirty="0"/>
-              <a:t>H and H’ are fully equivalent to two-body observables</a:t>
-            </a:r>
-            <a:endParaRPr lang="ko-KR" altLang="en-US" dirty="0"/>
-          </a:p>
-        </p:txBody>
-      </p:sp>
-      <p:sp>
-        <p:nvSpPr>
-          <p:cNvPr id="9" name="TextBox 8"/>
-          <p:cNvSpPr txBox="1"/>
-          <p:nvPr/>
-        </p:nvSpPr>
-        <p:spPr>
-          <a:xfrm>
-            <a:off x="7420849" y="2693770"/>
-            <a:ext cx="2197223" cy="2122889"/>
-          </a:xfrm>
-          <a:prstGeom prst="rect">
-            <a:avLst/>
-          </a:prstGeom>
-          <a:noFill/>
-        </p:spPr>
-        <p:txBody>
-          <a:bodyPr wrap="square" rtlCol="0">
-            <a:spAutoFit/>
-          </a:bodyPr>
-          <a:lstStyle/>
-          <a:p>
-            <a:r>
-              <a:rPr lang="en-US" altLang="ko-KR" dirty="0"/>
-              <a:t>The</a:t>
-            </a:r>
-            <a:r>
-              <a:rPr lang="en-US" altLang="ko-KR" dirty="0">
-                <a:solidFill>
-                  <a:srgbClr val="FF0000"/>
-                </a:solidFill>
-              </a:rPr>
-              <a:t> goal </a:t>
-            </a:r>
-            <a:r>
-              <a:rPr lang="en-US" altLang="ko-KR" dirty="0"/>
-              <a:t>is to make the </a:t>
-            </a:r>
-            <a:r>
-              <a:rPr lang="en-US" altLang="ko-KR" dirty="0">
-                <a:solidFill>
-                  <a:srgbClr val="FF0000"/>
-                </a:solidFill>
-              </a:rPr>
-              <a:t>perturbation expansion</a:t>
-            </a:r>
-            <a:r>
-              <a:rPr lang="en-US" altLang="ko-KR" dirty="0"/>
-              <a:t> from “simple” wave function gives </a:t>
-            </a:r>
-            <a:r>
-              <a:rPr lang="en-US" altLang="ko-KR" dirty="0">
-                <a:solidFill>
-                  <a:srgbClr val="FF0000"/>
-                </a:solidFill>
-              </a:rPr>
-              <a:t>a good convergence</a:t>
-            </a:r>
-          </a:p>
-        </p:txBody>
-      </p:sp>
-      <p:pic>
-        <p:nvPicPr>
-          <p:cNvPr id="10" name="그림 9"/>
-          <p:cNvPicPr>
-            <a:picLocks noChangeAspect="1"/>
-          </p:cNvPicPr>
-          <p:nvPr/>
-        </p:nvPicPr>
-        <p:blipFill>
-          <a:blip r:embed="rId5"/>
-          <a:stretch>
-            <a:fillRect/>
-          </a:stretch>
-        </p:blipFill>
-        <p:spPr>
-          <a:xfrm>
-            <a:off x="7376341" y="4913507"/>
-            <a:ext cx="2167921" cy="1105441"/>
-          </a:xfrm>
-          <a:prstGeom prst="rect">
-            <a:avLst/>
-          </a:prstGeom>
-        </p:spPr>
-      </p:pic>
-    </p:spTree>
-    <p:extLst>
-      <p:ext uri="{BB962C8B-B14F-4D97-AF65-F5344CB8AC3E}">
-        <p14:creationId xmlns:p14="http://schemas.microsoft.com/office/powerpoint/2010/main" val="651524898"/>
-      </p:ext>
-    </p:extLst>
-  </p:cSld>
-  <p:clrMapOvr>
-    <a:masterClrMapping/>
-  </p:clrMapOvr>
-</p:sld>
-</file>
-
-<file path=ppt/slides/slide22.xml><?xml version="1.0" encoding="utf-8"?>
-<p:sld xmlns:a="http://schemas.openxmlformats.org/drawingml/2006/main" xmlns:r="http://schemas.openxmlformats.org/officeDocument/2006/relationships" xmlns:p="http://schemas.openxmlformats.org/presentationml/2006/main">
-  <p:cSld>
-    <p:spTree>
-      <p:nvGrpSpPr>
-        <p:cNvPr id="1" name=""/>
-        <p:cNvGrpSpPr/>
-        <p:nvPr/>
-      </p:nvGrpSpPr>
-      <p:grpSpPr>
-        <a:xfrm>
-          <a:off x="0" y="0"/>
-          <a:ext cx="0" cy="0"/>
-          <a:chOff x="0" y="0"/>
-          <a:chExt cx="0" cy="0"/>
-        </a:xfrm>
-      </p:grpSpPr>
-      <p:sp>
-        <p:nvSpPr>
-          <p:cNvPr id="2" name="제목 1"/>
-          <p:cNvSpPr>
-            <a:spLocks noGrp="1"/>
-          </p:cNvSpPr>
-          <p:nvPr>
-            <p:ph type="title"/>
-          </p:nvPr>
-        </p:nvSpPr>
-        <p:spPr/>
-        <p:txBody>
-          <a:bodyPr/>
-          <a:lstStyle/>
-          <a:p>
-            <a:r>
-              <a:rPr lang="en-US" altLang="ko-KR" dirty="0"/>
-              <a:t>NN phase shifts from WFM</a:t>
-            </a:r>
-            <a:endParaRPr lang="ko-KR" altLang="en-US" dirty="0"/>
+              <a:t>Wave function matching Hamiltonian</a:t>
+            </a:r>
+            <a:endParaRPr lang="en-US" dirty="0"/>
           </a:p>
         </p:txBody>
       </p:sp>
@@ -13429,8 +12962,8 @@
         </p:blipFill>
         <p:spPr>
           <a:xfrm>
-            <a:off x="417460" y="1785693"/>
-            <a:ext cx="6633971" cy="4241157"/>
+            <a:off x="752055" y="2221147"/>
+            <a:ext cx="8087854" cy="771633"/>
           </a:xfrm>
           <a:prstGeom prst="rect">
             <a:avLst/>
@@ -13445,8 +12978,8 @@
         </p:nvSpPr>
         <p:spPr>
           <a:xfrm>
-            <a:off x="7323992" y="2022231"/>
-            <a:ext cx="2224454" cy="2412968"/>
+            <a:off x="668338" y="1717964"/>
+            <a:ext cx="2510624" cy="382412"/>
           </a:xfrm>
           <a:prstGeom prst="rect">
             <a:avLst/>
@@ -13454,25 +12987,19 @@
           <a:noFill/>
         </p:spPr>
         <p:txBody>
-          <a:bodyPr wrap="square" rtlCol="0">
+          <a:bodyPr wrap="none" rtlCol="0">
             <a:spAutoFit/>
           </a:bodyPr>
           <a:lstStyle/>
           <a:p>
-            <a:r>
-              <a:rPr lang="en-US" altLang="ko-KR" dirty="0"/>
-              <a:t>Original Chiral Hamiltonian is fitted to phase shifts. (up to N3LO)</a:t>
-            </a:r>
-          </a:p>
-          <a:p>
-            <a:endParaRPr lang="en-US" altLang="ko-KR" dirty="0"/>
-          </a:p>
-          <a:p>
-            <a:r>
-              <a:rPr lang="en-US" altLang="ko-KR" dirty="0"/>
-              <a:t>H’ is equivalent to original Hamiltonian.</a:t>
-            </a:r>
-            <a:endParaRPr lang="ko-KR" altLang="en-US" dirty="0"/>
+            <a:pPr marL="342900" indent="-342900">
+              <a:buFont typeface="Arial" panose="020B0604020202020204" pitchFamily="34" charset="0"/>
+              <a:buChar char="•"/>
+            </a:pPr>
+            <a:r>
+              <a:rPr lang="en-US" dirty="0"/>
+              <a:t>N3LO Hamiltonian</a:t>
+            </a:r>
           </a:p>
         </p:txBody>
       </p:sp>
@@ -13492,335 +13019,6 @@
         </p:blipFill>
         <p:spPr>
           <a:xfrm>
-            <a:off x="7476885" y="4766719"/>
-            <a:ext cx="1362265" cy="333422"/>
-          </a:xfrm>
-          <a:prstGeom prst="rect">
-            <a:avLst/>
-          </a:prstGeom>
-        </p:spPr>
-      </p:pic>
-    </p:spTree>
-    <p:extLst>
-      <p:ext uri="{BB962C8B-B14F-4D97-AF65-F5344CB8AC3E}">
-        <p14:creationId xmlns:p14="http://schemas.microsoft.com/office/powerpoint/2010/main" val="2077646196"/>
-      </p:ext>
-    </p:extLst>
-  </p:cSld>
-  <p:clrMapOvr>
-    <a:masterClrMapping/>
-  </p:clrMapOvr>
-</p:sld>
-</file>
-
-<file path=ppt/slides/slide23.xml><?xml version="1.0" encoding="utf-8"?>
-<p:sld xmlns:a="http://schemas.openxmlformats.org/drawingml/2006/main" xmlns:r="http://schemas.openxmlformats.org/officeDocument/2006/relationships" xmlns:p="http://schemas.openxmlformats.org/presentationml/2006/main">
-  <p:cSld>
-    <p:spTree>
-      <p:nvGrpSpPr>
-        <p:cNvPr id="1" name=""/>
-        <p:cNvGrpSpPr/>
-        <p:nvPr/>
-      </p:nvGrpSpPr>
-      <p:grpSpPr>
-        <a:xfrm>
-          <a:off x="0" y="0"/>
-          <a:ext cx="0" cy="0"/>
-          <a:chOff x="0" y="0"/>
-          <a:chExt cx="0" cy="0"/>
-        </a:xfrm>
-      </p:grpSpPr>
-      <p:sp>
-        <p:nvSpPr>
-          <p:cNvPr id="2" name="제목 1"/>
-          <p:cNvSpPr>
-            <a:spLocks noGrp="1"/>
-          </p:cNvSpPr>
-          <p:nvPr>
-            <p:ph type="title"/>
-          </p:nvPr>
-        </p:nvSpPr>
-        <p:spPr/>
-        <p:txBody>
-          <a:bodyPr/>
-          <a:lstStyle/>
-          <a:p>
-            <a:r>
-              <a:rPr lang="en-US" altLang="ko-KR" dirty="0"/>
-              <a:t>Wave function matching Hamiltonian</a:t>
-            </a:r>
-            <a:endParaRPr lang="ko-KR" altLang="en-US" dirty="0"/>
-          </a:p>
-        </p:txBody>
-      </p:sp>
-      <p:pic>
-        <p:nvPicPr>
-          <p:cNvPr id="6" name="그림 5"/>
-          <p:cNvPicPr>
-            <a:picLocks noChangeAspect="1"/>
-          </p:cNvPicPr>
-          <p:nvPr/>
-        </p:nvPicPr>
-        <p:blipFill>
-          <a:blip r:embed="rId2"/>
-          <a:stretch>
-            <a:fillRect/>
-          </a:stretch>
-        </p:blipFill>
-        <p:spPr>
-          <a:xfrm>
-            <a:off x="930821" y="2087418"/>
-            <a:ext cx="6658904" cy="924054"/>
-          </a:xfrm>
-          <a:prstGeom prst="rect">
-            <a:avLst/>
-          </a:prstGeom>
-        </p:spPr>
-      </p:pic>
-      <p:pic>
-        <p:nvPicPr>
-          <p:cNvPr id="7" name="그림 6"/>
-          <p:cNvPicPr>
-            <a:picLocks noChangeAspect="1"/>
-          </p:cNvPicPr>
-          <p:nvPr/>
-        </p:nvPicPr>
-        <p:blipFill>
-          <a:blip r:embed="rId3"/>
-          <a:stretch>
-            <a:fillRect/>
-          </a:stretch>
-        </p:blipFill>
-        <p:spPr>
-          <a:xfrm>
-            <a:off x="393657" y="3251061"/>
-            <a:ext cx="8878539" cy="1981477"/>
-          </a:xfrm>
-          <a:prstGeom prst="rect">
-            <a:avLst/>
-          </a:prstGeom>
-        </p:spPr>
-      </p:pic>
-      <p:sp>
-        <p:nvSpPr>
-          <p:cNvPr id="8" name="TextBox 7"/>
-          <p:cNvSpPr txBox="1"/>
-          <p:nvPr/>
-        </p:nvSpPr>
-        <p:spPr>
-          <a:xfrm>
-            <a:off x="960582" y="1592263"/>
-            <a:ext cx="2787943" cy="382412"/>
-          </a:xfrm>
-          <a:prstGeom prst="rect">
-            <a:avLst/>
-          </a:prstGeom>
-          <a:noFill/>
-        </p:spPr>
-        <p:txBody>
-          <a:bodyPr wrap="none" rtlCol="0">
-            <a:spAutoFit/>
-          </a:bodyPr>
-          <a:lstStyle/>
-          <a:p>
-            <a:pPr marL="342900" indent="-342900">
-              <a:buFont typeface="Arial" panose="020B0604020202020204" pitchFamily="34" charset="0"/>
-              <a:buChar char="•"/>
-            </a:pPr>
-            <a:r>
-              <a:rPr lang="en-US" dirty="0"/>
-              <a:t>“Simple” Hamiltonian</a:t>
-            </a:r>
-          </a:p>
-        </p:txBody>
-      </p:sp>
-      <p:pic>
-        <p:nvPicPr>
-          <p:cNvPr id="9" name="그림 8"/>
-          <p:cNvPicPr>
-            <a:picLocks noChangeAspect="1"/>
-          </p:cNvPicPr>
-          <p:nvPr/>
-        </p:nvPicPr>
-        <p:blipFill>
-          <a:blip r:embed="rId4"/>
-          <a:stretch>
-            <a:fillRect/>
-          </a:stretch>
-        </p:blipFill>
-        <p:spPr>
-          <a:xfrm>
-            <a:off x="1433234" y="5472127"/>
-            <a:ext cx="3991532" cy="724001"/>
-          </a:xfrm>
-          <a:prstGeom prst="rect">
-            <a:avLst/>
-          </a:prstGeom>
-        </p:spPr>
-      </p:pic>
-      <p:sp>
-        <p:nvSpPr>
-          <p:cNvPr id="10" name="TextBox 9"/>
-          <p:cNvSpPr txBox="1"/>
-          <p:nvPr/>
-        </p:nvSpPr>
-        <p:spPr>
-          <a:xfrm>
-            <a:off x="5781964" y="5652655"/>
-            <a:ext cx="3990195" cy="382412"/>
-          </a:xfrm>
-          <a:prstGeom prst="rect">
-            <a:avLst/>
-          </a:prstGeom>
-          <a:noFill/>
-        </p:spPr>
-        <p:txBody>
-          <a:bodyPr wrap="none" rtlCol="0">
-            <a:spAutoFit/>
-          </a:bodyPr>
-          <a:lstStyle/>
-          <a:p>
-            <a:r>
-              <a:rPr lang="en-US" dirty="0"/>
-              <a:t>(</a:t>
-            </a:r>
-            <a:r>
-              <a:rPr lang="en-US" dirty="0" err="1"/>
-              <a:t>local,non</a:t>
-            </a:r>
-            <a:r>
-              <a:rPr lang="en-US" dirty="0"/>
-              <a:t>-local smeared operators)</a:t>
-            </a:r>
-          </a:p>
-        </p:txBody>
-      </p:sp>
-    </p:spTree>
-    <p:extLst>
-      <p:ext uri="{BB962C8B-B14F-4D97-AF65-F5344CB8AC3E}">
-        <p14:creationId xmlns:p14="http://schemas.microsoft.com/office/powerpoint/2010/main" val="1864364872"/>
-      </p:ext>
-    </p:extLst>
-  </p:cSld>
-  <p:clrMapOvr>
-    <a:masterClrMapping/>
-  </p:clrMapOvr>
-</p:sld>
-</file>
-
-<file path=ppt/slides/slide24.xml><?xml version="1.0" encoding="utf-8"?>
-<p:sld xmlns:a="http://schemas.openxmlformats.org/drawingml/2006/main" xmlns:r="http://schemas.openxmlformats.org/officeDocument/2006/relationships" xmlns:p="http://schemas.openxmlformats.org/presentationml/2006/main">
-  <p:cSld>
-    <p:spTree>
-      <p:nvGrpSpPr>
-        <p:cNvPr id="1" name=""/>
-        <p:cNvGrpSpPr/>
-        <p:nvPr/>
-      </p:nvGrpSpPr>
-      <p:grpSpPr>
-        <a:xfrm>
-          <a:off x="0" y="0"/>
-          <a:ext cx="0" cy="0"/>
-          <a:chOff x="0" y="0"/>
-          <a:chExt cx="0" cy="0"/>
-        </a:xfrm>
-      </p:grpSpPr>
-      <p:sp>
-        <p:nvSpPr>
-          <p:cNvPr id="2" name="제목 1"/>
-          <p:cNvSpPr>
-            <a:spLocks noGrp="1"/>
-          </p:cNvSpPr>
-          <p:nvPr>
-            <p:ph type="title"/>
-          </p:nvPr>
-        </p:nvSpPr>
-        <p:spPr/>
-        <p:txBody>
-          <a:bodyPr/>
-          <a:lstStyle/>
-          <a:p>
-            <a:r>
-              <a:rPr lang="en-US" altLang="ko-KR" dirty="0"/>
-              <a:t>Wave function matching Hamiltonian</a:t>
-            </a:r>
-            <a:endParaRPr lang="en-US" dirty="0"/>
-          </a:p>
-        </p:txBody>
-      </p:sp>
-      <p:pic>
-        <p:nvPicPr>
-          <p:cNvPr id="3" name="그림 2"/>
-          <p:cNvPicPr>
-            <a:picLocks noChangeAspect="1"/>
-          </p:cNvPicPr>
-          <p:nvPr/>
-        </p:nvPicPr>
-        <p:blipFill>
-          <a:blip r:embed="rId2"/>
-          <a:stretch>
-            <a:fillRect/>
-          </a:stretch>
-        </p:blipFill>
-        <p:spPr>
-          <a:xfrm>
-            <a:off x="752055" y="2221147"/>
-            <a:ext cx="8087854" cy="771633"/>
-          </a:xfrm>
-          <a:prstGeom prst="rect">
-            <a:avLst/>
-          </a:prstGeom>
-        </p:spPr>
-      </p:pic>
-      <p:sp>
-        <p:nvSpPr>
-          <p:cNvPr id="4" name="TextBox 3"/>
-          <p:cNvSpPr txBox="1"/>
-          <p:nvPr/>
-        </p:nvSpPr>
-        <p:spPr>
-          <a:xfrm>
-            <a:off x="668338" y="1717964"/>
-            <a:ext cx="2510624" cy="382412"/>
-          </a:xfrm>
-          <a:prstGeom prst="rect">
-            <a:avLst/>
-          </a:prstGeom>
-          <a:noFill/>
-        </p:spPr>
-        <p:txBody>
-          <a:bodyPr wrap="none" rtlCol="0">
-            <a:spAutoFit/>
-          </a:bodyPr>
-          <a:lstStyle/>
-          <a:p>
-            <a:pPr marL="342900" indent="-342900">
-              <a:buFont typeface="Arial" panose="020B0604020202020204" pitchFamily="34" charset="0"/>
-              <a:buChar char="•"/>
-            </a:pPr>
-            <a:r>
-              <a:rPr lang="en-US" dirty="0"/>
-              <a:t>N3LO Hamiltonian</a:t>
-            </a:r>
-          </a:p>
-        </p:txBody>
-      </p:sp>
-      <p:pic>
-        <p:nvPicPr>
-          <p:cNvPr id="5" name="그림 4"/>
-          <p:cNvPicPr>
-            <a:picLocks noChangeAspect="1"/>
-          </p:cNvPicPr>
-          <p:nvPr/>
-        </p:nvPicPr>
-        <p:blipFill>
-          <a:blip r:embed="rId3"/>
-          <a:stretch>
-            <a:fillRect/>
-          </a:stretch>
-        </p:blipFill>
-        <p:spPr>
-          <a:xfrm>
             <a:off x="817373" y="3116294"/>
             <a:ext cx="4458322" cy="724001"/>
           </a:xfrm>
@@ -13909,7 +13107,7 @@
 </p:sld>
 </file>
 
-<file path=ppt/slides/slide25.xml><?xml version="1.0" encoding="utf-8"?>
+<file path=ppt/slides/slide22.xml><?xml version="1.0" encoding="utf-8"?>
 <p:sld xmlns:a="http://schemas.openxmlformats.org/drawingml/2006/main" xmlns:r="http://schemas.openxmlformats.org/officeDocument/2006/relationships" xmlns:p="http://schemas.openxmlformats.org/presentationml/2006/main">
   <p:cSld>
     <p:spTree>
@@ -14229,6 +13427,896 @@
 </p:sld>
 </file>
 
+<file path=ppt/slides/slide23.xml><?xml version="1.0" encoding="utf-8"?>
+<p:sld xmlns:a="http://schemas.openxmlformats.org/drawingml/2006/main" xmlns:r="http://schemas.openxmlformats.org/officeDocument/2006/relationships" xmlns:p="http://schemas.openxmlformats.org/presentationml/2006/main">
+  <p:cSld>
+    <p:spTree>
+      <p:nvGrpSpPr>
+        <p:cNvPr id="1" name=""/>
+        <p:cNvGrpSpPr/>
+        <p:nvPr/>
+      </p:nvGrpSpPr>
+      <p:grpSpPr>
+        <a:xfrm>
+          <a:off x="0" y="0"/>
+          <a:ext cx="0" cy="0"/>
+          <a:chOff x="0" y="0"/>
+          <a:chExt cx="0" cy="0"/>
+        </a:xfrm>
+      </p:grpSpPr>
+      <p:sp>
+        <p:nvSpPr>
+          <p:cNvPr id="2" name="제목 1"/>
+          <p:cNvSpPr>
+            <a:spLocks noGrp="1"/>
+          </p:cNvSpPr>
+          <p:nvPr>
+            <p:ph type="title"/>
+          </p:nvPr>
+        </p:nvSpPr>
+        <p:spPr/>
+        <p:txBody>
+          <a:bodyPr/>
+          <a:lstStyle/>
+          <a:p>
+            <a:r>
+              <a:rPr lang="en-US" dirty="0"/>
+              <a:t>3-body force</a:t>
+            </a:r>
+          </a:p>
+        </p:txBody>
+      </p:sp>
+      <p:pic>
+        <p:nvPicPr>
+          <p:cNvPr id="3" name="그림 2"/>
+          <p:cNvPicPr>
+            <a:picLocks noChangeAspect="1"/>
+          </p:cNvPicPr>
+          <p:nvPr/>
+        </p:nvPicPr>
+        <p:blipFill>
+          <a:blip r:embed="rId2"/>
+          <a:stretch>
+            <a:fillRect/>
+          </a:stretch>
+        </p:blipFill>
+        <p:spPr>
+          <a:xfrm>
+            <a:off x="303955" y="1524000"/>
+            <a:ext cx="2714510" cy="2136669"/>
+          </a:xfrm>
+          <a:prstGeom prst="rect">
+            <a:avLst/>
+          </a:prstGeom>
+        </p:spPr>
+      </p:pic>
+      <p:pic>
+        <p:nvPicPr>
+          <p:cNvPr id="4" name="그림 3"/>
+          <p:cNvPicPr>
+            <a:picLocks noChangeAspect="1"/>
+          </p:cNvPicPr>
+          <p:nvPr/>
+        </p:nvPicPr>
+        <p:blipFill>
+          <a:blip r:embed="rId3"/>
+          <a:stretch>
+            <a:fillRect/>
+          </a:stretch>
+        </p:blipFill>
+        <p:spPr>
+          <a:xfrm>
+            <a:off x="3241152" y="1592263"/>
+            <a:ext cx="4105848" cy="600159"/>
+          </a:xfrm>
+          <a:prstGeom prst="rect">
+            <a:avLst/>
+          </a:prstGeom>
+        </p:spPr>
+      </p:pic>
+      <p:pic>
+        <p:nvPicPr>
+          <p:cNvPr id="5" name="그림 4"/>
+          <p:cNvPicPr>
+            <a:picLocks noChangeAspect="1"/>
+          </p:cNvPicPr>
+          <p:nvPr/>
+        </p:nvPicPr>
+        <p:blipFill>
+          <a:blip r:embed="rId4"/>
+          <a:stretch>
+            <a:fillRect/>
+          </a:stretch>
+        </p:blipFill>
+        <p:spPr>
+          <a:xfrm>
+            <a:off x="3456040" y="2163649"/>
+            <a:ext cx="3381847" cy="857370"/>
+          </a:xfrm>
+          <a:prstGeom prst="rect">
+            <a:avLst/>
+          </a:prstGeom>
+        </p:spPr>
+      </p:pic>
+      <p:pic>
+        <p:nvPicPr>
+          <p:cNvPr id="6" name="그림 5"/>
+          <p:cNvPicPr>
+            <a:picLocks noChangeAspect="1"/>
+          </p:cNvPicPr>
+          <p:nvPr/>
+        </p:nvPicPr>
+        <p:blipFill>
+          <a:blip r:embed="rId5"/>
+          <a:stretch>
+            <a:fillRect/>
+          </a:stretch>
+        </p:blipFill>
+        <p:spPr>
+          <a:xfrm>
+            <a:off x="3456040" y="3021019"/>
+            <a:ext cx="5225673" cy="837767"/>
+          </a:xfrm>
+          <a:prstGeom prst="rect">
+            <a:avLst/>
+          </a:prstGeom>
+        </p:spPr>
+      </p:pic>
+      <p:pic>
+        <p:nvPicPr>
+          <p:cNvPr id="7" name="그림 6"/>
+          <p:cNvPicPr>
+            <a:picLocks noChangeAspect="1"/>
+          </p:cNvPicPr>
+          <p:nvPr/>
+        </p:nvPicPr>
+        <p:blipFill>
+          <a:blip r:embed="rId6"/>
+          <a:stretch>
+            <a:fillRect/>
+          </a:stretch>
+        </p:blipFill>
+        <p:spPr>
+          <a:xfrm>
+            <a:off x="2907627" y="3858786"/>
+            <a:ext cx="6887536" cy="1438476"/>
+          </a:xfrm>
+          <a:prstGeom prst="rect">
+            <a:avLst/>
+          </a:prstGeom>
+        </p:spPr>
+      </p:pic>
+      <p:pic>
+        <p:nvPicPr>
+          <p:cNvPr id="9" name="그림 8"/>
+          <p:cNvPicPr>
+            <a:picLocks noChangeAspect="1"/>
+          </p:cNvPicPr>
+          <p:nvPr/>
+        </p:nvPicPr>
+        <p:blipFill>
+          <a:blip r:embed="rId7"/>
+          <a:stretch>
+            <a:fillRect/>
+          </a:stretch>
+        </p:blipFill>
+        <p:spPr>
+          <a:xfrm>
+            <a:off x="3139370" y="5456360"/>
+            <a:ext cx="6030167" cy="762106"/>
+          </a:xfrm>
+          <a:prstGeom prst="rect">
+            <a:avLst/>
+          </a:prstGeom>
+          <a:ln>
+            <a:solidFill>
+              <a:srgbClr val="FF0000"/>
+            </a:solidFill>
+          </a:ln>
+        </p:spPr>
+      </p:pic>
+      <p:sp>
+        <p:nvSpPr>
+          <p:cNvPr id="10" name="TextBox 9"/>
+          <p:cNvSpPr txBox="1"/>
+          <p:nvPr/>
+        </p:nvSpPr>
+        <p:spPr>
+          <a:xfrm>
+            <a:off x="381013" y="3668433"/>
+            <a:ext cx="1413164" cy="380705"/>
+          </a:xfrm>
+          <a:prstGeom prst="rect">
+            <a:avLst/>
+          </a:prstGeom>
+          <a:noFill/>
+        </p:spPr>
+        <p:txBody>
+          <a:bodyPr wrap="square" rtlCol="0">
+            <a:spAutoFit/>
+          </a:bodyPr>
+          <a:lstStyle/>
+          <a:p>
+            <a:r>
+              <a:rPr lang="en-US" dirty="0"/>
+              <a:t>NNLO</a:t>
+            </a:r>
+          </a:p>
+        </p:txBody>
+      </p:sp>
+      <p:pic>
+        <p:nvPicPr>
+          <p:cNvPr id="11" name="그림 10"/>
+          <p:cNvPicPr>
+            <a:picLocks noChangeAspect="1"/>
+          </p:cNvPicPr>
+          <p:nvPr/>
+        </p:nvPicPr>
+        <p:blipFill>
+          <a:blip r:embed="rId8"/>
+          <a:stretch>
+            <a:fillRect/>
+          </a:stretch>
+        </p:blipFill>
+        <p:spPr>
+          <a:xfrm>
+            <a:off x="2778654" y="6360128"/>
+            <a:ext cx="1314633" cy="400106"/>
+          </a:xfrm>
+          <a:prstGeom prst="rect">
+            <a:avLst/>
+          </a:prstGeom>
+          <a:ln>
+            <a:solidFill>
+              <a:srgbClr val="FF0000"/>
+            </a:solidFill>
+          </a:ln>
+        </p:spPr>
+      </p:pic>
+      <p:pic>
+        <p:nvPicPr>
+          <p:cNvPr id="12" name="그림 11"/>
+          <p:cNvPicPr>
+            <a:picLocks noChangeAspect="1"/>
+          </p:cNvPicPr>
+          <p:nvPr/>
+        </p:nvPicPr>
+        <p:blipFill>
+          <a:blip r:embed="rId9"/>
+          <a:stretch>
+            <a:fillRect/>
+          </a:stretch>
+        </p:blipFill>
+        <p:spPr>
+          <a:xfrm>
+            <a:off x="4537421" y="6360128"/>
+            <a:ext cx="1238423" cy="381053"/>
+          </a:xfrm>
+          <a:prstGeom prst="rect">
+            <a:avLst/>
+          </a:prstGeom>
+          <a:ln>
+            <a:solidFill>
+              <a:srgbClr val="FF0000"/>
+            </a:solidFill>
+          </a:ln>
+        </p:spPr>
+      </p:pic>
+      <p:pic>
+        <p:nvPicPr>
+          <p:cNvPr id="13" name="그림 12"/>
+          <p:cNvPicPr>
+            <a:picLocks noChangeAspect="1"/>
+          </p:cNvPicPr>
+          <p:nvPr/>
+        </p:nvPicPr>
+        <p:blipFill>
+          <a:blip r:embed="rId10"/>
+          <a:stretch>
+            <a:fillRect/>
+          </a:stretch>
+        </p:blipFill>
+        <p:spPr>
+          <a:xfrm>
+            <a:off x="6219978" y="6377565"/>
+            <a:ext cx="1267002" cy="409632"/>
+          </a:xfrm>
+          <a:prstGeom prst="rect">
+            <a:avLst/>
+          </a:prstGeom>
+          <a:ln>
+            <a:solidFill>
+              <a:srgbClr val="FF0000"/>
+            </a:solidFill>
+          </a:ln>
+        </p:spPr>
+      </p:pic>
+      <p:pic>
+        <p:nvPicPr>
+          <p:cNvPr id="14" name="그림 13"/>
+          <p:cNvPicPr>
+            <a:picLocks noChangeAspect="1"/>
+          </p:cNvPicPr>
+          <p:nvPr/>
+        </p:nvPicPr>
+        <p:blipFill>
+          <a:blip r:embed="rId11"/>
+          <a:stretch>
+            <a:fillRect/>
+          </a:stretch>
+        </p:blipFill>
+        <p:spPr>
+          <a:xfrm>
+            <a:off x="7902535" y="6377565"/>
+            <a:ext cx="1267002" cy="438211"/>
+          </a:xfrm>
+          <a:prstGeom prst="rect">
+            <a:avLst/>
+          </a:prstGeom>
+          <a:ln>
+            <a:solidFill>
+              <a:srgbClr val="FF0000"/>
+            </a:solidFill>
+          </a:ln>
+        </p:spPr>
+      </p:pic>
+      <p:sp>
+        <p:nvSpPr>
+          <p:cNvPr id="8" name="TextBox 7"/>
+          <p:cNvSpPr txBox="1"/>
+          <p:nvPr/>
+        </p:nvSpPr>
+        <p:spPr>
+          <a:xfrm>
+            <a:off x="383335" y="4909115"/>
+            <a:ext cx="2122042" cy="1252651"/>
+          </a:xfrm>
+          <a:prstGeom prst="rect">
+            <a:avLst/>
+          </a:prstGeom>
+          <a:noFill/>
+        </p:spPr>
+        <p:txBody>
+          <a:bodyPr wrap="square" rtlCol="0">
+            <a:spAutoFit/>
+          </a:bodyPr>
+          <a:lstStyle/>
+          <a:p>
+            <a:r>
+              <a:rPr lang="en-US" dirty="0"/>
+              <a:t>At N3LO:</a:t>
+            </a:r>
+          </a:p>
+          <a:p>
+            <a:r>
+              <a:rPr lang="en-US" dirty="0"/>
+              <a:t>TPE and </a:t>
+            </a:r>
+          </a:p>
+          <a:p>
+            <a:r>
+              <a:rPr lang="en-US" dirty="0"/>
+              <a:t>Adjustments to </a:t>
+            </a:r>
+          </a:p>
+          <a:p>
+            <a:r>
+              <a:rPr lang="en-US" dirty="0" err="1"/>
+              <a:t>cD</a:t>
+            </a:r>
+            <a:r>
+              <a:rPr lang="en-US" dirty="0"/>
+              <a:t> and </a:t>
+            </a:r>
+            <a:r>
+              <a:rPr lang="en-US" dirty="0" err="1"/>
+              <a:t>cE</a:t>
+            </a:r>
+            <a:r>
+              <a:rPr lang="en-US" dirty="0"/>
+              <a:t> terms.</a:t>
+            </a:r>
+          </a:p>
+        </p:txBody>
+      </p:sp>
+    </p:spTree>
+    <p:extLst>
+      <p:ext uri="{BB962C8B-B14F-4D97-AF65-F5344CB8AC3E}">
+        <p14:creationId xmlns:p14="http://schemas.microsoft.com/office/powerpoint/2010/main" val="3564317762"/>
+      </p:ext>
+    </p:extLst>
+  </p:cSld>
+  <p:clrMapOvr>
+    <a:masterClrMapping/>
+  </p:clrMapOvr>
+</p:sld>
+</file>
+
+<file path=ppt/slides/slide24.xml><?xml version="1.0" encoding="utf-8"?>
+<p:sld xmlns:a="http://schemas.openxmlformats.org/drawingml/2006/main" xmlns:r="http://schemas.openxmlformats.org/officeDocument/2006/relationships" xmlns:p="http://schemas.openxmlformats.org/presentationml/2006/main">
+  <p:cSld>
+    <p:spTree>
+      <p:nvGrpSpPr>
+        <p:cNvPr id="1" name=""/>
+        <p:cNvGrpSpPr/>
+        <p:nvPr/>
+      </p:nvGrpSpPr>
+      <p:grpSpPr>
+        <a:xfrm>
+          <a:off x="0" y="0"/>
+          <a:ext cx="0" cy="0"/>
+          <a:chOff x="0" y="0"/>
+          <a:chExt cx="0" cy="0"/>
+        </a:xfrm>
+      </p:grpSpPr>
+      <p:sp>
+        <p:nvSpPr>
+          <p:cNvPr id="2" name="제목 1"/>
+          <p:cNvSpPr>
+            <a:spLocks noGrp="1"/>
+          </p:cNvSpPr>
+          <p:nvPr>
+            <p:ph type="title"/>
+          </p:nvPr>
+        </p:nvSpPr>
+        <p:spPr/>
+        <p:txBody>
+          <a:bodyPr/>
+          <a:lstStyle/>
+          <a:p>
+            <a:r>
+              <a:rPr lang="en-US" dirty="0"/>
+              <a:t>3-body force</a:t>
+            </a:r>
+          </a:p>
+        </p:txBody>
+      </p:sp>
+      <p:sp>
+        <p:nvSpPr>
+          <p:cNvPr id="8" name="TextBox 7"/>
+          <p:cNvSpPr txBox="1"/>
+          <p:nvPr/>
+        </p:nvSpPr>
+        <p:spPr>
+          <a:xfrm>
+            <a:off x="329046" y="1592263"/>
+            <a:ext cx="4677063" cy="3539430"/>
+          </a:xfrm>
+          <a:prstGeom prst="rect">
+            <a:avLst/>
+          </a:prstGeom>
+          <a:noFill/>
+        </p:spPr>
+        <p:txBody>
+          <a:bodyPr wrap="square" rtlCol="0">
+            <a:spAutoFit/>
+          </a:bodyPr>
+          <a:lstStyle/>
+          <a:p>
+            <a:r>
+              <a:rPr lang="en-US" sz="1600" dirty="0"/>
+              <a:t>Tune 3-body interaction to minimize errors </a:t>
+            </a:r>
+          </a:p>
+          <a:p>
+            <a:r>
+              <a:rPr lang="en-US" sz="1600" dirty="0"/>
+              <a:t>in binding energy</a:t>
+            </a:r>
+          </a:p>
+          <a:p>
+            <a:endParaRPr lang="en-US" sz="1600" dirty="0"/>
+          </a:p>
+          <a:p>
+            <a:r>
+              <a:rPr lang="en-US" sz="1600" dirty="0"/>
+              <a:t>Just one additional parameter, </a:t>
+            </a:r>
+          </a:p>
+          <a:p>
+            <a:r>
+              <a:rPr lang="en-US" sz="1600" dirty="0"/>
+              <a:t>RMSD for the E/A</a:t>
+            </a:r>
+          </a:p>
+          <a:p>
+            <a:r>
+              <a:rPr lang="en-US" sz="1600" dirty="0"/>
+              <a:t>drops from 1.2 MeV to 0.4 MeV</a:t>
+            </a:r>
+          </a:p>
+          <a:p>
+            <a:endParaRPr lang="en-US" sz="1600" dirty="0"/>
+          </a:p>
+          <a:p>
+            <a:r>
+              <a:rPr lang="en-US" sz="1600" dirty="0"/>
+              <a:t>Energies </a:t>
+            </a:r>
+          </a:p>
+          <a:p>
+            <a:pPr marL="342900" indent="-342900">
+              <a:buFont typeface="Wingdings" panose="05000000000000000000" pitchFamily="2" charset="2"/>
+              <a:buChar char="à"/>
+            </a:pPr>
+            <a:r>
+              <a:rPr lang="en-US" sz="1600" dirty="0">
+                <a:sym typeface="Wingdings" panose="05000000000000000000" pitchFamily="2" charset="2"/>
+              </a:rPr>
+              <a:t>Significant sensitivity to </a:t>
+            </a:r>
+          </a:p>
+          <a:p>
+            <a:r>
+              <a:rPr lang="en-US" sz="1600" dirty="0">
+                <a:sym typeface="Wingdings" panose="05000000000000000000" pitchFamily="2" charset="2"/>
+              </a:rPr>
+              <a:t>      the locality of 3N interactions.</a:t>
+            </a:r>
+          </a:p>
+          <a:p>
+            <a:r>
+              <a:rPr lang="en-US" sz="1600" dirty="0">
+                <a:sym typeface="Wingdings" panose="05000000000000000000" pitchFamily="2" charset="2"/>
+              </a:rPr>
+              <a:t> </a:t>
+            </a:r>
+          </a:p>
+          <a:p>
+            <a:r>
+              <a:rPr lang="en-US" sz="1600" dirty="0">
+                <a:sym typeface="Wingdings" panose="05000000000000000000" pitchFamily="2" charset="2"/>
+              </a:rPr>
+              <a:t>We interpret they are related with </a:t>
+            </a:r>
+          </a:p>
+          <a:p>
+            <a:r>
+              <a:rPr lang="en-US" sz="1600" dirty="0">
+                <a:sym typeface="Wingdings" panose="05000000000000000000" pitchFamily="2" charset="2"/>
+              </a:rPr>
+              <a:t>effective interactions </a:t>
+            </a:r>
+          </a:p>
+          <a:p>
+            <a:r>
+              <a:rPr lang="en-US" sz="1600" dirty="0">
+                <a:sym typeface="Wingdings" panose="05000000000000000000" pitchFamily="2" charset="2"/>
+              </a:rPr>
+              <a:t>between alphas and nucleons. </a:t>
+            </a:r>
+            <a:endParaRPr lang="en-US" sz="1600" dirty="0"/>
+          </a:p>
+        </p:txBody>
+      </p:sp>
+      <p:pic>
+        <p:nvPicPr>
+          <p:cNvPr id="19" name="그림 18"/>
+          <p:cNvPicPr>
+            <a:picLocks noChangeAspect="1"/>
+          </p:cNvPicPr>
+          <p:nvPr/>
+        </p:nvPicPr>
+        <p:blipFill>
+          <a:blip r:embed="rId2"/>
+          <a:stretch>
+            <a:fillRect/>
+          </a:stretch>
+        </p:blipFill>
+        <p:spPr>
+          <a:xfrm>
+            <a:off x="6207898" y="4373113"/>
+            <a:ext cx="3202802" cy="1975247"/>
+          </a:xfrm>
+          <a:prstGeom prst="rect">
+            <a:avLst/>
+          </a:prstGeom>
+        </p:spPr>
+      </p:pic>
+      <p:pic>
+        <p:nvPicPr>
+          <p:cNvPr id="20" name="그림 19"/>
+          <p:cNvPicPr>
+            <a:picLocks noChangeAspect="1"/>
+          </p:cNvPicPr>
+          <p:nvPr/>
+        </p:nvPicPr>
+        <p:blipFill>
+          <a:blip r:embed="rId3"/>
+          <a:stretch>
+            <a:fillRect/>
+          </a:stretch>
+        </p:blipFill>
+        <p:spPr>
+          <a:xfrm>
+            <a:off x="5190324" y="1524000"/>
+            <a:ext cx="4452358" cy="2244638"/>
+          </a:xfrm>
+          <a:prstGeom prst="rect">
+            <a:avLst/>
+          </a:prstGeom>
+        </p:spPr>
+      </p:pic>
+      <p:pic>
+        <p:nvPicPr>
+          <p:cNvPr id="21" name="그림 20"/>
+          <p:cNvPicPr>
+            <a:picLocks noChangeAspect="1"/>
+          </p:cNvPicPr>
+          <p:nvPr/>
+        </p:nvPicPr>
+        <p:blipFill>
+          <a:blip r:embed="rId4"/>
+          <a:stretch>
+            <a:fillRect/>
+          </a:stretch>
+        </p:blipFill>
+        <p:spPr>
+          <a:xfrm>
+            <a:off x="329046" y="5481593"/>
+            <a:ext cx="5163271" cy="323895"/>
+          </a:xfrm>
+          <a:prstGeom prst="rect">
+            <a:avLst/>
+          </a:prstGeom>
+        </p:spPr>
+      </p:pic>
+      <p:sp>
+        <p:nvSpPr>
+          <p:cNvPr id="22" name="TextBox 21"/>
+          <p:cNvSpPr txBox="1"/>
+          <p:nvPr/>
+        </p:nvSpPr>
+        <p:spPr>
+          <a:xfrm>
+            <a:off x="280014" y="5805488"/>
+            <a:ext cx="5032147" cy="672492"/>
+          </a:xfrm>
+          <a:prstGeom prst="rect">
+            <a:avLst/>
+          </a:prstGeom>
+          <a:noFill/>
+        </p:spPr>
+        <p:txBody>
+          <a:bodyPr wrap="none" rtlCol="0">
+            <a:spAutoFit/>
+          </a:bodyPr>
+          <a:lstStyle/>
+          <a:p>
+            <a:r>
+              <a:rPr lang="en-US" dirty="0"/>
+              <a:t>Significantly high w/o additional 3-body terms</a:t>
+            </a:r>
+          </a:p>
+          <a:p>
+            <a:r>
+              <a:rPr lang="en-US" dirty="0"/>
+              <a:t>: alpha-alpha should be more attractive.</a:t>
+            </a:r>
+          </a:p>
+        </p:txBody>
+      </p:sp>
+    </p:spTree>
+    <p:extLst>
+      <p:ext uri="{BB962C8B-B14F-4D97-AF65-F5344CB8AC3E}">
+        <p14:creationId xmlns:p14="http://schemas.microsoft.com/office/powerpoint/2010/main" val="1793680295"/>
+      </p:ext>
+    </p:extLst>
+  </p:cSld>
+  <p:clrMapOvr>
+    <a:masterClrMapping/>
+  </p:clrMapOvr>
+</p:sld>
+</file>
+
+<file path=ppt/slides/slide25.xml><?xml version="1.0" encoding="utf-8"?>
+<p:sld xmlns:a="http://schemas.openxmlformats.org/drawingml/2006/main" xmlns:r="http://schemas.openxmlformats.org/officeDocument/2006/relationships" xmlns:p="http://schemas.openxmlformats.org/presentationml/2006/main">
+  <p:cSld>
+    <p:spTree>
+      <p:nvGrpSpPr>
+        <p:cNvPr id="1" name=""/>
+        <p:cNvGrpSpPr/>
+        <p:nvPr/>
+      </p:nvGrpSpPr>
+      <p:grpSpPr>
+        <a:xfrm>
+          <a:off x="0" y="0"/>
+          <a:ext cx="0" cy="0"/>
+          <a:chOff x="0" y="0"/>
+          <a:chExt cx="0" cy="0"/>
+        </a:xfrm>
+      </p:grpSpPr>
+      <p:sp>
+        <p:nvSpPr>
+          <p:cNvPr id="2" name="제목 1"/>
+          <p:cNvSpPr>
+            <a:spLocks noGrp="1"/>
+          </p:cNvSpPr>
+          <p:nvPr>
+            <p:ph type="title"/>
+          </p:nvPr>
+        </p:nvSpPr>
+        <p:spPr/>
+        <p:txBody>
+          <a:bodyPr/>
+          <a:lstStyle/>
+          <a:p>
+            <a:r>
+              <a:rPr lang="en-US" dirty="0"/>
+              <a:t>Determine 3-body force</a:t>
+            </a:r>
+          </a:p>
+        </p:txBody>
+      </p:sp>
+      <p:pic>
+        <p:nvPicPr>
+          <p:cNvPr id="9" name="그림 8"/>
+          <p:cNvPicPr>
+            <a:picLocks noChangeAspect="1"/>
+          </p:cNvPicPr>
+          <p:nvPr/>
+        </p:nvPicPr>
+        <p:blipFill>
+          <a:blip r:embed="rId2"/>
+          <a:stretch>
+            <a:fillRect/>
+          </a:stretch>
+        </p:blipFill>
+        <p:spPr>
+          <a:xfrm>
+            <a:off x="137293" y="1512235"/>
+            <a:ext cx="9273407" cy="3760506"/>
+          </a:xfrm>
+          <a:prstGeom prst="rect">
+            <a:avLst/>
+          </a:prstGeom>
+        </p:spPr>
+      </p:pic>
+      <p:pic>
+        <p:nvPicPr>
+          <p:cNvPr id="11" name="그림 10"/>
+          <p:cNvPicPr>
+            <a:picLocks noChangeAspect="1"/>
+          </p:cNvPicPr>
+          <p:nvPr/>
+        </p:nvPicPr>
+        <p:blipFill>
+          <a:blip r:embed="rId3"/>
+          <a:stretch>
+            <a:fillRect/>
+          </a:stretch>
+        </p:blipFill>
+        <p:spPr>
+          <a:xfrm>
+            <a:off x="728182" y="5399545"/>
+            <a:ext cx="1314633" cy="400106"/>
+          </a:xfrm>
+          <a:prstGeom prst="rect">
+            <a:avLst/>
+          </a:prstGeom>
+        </p:spPr>
+      </p:pic>
+      <p:pic>
+        <p:nvPicPr>
+          <p:cNvPr id="12" name="그림 11"/>
+          <p:cNvPicPr>
+            <a:picLocks noChangeAspect="1"/>
+          </p:cNvPicPr>
+          <p:nvPr/>
+        </p:nvPicPr>
+        <p:blipFill>
+          <a:blip r:embed="rId4"/>
+          <a:stretch>
+            <a:fillRect/>
+          </a:stretch>
+        </p:blipFill>
+        <p:spPr>
+          <a:xfrm>
+            <a:off x="2486949" y="5399545"/>
+            <a:ext cx="1238423" cy="381053"/>
+          </a:xfrm>
+          <a:prstGeom prst="rect">
+            <a:avLst/>
+          </a:prstGeom>
+        </p:spPr>
+      </p:pic>
+      <p:pic>
+        <p:nvPicPr>
+          <p:cNvPr id="13" name="그림 12"/>
+          <p:cNvPicPr>
+            <a:picLocks noChangeAspect="1"/>
+          </p:cNvPicPr>
+          <p:nvPr/>
+        </p:nvPicPr>
+        <p:blipFill>
+          <a:blip r:embed="rId5"/>
+          <a:stretch>
+            <a:fillRect/>
+          </a:stretch>
+        </p:blipFill>
+        <p:spPr>
+          <a:xfrm>
+            <a:off x="4169506" y="5416982"/>
+            <a:ext cx="1267002" cy="409632"/>
+          </a:xfrm>
+          <a:prstGeom prst="rect">
+            <a:avLst/>
+          </a:prstGeom>
+        </p:spPr>
+      </p:pic>
+      <p:pic>
+        <p:nvPicPr>
+          <p:cNvPr id="14" name="그림 13"/>
+          <p:cNvPicPr>
+            <a:picLocks noChangeAspect="1"/>
+          </p:cNvPicPr>
+          <p:nvPr/>
+        </p:nvPicPr>
+        <p:blipFill>
+          <a:blip r:embed="rId6"/>
+          <a:stretch>
+            <a:fillRect/>
+          </a:stretch>
+        </p:blipFill>
+        <p:spPr>
+          <a:xfrm>
+            <a:off x="5852063" y="5416982"/>
+            <a:ext cx="1267002" cy="438211"/>
+          </a:xfrm>
+          <a:prstGeom prst="rect">
+            <a:avLst/>
+          </a:prstGeom>
+        </p:spPr>
+      </p:pic>
+      <p:sp>
+        <p:nvSpPr>
+          <p:cNvPr id="3" name="TextBox 2"/>
+          <p:cNvSpPr txBox="1"/>
+          <p:nvPr/>
+        </p:nvSpPr>
+        <p:spPr>
+          <a:xfrm>
+            <a:off x="495300" y="5956789"/>
+            <a:ext cx="8306955" cy="382412"/>
+          </a:xfrm>
+          <a:prstGeom prst="rect">
+            <a:avLst/>
+          </a:prstGeom>
+          <a:noFill/>
+        </p:spPr>
+        <p:txBody>
+          <a:bodyPr wrap="square" rtlCol="0">
+            <a:spAutoFit/>
+          </a:bodyPr>
+          <a:lstStyle/>
+          <a:p>
+            <a:r>
+              <a:rPr lang="en-US" dirty="0"/>
+              <a:t>RMSD (MeV/nucleon): 1.2 </a:t>
+            </a:r>
+            <a:r>
+              <a:rPr lang="en-US" dirty="0">
+                <a:sym typeface="Wingdings" panose="05000000000000000000" pitchFamily="2" charset="2"/>
+              </a:rPr>
+              <a:t> 0.3 0.109  0.079 </a:t>
+            </a:r>
+            <a:endParaRPr lang="en-US" dirty="0"/>
+          </a:p>
+        </p:txBody>
+      </p:sp>
+    </p:spTree>
+    <p:extLst>
+      <p:ext uri="{BB962C8B-B14F-4D97-AF65-F5344CB8AC3E}">
+        <p14:creationId xmlns:p14="http://schemas.microsoft.com/office/powerpoint/2010/main" val="341917645"/>
+      </p:ext>
+    </p:extLst>
+  </p:cSld>
+  <p:clrMapOvr>
+    <a:masterClrMapping/>
+  </p:clrMapOvr>
+</p:sld>
+</file>
+
 <file path=ppt/slides/slide26.xml><?xml version="1.0" encoding="utf-8"?>
 <p:sld xmlns:a="http://schemas.openxmlformats.org/drawingml/2006/main" xmlns:r="http://schemas.openxmlformats.org/officeDocument/2006/relationships" xmlns:p="http://schemas.openxmlformats.org/presentationml/2006/main">
   <p:cSld>
@@ -14262,15 +14350,16 @@
           <a:lstStyle/>
           <a:p>
             <a:r>
-              <a:rPr lang="en-US" dirty="0"/>
-              <a:t>3-body force</a:t>
-            </a:r>
+              <a:rPr lang="en-US" altLang="ko-KR" dirty="0"/>
+              <a:t>BE/A from WFM</a:t>
+            </a:r>
+            <a:endParaRPr lang="ko-KR" altLang="en-US" dirty="0"/>
           </a:p>
         </p:txBody>
       </p:sp>
       <p:pic>
         <p:nvPicPr>
-          <p:cNvPr id="3" name="그림 2"/>
+          <p:cNvPr id="4" name="그림 3"/>
           <p:cNvPicPr>
             <a:picLocks noChangeAspect="1"/>
           </p:cNvPicPr>
@@ -14284,149 +14373,24 @@
         </p:blipFill>
         <p:spPr>
           <a:xfrm>
-            <a:off x="303955" y="1524000"/>
-            <a:ext cx="2714510" cy="2136669"/>
+            <a:off x="276474" y="1450109"/>
+            <a:ext cx="9353051" cy="4272829"/>
           </a:xfrm>
           <a:prstGeom prst="rect">
             <a:avLst/>
           </a:prstGeom>
         </p:spPr>
       </p:pic>
-      <p:pic>
-        <p:nvPicPr>
-          <p:cNvPr id="4" name="그림 3"/>
-          <p:cNvPicPr>
-            <a:picLocks noChangeAspect="1"/>
-          </p:cNvPicPr>
-          <p:nvPr/>
-        </p:nvPicPr>
-        <p:blipFill>
-          <a:blip r:embed="rId3"/>
-          <a:stretch>
-            <a:fillRect/>
-          </a:stretch>
-        </p:blipFill>
-        <p:spPr>
-          <a:xfrm>
-            <a:off x="3241152" y="1592263"/>
-            <a:ext cx="4105848" cy="600159"/>
-          </a:xfrm>
-          <a:prstGeom prst="rect">
-            <a:avLst/>
-          </a:prstGeom>
-        </p:spPr>
-      </p:pic>
-      <p:pic>
-        <p:nvPicPr>
-          <p:cNvPr id="5" name="그림 4"/>
-          <p:cNvPicPr>
-            <a:picLocks noChangeAspect="1"/>
-          </p:cNvPicPr>
-          <p:nvPr/>
-        </p:nvPicPr>
-        <p:blipFill>
-          <a:blip r:embed="rId4"/>
-          <a:stretch>
-            <a:fillRect/>
-          </a:stretch>
-        </p:blipFill>
-        <p:spPr>
-          <a:xfrm>
-            <a:off x="3456040" y="2163649"/>
-            <a:ext cx="3381847" cy="857370"/>
-          </a:xfrm>
-          <a:prstGeom prst="rect">
-            <a:avLst/>
-          </a:prstGeom>
-        </p:spPr>
-      </p:pic>
-      <p:pic>
-        <p:nvPicPr>
-          <p:cNvPr id="6" name="그림 5"/>
-          <p:cNvPicPr>
-            <a:picLocks noChangeAspect="1"/>
-          </p:cNvPicPr>
-          <p:nvPr/>
-        </p:nvPicPr>
-        <p:blipFill>
-          <a:blip r:embed="rId5"/>
-          <a:stretch>
-            <a:fillRect/>
-          </a:stretch>
-        </p:blipFill>
-        <p:spPr>
-          <a:xfrm>
-            <a:off x="3456040" y="3021019"/>
-            <a:ext cx="5225673" cy="837767"/>
-          </a:xfrm>
-          <a:prstGeom prst="rect">
-            <a:avLst/>
-          </a:prstGeom>
-        </p:spPr>
-      </p:pic>
-      <p:pic>
-        <p:nvPicPr>
-          <p:cNvPr id="7" name="그림 6"/>
-          <p:cNvPicPr>
-            <a:picLocks noChangeAspect="1"/>
-          </p:cNvPicPr>
-          <p:nvPr/>
-        </p:nvPicPr>
-        <p:blipFill>
-          <a:blip r:embed="rId6"/>
-          <a:stretch>
-            <a:fillRect/>
-          </a:stretch>
-        </p:blipFill>
-        <p:spPr>
-          <a:xfrm>
-            <a:off x="2907627" y="3858786"/>
-            <a:ext cx="6887536" cy="1438476"/>
-          </a:xfrm>
-          <a:prstGeom prst="rect">
-            <a:avLst/>
-          </a:prstGeom>
-        </p:spPr>
-      </p:pic>
-      <p:pic>
-        <p:nvPicPr>
-          <p:cNvPr id="9" name="그림 8"/>
-          <p:cNvPicPr>
-            <a:picLocks noChangeAspect="1"/>
-          </p:cNvPicPr>
-          <p:nvPr/>
-        </p:nvPicPr>
-        <p:blipFill>
-          <a:blip r:embed="rId7"/>
-          <a:stretch>
-            <a:fillRect/>
-          </a:stretch>
-        </p:blipFill>
-        <p:spPr>
-          <a:xfrm>
-            <a:off x="3139370" y="5456360"/>
-            <a:ext cx="6030167" cy="762106"/>
-          </a:xfrm>
-          <a:prstGeom prst="rect">
-            <a:avLst/>
-          </a:prstGeom>
-          <a:ln>
-            <a:solidFill>
-              <a:srgbClr val="FF0000"/>
-            </a:solidFill>
-          </a:ln>
-        </p:spPr>
-      </p:pic>
-      <p:sp>
-        <p:nvSpPr>
-          <p:cNvPr id="10" name="TextBox 9"/>
+      <p:sp>
+        <p:nvSpPr>
+          <p:cNvPr id="3" name="TextBox 2"/>
           <p:cNvSpPr txBox="1"/>
           <p:nvPr/>
         </p:nvSpPr>
         <p:spPr>
           <a:xfrm>
-            <a:off x="381013" y="3668433"/>
-            <a:ext cx="1413164" cy="380705"/>
+            <a:off x="1542473" y="5874327"/>
+            <a:ext cx="3796145" cy="387928"/>
           </a:xfrm>
           <a:prstGeom prst="rect">
             <a:avLst/>
@@ -14441,182 +14405,7 @@
           <a:p>
             <a:r>
               <a:rPr lang="en-US" dirty="0"/>
-              <a:t>NNLO</a:t>
-            </a:r>
-          </a:p>
-        </p:txBody>
-      </p:sp>
-      <p:pic>
-        <p:nvPicPr>
-          <p:cNvPr id="11" name="그림 10"/>
-          <p:cNvPicPr>
-            <a:picLocks noChangeAspect="1"/>
-          </p:cNvPicPr>
-          <p:nvPr/>
-        </p:nvPicPr>
-        <p:blipFill>
-          <a:blip r:embed="rId8"/>
-          <a:stretch>
-            <a:fillRect/>
-          </a:stretch>
-        </p:blipFill>
-        <p:spPr>
-          <a:xfrm>
-            <a:off x="2778654" y="6360128"/>
-            <a:ext cx="1314633" cy="400106"/>
-          </a:xfrm>
-          <a:prstGeom prst="rect">
-            <a:avLst/>
-          </a:prstGeom>
-          <a:ln>
-            <a:solidFill>
-              <a:srgbClr val="FF0000"/>
-            </a:solidFill>
-          </a:ln>
-        </p:spPr>
-      </p:pic>
-      <p:pic>
-        <p:nvPicPr>
-          <p:cNvPr id="12" name="그림 11"/>
-          <p:cNvPicPr>
-            <a:picLocks noChangeAspect="1"/>
-          </p:cNvPicPr>
-          <p:nvPr/>
-        </p:nvPicPr>
-        <p:blipFill>
-          <a:blip r:embed="rId9"/>
-          <a:stretch>
-            <a:fillRect/>
-          </a:stretch>
-        </p:blipFill>
-        <p:spPr>
-          <a:xfrm>
-            <a:off x="4537421" y="6360128"/>
-            <a:ext cx="1238423" cy="381053"/>
-          </a:xfrm>
-          <a:prstGeom prst="rect">
-            <a:avLst/>
-          </a:prstGeom>
-          <a:ln>
-            <a:solidFill>
-              <a:srgbClr val="FF0000"/>
-            </a:solidFill>
-          </a:ln>
-        </p:spPr>
-      </p:pic>
-      <p:pic>
-        <p:nvPicPr>
-          <p:cNvPr id="13" name="그림 12"/>
-          <p:cNvPicPr>
-            <a:picLocks noChangeAspect="1"/>
-          </p:cNvPicPr>
-          <p:nvPr/>
-        </p:nvPicPr>
-        <p:blipFill>
-          <a:blip r:embed="rId10"/>
-          <a:stretch>
-            <a:fillRect/>
-          </a:stretch>
-        </p:blipFill>
-        <p:spPr>
-          <a:xfrm>
-            <a:off x="6219978" y="6377565"/>
-            <a:ext cx="1267002" cy="409632"/>
-          </a:xfrm>
-          <a:prstGeom prst="rect">
-            <a:avLst/>
-          </a:prstGeom>
-          <a:ln>
-            <a:solidFill>
-              <a:srgbClr val="FF0000"/>
-            </a:solidFill>
-          </a:ln>
-        </p:spPr>
-      </p:pic>
-      <p:pic>
-        <p:nvPicPr>
-          <p:cNvPr id="14" name="그림 13"/>
-          <p:cNvPicPr>
-            <a:picLocks noChangeAspect="1"/>
-          </p:cNvPicPr>
-          <p:nvPr/>
-        </p:nvPicPr>
-        <p:blipFill>
-          <a:blip r:embed="rId11"/>
-          <a:stretch>
-            <a:fillRect/>
-          </a:stretch>
-        </p:blipFill>
-        <p:spPr>
-          <a:xfrm>
-            <a:off x="7902535" y="6377565"/>
-            <a:ext cx="1267002" cy="438211"/>
-          </a:xfrm>
-          <a:prstGeom prst="rect">
-            <a:avLst/>
-          </a:prstGeom>
-          <a:ln>
-            <a:solidFill>
-              <a:srgbClr val="FF0000"/>
-            </a:solidFill>
-          </a:ln>
-        </p:spPr>
-      </p:pic>
-      <p:sp>
-        <p:nvSpPr>
-          <p:cNvPr id="8" name="TextBox 7"/>
-          <p:cNvSpPr txBox="1"/>
-          <p:nvPr/>
-        </p:nvSpPr>
-        <p:spPr>
-          <a:xfrm>
-            <a:off x="383335" y="4909115"/>
-            <a:ext cx="2122042" cy="1252651"/>
-          </a:xfrm>
-          <a:prstGeom prst="rect">
-            <a:avLst/>
-          </a:prstGeom>
-          <a:noFill/>
-        </p:spPr>
-        <p:txBody>
-          <a:bodyPr wrap="square" rtlCol="0">
-            <a:spAutoFit/>
-          </a:bodyPr>
-          <a:lstStyle/>
-          <a:p>
-            <a:r>
-              <a:rPr lang="en-US" dirty="0"/>
-              <a:t>At N3LO:</a:t>
-            </a:r>
-          </a:p>
-          <a:p>
-            <a:r>
-              <a:rPr lang="en-US" dirty="0"/>
-              <a:t>TPE and </a:t>
-            </a:r>
-          </a:p>
-          <a:p>
-            <a:r>
-              <a:rPr lang="en-US" dirty="0"/>
-              <a:t>Adjustments to </a:t>
-            </a:r>
-          </a:p>
-          <a:p>
-            <a:r>
-              <a:rPr lang="en-US" dirty="0" err="1"/>
-              <a:t>cD</a:t>
-            </a:r>
-            <a:r>
-              <a:rPr lang="en-US" dirty="0"/>
-              <a:t> and </a:t>
-            </a:r>
-            <a:r>
-              <a:rPr lang="en-US" dirty="0" err="1"/>
-              <a:t>cE</a:t>
-            </a:r>
-            <a:r>
-              <a:rPr lang="en-US" dirty="0"/>
-              <a:t> terms.</a:t>
+              <a:t>RMSD ~ 0.1 MeV per nucleon</a:t>
             </a:r>
           </a:p>
         </p:txBody>
@@ -14624,7 +14413,7 @@
     </p:spTree>
     <p:extLst>
       <p:ext uri="{BB962C8B-B14F-4D97-AF65-F5344CB8AC3E}">
-        <p14:creationId xmlns:p14="http://schemas.microsoft.com/office/powerpoint/2010/main" val="3564317762"/>
+        <p14:creationId xmlns:p14="http://schemas.microsoft.com/office/powerpoint/2010/main" val="1082437805"/>
       </p:ext>
     </p:extLst>
   </p:cSld>
@@ -14667,133 +14456,16 @@
           <a:lstStyle/>
           <a:p>
             <a:r>
-              <a:rPr lang="en-US" dirty="0"/>
-              <a:t>3-body force</a:t>
-            </a:r>
-          </a:p>
-        </p:txBody>
-      </p:sp>
-      <p:sp>
-        <p:nvSpPr>
-          <p:cNvPr id="8" name="TextBox 7"/>
-          <p:cNvSpPr txBox="1"/>
-          <p:nvPr/>
-        </p:nvSpPr>
-        <p:spPr>
-          <a:xfrm>
-            <a:off x="329046" y="1592263"/>
-            <a:ext cx="4677063" cy="3539430"/>
-          </a:xfrm>
-          <a:prstGeom prst="rect">
-            <a:avLst/>
-          </a:prstGeom>
-          <a:noFill/>
-        </p:spPr>
-        <p:txBody>
-          <a:bodyPr wrap="square" rtlCol="0">
-            <a:spAutoFit/>
-          </a:bodyPr>
-          <a:lstStyle/>
-          <a:p>
-            <a:r>
-              <a:rPr lang="en-US" sz="1600" dirty="0"/>
-              <a:t>Tune 3-body interaction to minimize errors </a:t>
-            </a:r>
-          </a:p>
-          <a:p>
-            <a:r>
-              <a:rPr lang="en-US" sz="1600" dirty="0"/>
-              <a:t>in binding energy</a:t>
-            </a:r>
-          </a:p>
-          <a:p>
-            <a:endParaRPr lang="en-US" sz="1600" dirty="0"/>
-          </a:p>
-          <a:p>
-            <a:r>
-              <a:rPr lang="en-US" sz="1600" dirty="0"/>
-              <a:t>Just one additional parameter, </a:t>
-            </a:r>
-          </a:p>
-          <a:p>
-            <a:r>
-              <a:rPr lang="en-US" sz="1600" dirty="0"/>
-              <a:t>RMSD for the E/A</a:t>
-            </a:r>
-          </a:p>
-          <a:p>
-            <a:r>
-              <a:rPr lang="en-US" sz="1600" dirty="0"/>
-              <a:t>drops from 1.2 MeV to 0.4 MeV</a:t>
-            </a:r>
-          </a:p>
-          <a:p>
-            <a:endParaRPr lang="en-US" sz="1600" dirty="0"/>
-          </a:p>
-          <a:p>
-            <a:r>
-              <a:rPr lang="en-US" sz="1600" dirty="0"/>
-              <a:t>Energies </a:t>
-            </a:r>
-          </a:p>
-          <a:p>
-            <a:pPr marL="342900" indent="-342900">
-              <a:buFont typeface="Wingdings" panose="05000000000000000000" pitchFamily="2" charset="2"/>
-              <a:buChar char="à"/>
-            </a:pPr>
-            <a:r>
-              <a:rPr lang="en-US" sz="1600" dirty="0">
-                <a:sym typeface="Wingdings" panose="05000000000000000000" pitchFamily="2" charset="2"/>
-              </a:rPr>
-              <a:t>Significant sensitivity to </a:t>
-            </a:r>
-          </a:p>
-          <a:p>
-            <a:r>
-              <a:rPr lang="en-US" sz="1600" dirty="0">
-                <a:sym typeface="Wingdings" panose="05000000000000000000" pitchFamily="2" charset="2"/>
-              </a:rPr>
-              <a:t>      the locality of 3N interactions.</a:t>
-            </a:r>
-          </a:p>
-          <a:p>
-            <a:r>
-              <a:rPr lang="en-US" sz="1600" dirty="0">
-                <a:sym typeface="Wingdings" panose="05000000000000000000" pitchFamily="2" charset="2"/>
-              </a:rPr>
-              <a:t> </a:t>
-            </a:r>
-          </a:p>
-          <a:p>
-            <a:r>
-              <a:rPr lang="en-US" sz="1600" dirty="0">
-                <a:sym typeface="Wingdings" panose="05000000000000000000" pitchFamily="2" charset="2"/>
-              </a:rPr>
-              <a:t>We interpret they are related with </a:t>
-            </a:r>
-          </a:p>
-          <a:p>
-            <a:r>
-              <a:rPr lang="en-US" sz="1600" dirty="0">
-                <a:sym typeface="Wingdings" panose="05000000000000000000" pitchFamily="2" charset="2"/>
-              </a:rPr>
-              <a:t>effective interactions </a:t>
-            </a:r>
-          </a:p>
-          <a:p>
-            <a:r>
-              <a:rPr lang="en-US" sz="1600" dirty="0">
-                <a:sym typeface="Wingdings" panose="05000000000000000000" pitchFamily="2" charset="2"/>
-              </a:rPr>
-              <a:t>between alphas and nucleons. </a:t>
-            </a:r>
-            <a:endParaRPr lang="en-US" sz="1600" dirty="0"/>
+              <a:rPr lang="en-US" altLang="ko-KR" dirty="0"/>
+              <a:t>Charge Radius</a:t>
+            </a:r>
+            <a:endParaRPr lang="ko-KR" altLang="en-US" dirty="0"/>
           </a:p>
         </p:txBody>
       </p:sp>
       <p:pic>
         <p:nvPicPr>
-          <p:cNvPr id="19" name="그림 18"/>
+          <p:cNvPr id="5" name="그림 4"/>
           <p:cNvPicPr>
             <a:picLocks noChangeAspect="1"/>
           </p:cNvPicPr>
@@ -14807,72 +14479,24 @@
         </p:blipFill>
         <p:spPr>
           <a:xfrm>
-            <a:off x="6207898" y="4373113"/>
-            <a:ext cx="3202802" cy="1975247"/>
+            <a:off x="495300" y="1592263"/>
+            <a:ext cx="9029214" cy="4605458"/>
           </a:xfrm>
           <a:prstGeom prst="rect">
             <a:avLst/>
           </a:prstGeom>
         </p:spPr>
       </p:pic>
-      <p:pic>
-        <p:nvPicPr>
-          <p:cNvPr id="20" name="그림 19"/>
-          <p:cNvPicPr>
-            <a:picLocks noChangeAspect="1"/>
-          </p:cNvPicPr>
-          <p:nvPr/>
-        </p:nvPicPr>
-        <p:blipFill>
-          <a:blip r:embed="rId3"/>
-          <a:stretch>
-            <a:fillRect/>
-          </a:stretch>
-        </p:blipFill>
-        <p:spPr>
-          <a:xfrm>
-            <a:off x="5190324" y="1524000"/>
-            <a:ext cx="4452358" cy="2244638"/>
-          </a:xfrm>
-          <a:prstGeom prst="rect">
-            <a:avLst/>
-          </a:prstGeom>
-        </p:spPr>
-      </p:pic>
-      <p:pic>
-        <p:nvPicPr>
-          <p:cNvPr id="21" name="그림 20"/>
-          <p:cNvPicPr>
-            <a:picLocks noChangeAspect="1"/>
-          </p:cNvPicPr>
-          <p:nvPr/>
-        </p:nvPicPr>
-        <p:blipFill>
-          <a:blip r:embed="rId4"/>
-          <a:stretch>
-            <a:fillRect/>
-          </a:stretch>
-        </p:blipFill>
-        <p:spPr>
-          <a:xfrm>
-            <a:off x="329046" y="5481593"/>
-            <a:ext cx="5163271" cy="323895"/>
-          </a:xfrm>
-          <a:prstGeom prst="rect">
-            <a:avLst/>
-          </a:prstGeom>
-        </p:spPr>
-      </p:pic>
-      <p:sp>
-        <p:nvSpPr>
-          <p:cNvPr id="22" name="TextBox 21"/>
+      <p:sp>
+        <p:nvSpPr>
+          <p:cNvPr id="3" name="TextBox 2"/>
           <p:cNvSpPr txBox="1"/>
           <p:nvPr/>
         </p:nvSpPr>
         <p:spPr>
           <a:xfrm>
-            <a:off x="280014" y="5805488"/>
-            <a:ext cx="5032147" cy="672492"/>
+            <a:off x="1450109" y="6197721"/>
+            <a:ext cx="3546764" cy="382412"/>
           </a:xfrm>
           <a:prstGeom prst="rect">
             <a:avLst/>
@@ -14880,28 +14504,39 @@
           <a:noFill/>
         </p:spPr>
         <p:txBody>
-          <a:bodyPr wrap="none" rtlCol="0">
+          <a:bodyPr wrap="square" rtlCol="0">
             <a:spAutoFit/>
           </a:bodyPr>
           <a:lstStyle/>
           <a:p>
             <a:r>
-              <a:rPr lang="en-US" dirty="0"/>
-              <a:t>Significantly high w/o additional 3-body terms</a:t>
-            </a:r>
-          </a:p>
-          <a:p>
-            <a:r>
-              <a:rPr lang="en-US" dirty="0"/>
-              <a:t>: alpha-alpha should be more attractive.</a:t>
-            </a:r>
+              <a:rPr lang="en-US" dirty="0">
+                <a:solidFill>
+                  <a:srgbClr val="FF0000"/>
+                </a:solidFill>
+              </a:rPr>
+              <a:t>No fitting!  RMSD~ 0.03 </a:t>
+            </a:r>
+            <a:r>
+              <a:rPr lang="en-US" dirty="0" err="1">
+                <a:solidFill>
+                  <a:srgbClr val="FF0000"/>
+                </a:solidFill>
+              </a:rPr>
+              <a:t>fm</a:t>
+            </a:r>
+            <a:endParaRPr lang="en-US" dirty="0">
+              <a:solidFill>
+                <a:srgbClr val="FF0000"/>
+              </a:solidFill>
+            </a:endParaRPr>
           </a:p>
         </p:txBody>
       </p:sp>
     </p:spTree>
     <p:extLst>
       <p:ext uri="{BB962C8B-B14F-4D97-AF65-F5344CB8AC3E}">
-        <p14:creationId xmlns:p14="http://schemas.microsoft.com/office/powerpoint/2010/main" val="1793680295"/>
+        <p14:creationId xmlns:p14="http://schemas.microsoft.com/office/powerpoint/2010/main" val="4111254820"/>
       </p:ext>
     </p:extLst>
   </p:cSld>
@@ -14944,15 +14579,79 @@
           <a:lstStyle/>
           <a:p>
             <a:r>
-              <a:rPr lang="en-US" dirty="0"/>
-              <a:t>Determine 3-body force</a:t>
-            </a:r>
+              <a:rPr lang="en-US" altLang="ko-KR" dirty="0"/>
+              <a:t>Nuclear/Neutron Matter</a:t>
+            </a:r>
+            <a:endParaRPr lang="ko-KR" altLang="en-US" dirty="0"/>
+          </a:p>
+        </p:txBody>
+      </p:sp>
+      <p:sp>
+        <p:nvSpPr>
+          <p:cNvPr id="4" name="TextBox 3"/>
+          <p:cNvSpPr txBox="1"/>
+          <p:nvPr/>
+        </p:nvSpPr>
+        <p:spPr>
+          <a:xfrm>
+            <a:off x="6354618" y="1948873"/>
+            <a:ext cx="2846532" cy="2122889"/>
+          </a:xfrm>
+          <a:prstGeom prst="rect">
+            <a:avLst/>
+          </a:prstGeom>
+          <a:noFill/>
+        </p:spPr>
+        <p:txBody>
+          <a:bodyPr wrap="square" rtlCol="0">
+            <a:spAutoFit/>
+          </a:bodyPr>
+          <a:lstStyle/>
+          <a:p>
+            <a:r>
+              <a:rPr lang="en-US" altLang="ko-KR" dirty="0"/>
+              <a:t>Neutron matter: </a:t>
+            </a:r>
+          </a:p>
+          <a:p>
+            <a:r>
+              <a:rPr lang="en-US" altLang="ko-KR" dirty="0"/>
+              <a:t>A=4~80</a:t>
+            </a:r>
+          </a:p>
+          <a:p>
+            <a:r>
+              <a:rPr lang="en-US" altLang="ko-KR" dirty="0"/>
+              <a:t>box size 6.6 ~ 13.2  fm. </a:t>
+            </a:r>
+          </a:p>
+          <a:p>
+            <a:endParaRPr lang="en-US" altLang="ko-KR" dirty="0"/>
+          </a:p>
+          <a:p>
+            <a:r>
+              <a:rPr lang="en-US" altLang="ko-KR" dirty="0"/>
+              <a:t>Nuclear matter:</a:t>
+            </a:r>
+          </a:p>
+          <a:p>
+            <a:r>
+              <a:rPr lang="en-US" altLang="ko-KR" dirty="0"/>
+              <a:t>A=4 ~ 160</a:t>
+            </a:r>
+          </a:p>
+          <a:p>
+            <a:r>
+              <a:rPr lang="en-US" altLang="ko-KR" dirty="0"/>
+              <a:t>Box size 7.92~9.24 fm. </a:t>
+            </a:r>
+            <a:endParaRPr lang="ko-KR" altLang="en-US" dirty="0"/>
           </a:p>
         </p:txBody>
       </p:sp>
       <p:pic>
         <p:nvPicPr>
-          <p:cNvPr id="9" name="그림 8"/>
+          <p:cNvPr id="6" name="그림 5"/>
           <p:cNvPicPr>
             <a:picLocks noChangeAspect="1"/>
           </p:cNvPicPr>
@@ -14966,110 +14665,14 @@
         </p:blipFill>
         <p:spPr>
           <a:xfrm>
-            <a:off x="137293" y="1512235"/>
-            <a:ext cx="9273407" cy="3760506"/>
+            <a:off x="170932" y="1592263"/>
+            <a:ext cx="5923672" cy="4875638"/>
           </a:xfrm>
           <a:prstGeom prst="rect">
             <a:avLst/>
           </a:prstGeom>
         </p:spPr>
       </p:pic>
-      <p:pic>
-        <p:nvPicPr>
-          <p:cNvPr id="11" name="그림 10"/>
-          <p:cNvPicPr>
-            <a:picLocks noChangeAspect="1"/>
-          </p:cNvPicPr>
-          <p:nvPr/>
-        </p:nvPicPr>
-        <p:blipFill>
-          <a:blip r:embed="rId3"/>
-          <a:stretch>
-            <a:fillRect/>
-          </a:stretch>
-        </p:blipFill>
-        <p:spPr>
-          <a:xfrm>
-            <a:off x="728182" y="5399545"/>
-            <a:ext cx="1314633" cy="400106"/>
-          </a:xfrm>
-          <a:prstGeom prst="rect">
-            <a:avLst/>
-          </a:prstGeom>
-        </p:spPr>
-      </p:pic>
-      <p:pic>
-        <p:nvPicPr>
-          <p:cNvPr id="12" name="그림 11"/>
-          <p:cNvPicPr>
-            <a:picLocks noChangeAspect="1"/>
-          </p:cNvPicPr>
-          <p:nvPr/>
-        </p:nvPicPr>
-        <p:blipFill>
-          <a:blip r:embed="rId4"/>
-          <a:stretch>
-            <a:fillRect/>
-          </a:stretch>
-        </p:blipFill>
-        <p:spPr>
-          <a:xfrm>
-            <a:off x="2486949" y="5399545"/>
-            <a:ext cx="1238423" cy="381053"/>
-          </a:xfrm>
-          <a:prstGeom prst="rect">
-            <a:avLst/>
-          </a:prstGeom>
-        </p:spPr>
-      </p:pic>
-      <p:pic>
-        <p:nvPicPr>
-          <p:cNvPr id="13" name="그림 12"/>
-          <p:cNvPicPr>
-            <a:picLocks noChangeAspect="1"/>
-          </p:cNvPicPr>
-          <p:nvPr/>
-        </p:nvPicPr>
-        <p:blipFill>
-          <a:blip r:embed="rId5"/>
-          <a:stretch>
-            <a:fillRect/>
-          </a:stretch>
-        </p:blipFill>
-        <p:spPr>
-          <a:xfrm>
-            <a:off x="4169506" y="5416982"/>
-            <a:ext cx="1267002" cy="409632"/>
-          </a:xfrm>
-          <a:prstGeom prst="rect">
-            <a:avLst/>
-          </a:prstGeom>
-        </p:spPr>
-      </p:pic>
-      <p:pic>
-        <p:nvPicPr>
-          <p:cNvPr id="14" name="그림 13"/>
-          <p:cNvPicPr>
-            <a:picLocks noChangeAspect="1"/>
-          </p:cNvPicPr>
-          <p:nvPr/>
-        </p:nvPicPr>
-        <p:blipFill>
-          <a:blip r:embed="rId6"/>
-          <a:stretch>
-            <a:fillRect/>
-          </a:stretch>
-        </p:blipFill>
-        <p:spPr>
-          <a:xfrm>
-            <a:off x="5852063" y="5416982"/>
-            <a:ext cx="1267002" cy="438211"/>
-          </a:xfrm>
-          <a:prstGeom prst="rect">
-            <a:avLst/>
-          </a:prstGeom>
-        </p:spPr>
-      </p:pic>
       <p:sp>
         <p:nvSpPr>
           <p:cNvPr id="3" name="TextBox 2"/>
@@ -15078,8 +14681,8 @@
         </p:nvSpPr>
         <p:spPr>
           <a:xfrm>
-            <a:off x="495300" y="5956789"/>
-            <a:ext cx="8306955" cy="382412"/>
+            <a:off x="6213475" y="5221608"/>
+            <a:ext cx="3285258" cy="672492"/>
           </a:xfrm>
           <a:prstGeom prst="rect">
             <a:avLst/>
@@ -15092,24 +14695,27 @@
           </a:bodyPr>
           <a:lstStyle/>
           <a:p>
+            <a:pPr marL="342900" indent="-342900">
+              <a:buFont typeface="Arial" panose="020B0604020202020204" pitchFamily="34" charset="0"/>
+              <a:buChar char="•"/>
+            </a:pPr>
             <a:r>
               <a:rPr lang="en-US" dirty="0"/>
-              <a:t>RMSD (MeV/nucleon): 1.2 </a:t>
-            </a:r>
-            <a:r>
-              <a:rPr lang="en-US" dirty="0">
-                <a:sym typeface="Wingdings" panose="05000000000000000000" pitchFamily="2" charset="2"/>
-              </a:rPr>
-              <a:t> 0.3 0.109  0.079 </a:t>
-            </a:r>
-            <a:endParaRPr lang="en-US" dirty="0"/>
+              <a:t>Uncertainties from</a:t>
+            </a:r>
+          </a:p>
+          <a:p>
+            <a:r>
+              <a:rPr lang="en-US" dirty="0"/>
+              <a:t>finite system size correction </a:t>
+            </a:r>
           </a:p>
         </p:txBody>
       </p:sp>
     </p:spTree>
     <p:extLst>
       <p:ext uri="{BB962C8B-B14F-4D97-AF65-F5344CB8AC3E}">
-        <p14:creationId xmlns:p14="http://schemas.microsoft.com/office/powerpoint/2010/main" val="341917645"/>
+        <p14:creationId xmlns:p14="http://schemas.microsoft.com/office/powerpoint/2010/main" val="994957564"/>
       </p:ext>
     </p:extLst>
   </p:cSld>
@@ -15152,16 +14758,15 @@
           <a:lstStyle/>
           <a:p>
             <a:r>
-              <a:rPr lang="en-US" altLang="ko-KR" dirty="0"/>
-              <a:t>BE/A from WFM</a:t>
-            </a:r>
-            <a:endParaRPr lang="ko-KR" altLang="en-US" dirty="0"/>
+              <a:rPr lang="en-US" dirty="0"/>
+              <a:t>Carbon isotopes</a:t>
+            </a:r>
           </a:p>
         </p:txBody>
       </p:sp>
       <p:pic>
         <p:nvPicPr>
-          <p:cNvPr id="4" name="그림 3"/>
+          <p:cNvPr id="7" name="그림 6"/>
           <p:cNvPicPr>
             <a:picLocks noChangeAspect="1"/>
           </p:cNvPicPr>
@@ -15175,47 +14780,18 @@
         </p:blipFill>
         <p:spPr>
           <a:xfrm>
-            <a:off x="276474" y="1450109"/>
-            <a:ext cx="9353051" cy="4272829"/>
+            <a:off x="1155570" y="1880324"/>
+            <a:ext cx="7170970" cy="3853726"/>
           </a:xfrm>
           <a:prstGeom prst="rect">
             <a:avLst/>
           </a:prstGeom>
         </p:spPr>
       </p:pic>
-      <p:sp>
-        <p:nvSpPr>
-          <p:cNvPr id="3" name="TextBox 2"/>
-          <p:cNvSpPr txBox="1"/>
-          <p:nvPr/>
-        </p:nvSpPr>
-        <p:spPr>
-          <a:xfrm>
-            <a:off x="1542473" y="5874327"/>
-            <a:ext cx="3796145" cy="387928"/>
-          </a:xfrm>
-          <a:prstGeom prst="rect">
-            <a:avLst/>
-          </a:prstGeom>
-          <a:noFill/>
-        </p:spPr>
-        <p:txBody>
-          <a:bodyPr wrap="square" rtlCol="0">
-            <a:spAutoFit/>
-          </a:bodyPr>
-          <a:lstStyle/>
-          <a:p>
-            <a:r>
-              <a:rPr lang="en-US" dirty="0"/>
-              <a:t>RMSD ~ 0.1 MeV per nucleon</a:t>
-            </a:r>
-          </a:p>
-        </p:txBody>
-      </p:sp>
     </p:spTree>
     <p:extLst>
       <p:ext uri="{BB962C8B-B14F-4D97-AF65-F5344CB8AC3E}">
-        <p14:creationId xmlns:p14="http://schemas.microsoft.com/office/powerpoint/2010/main" val="1082437805"/>
+        <p14:creationId xmlns:p14="http://schemas.microsoft.com/office/powerpoint/2010/main" val="1670543705"/>
       </p:ext>
     </p:extLst>
   </p:cSld>
@@ -15257,19 +14833,160 @@
           <a:bodyPr/>
           <a:lstStyle/>
           <a:p>
-            <a:endParaRPr lang="ko-KR" altLang="en-US"/>
+            <a:r>
+              <a:rPr lang="en-US" altLang="ko-KR" dirty="0"/>
+              <a:t>Ab-initio method</a:t>
+            </a:r>
+            <a:endParaRPr lang="ko-KR" altLang="en-US" dirty="0"/>
+          </a:p>
+        </p:txBody>
+      </p:sp>
+      <p:sp>
+        <p:nvSpPr>
+          <p:cNvPr id="3" name="내용 개체 틀 2"/>
+          <p:cNvSpPr>
+            <a:spLocks noGrp="1"/>
+          </p:cNvSpPr>
+          <p:nvPr>
+            <p:ph idx="1"/>
+          </p:nvPr>
+        </p:nvSpPr>
+        <p:spPr>
+          <a:xfrm>
+            <a:off x="4953000" y="1600200"/>
+            <a:ext cx="4114800" cy="4865255"/>
+          </a:xfrm>
+        </p:spPr>
+        <p:txBody>
+          <a:bodyPr>
+            <a:normAutofit fontScale="92500" lnSpcReduction="20000"/>
+          </a:bodyPr>
+          <a:lstStyle/>
+          <a:p>
+            <a:r>
+              <a:rPr lang="en-US" altLang="ko-KR" i="1" dirty="0"/>
+              <a:t>ab-initio</a:t>
+            </a:r>
+            <a:r>
+              <a:rPr lang="en-US" altLang="ko-KR" dirty="0"/>
+              <a:t> Nuclear Physics</a:t>
+            </a:r>
+          </a:p>
+          <a:p>
+            <a:pPr lvl="1"/>
+            <a:r>
+              <a:rPr lang="en-US" altLang="ko-KR" dirty="0"/>
+              <a:t>(1) nucleon degrees of freedom</a:t>
+            </a:r>
+          </a:p>
+          <a:p>
+            <a:pPr lvl="1"/>
+            <a:r>
+              <a:rPr lang="en-US" altLang="ko-KR" dirty="0"/>
+              <a:t>(2) nucleon-nucleon interaction</a:t>
+            </a:r>
+          </a:p>
+          <a:p>
+            <a:pPr marL="274320" lvl="1" indent="0">
+              <a:buNone/>
+            </a:pPr>
+            <a:endParaRPr lang="en-US" altLang="ko-KR" dirty="0"/>
+          </a:p>
+          <a:p>
+            <a:pPr marL="0" indent="0">
+              <a:buNone/>
+            </a:pPr>
+            <a:r>
+              <a:rPr lang="en-US" altLang="ko-KR" dirty="0"/>
+              <a:t>Goal: predict </a:t>
+            </a:r>
+            <a:r>
+              <a:rPr lang="en-US" altLang="ko-KR" dirty="0">
+                <a:solidFill>
+                  <a:srgbClr val="FF0000"/>
+                </a:solidFill>
+              </a:rPr>
+              <a:t>wide range</a:t>
+            </a:r>
+            <a:r>
+              <a:rPr lang="en-US" altLang="ko-KR" dirty="0"/>
+              <a:t>(structure, reaction, nuclear matter) of nuclear phenomena (</a:t>
+            </a:r>
+            <a:r>
+              <a:rPr lang="en-US" altLang="ko-KR" dirty="0">
+                <a:solidFill>
+                  <a:srgbClr val="FF0000"/>
+                </a:solidFill>
+              </a:rPr>
+              <a:t>without parameter fitting, model assumption</a:t>
+            </a:r>
+            <a:r>
+              <a:rPr lang="en-US" altLang="ko-KR" dirty="0"/>
+              <a:t>) from </a:t>
+            </a:r>
+            <a:r>
+              <a:rPr lang="en-US" altLang="ko-KR" dirty="0">
+                <a:solidFill>
+                  <a:srgbClr val="FF0000"/>
+                </a:solidFill>
+              </a:rPr>
+              <a:t>nuclear interaction </a:t>
+            </a:r>
+            <a:r>
+              <a:rPr lang="en-US" altLang="ko-KR" dirty="0"/>
+              <a:t>(for 2-body,3-body, many-body, based on QCD)</a:t>
+            </a:r>
+          </a:p>
+          <a:p>
+            <a:pPr marL="0" indent="0">
+              <a:buNone/>
+            </a:pPr>
+            <a:endParaRPr lang="en-US" altLang="ko-KR" dirty="0">
+              <a:solidFill>
+                <a:srgbClr val="FF0000"/>
+              </a:solidFill>
+            </a:endParaRPr>
+          </a:p>
+          <a:p>
+            <a:pPr marL="0" indent="0">
+              <a:buNone/>
+            </a:pPr>
+            <a:r>
+              <a:rPr lang="en-US" altLang="ko-KR" dirty="0">
+                <a:solidFill>
+                  <a:srgbClr val="FF0000"/>
+                </a:solidFill>
+              </a:rPr>
+              <a:t>Direct connection between</a:t>
+            </a:r>
+          </a:p>
+          <a:p>
+            <a:pPr marL="0" indent="0">
+              <a:buNone/>
+            </a:pPr>
+            <a:r>
+              <a:rPr lang="en-US" altLang="ko-KR" sz="1900" dirty="0">
+                <a:solidFill>
+                  <a:srgbClr val="0000FF"/>
+                </a:solidFill>
+              </a:rPr>
+              <a:t>Nuclear Force ↔ Nuclear Phenomena</a:t>
+            </a:r>
+            <a:endParaRPr lang="ko-KR" altLang="en-US" sz="1900" dirty="0">
+              <a:solidFill>
+                <a:srgbClr val="0000FF"/>
+              </a:solidFill>
+            </a:endParaRPr>
           </a:p>
         </p:txBody>
       </p:sp>
       <p:pic>
         <p:nvPicPr>
-          <p:cNvPr id="4" name="내용 개체 틀 3"/>
+          <p:cNvPr id="4" name="그림 3"/>
           <p:cNvPicPr>
-            <a:picLocks noGrp="1" noChangeAspect="1"/>
+            <a:picLocks noChangeAspect="1"/>
           </p:cNvPicPr>
-          <p:nvPr>
-            <p:ph idx="1"/>
-          </p:nvPr>
+          <p:nvPr/>
         </p:nvPicPr>
         <p:blipFill>
           <a:blip r:embed="rId2"/>
@@ -15279,105 +14996,18 @@
         </p:blipFill>
         <p:spPr>
           <a:xfrm>
-            <a:off x="838201" y="457201"/>
-            <a:ext cx="8241145" cy="6060411"/>
+            <a:off x="533400" y="1611746"/>
+            <a:ext cx="4114800" cy="3850958"/>
           </a:xfrm>
           <a:prstGeom prst="rect">
             <a:avLst/>
           </a:prstGeom>
         </p:spPr>
       </p:pic>
-      <p:sp>
-        <p:nvSpPr>
-          <p:cNvPr id="7" name="오른쪽 중괄호 6"/>
-          <p:cNvSpPr/>
-          <p:nvPr/>
-        </p:nvSpPr>
-        <p:spPr>
-          <a:xfrm>
-            <a:off x="8382000" y="2895600"/>
-            <a:ext cx="457200" cy="3276600"/>
-          </a:xfrm>
-          <a:prstGeom prst="rightBrace">
-            <a:avLst/>
-          </a:prstGeom>
-          <a:ln>
-            <a:solidFill>
-              <a:srgbClr val="0070C0"/>
-            </a:solidFill>
-          </a:ln>
-        </p:spPr>
-        <p:style>
-          <a:lnRef idx="1">
-            <a:schemeClr val="accent1"/>
-          </a:lnRef>
-          <a:fillRef idx="0">
-            <a:schemeClr val="accent1"/>
-          </a:fillRef>
-          <a:effectRef idx="0">
-            <a:schemeClr val="accent1"/>
-          </a:effectRef>
-          <a:fontRef idx="minor">
-            <a:schemeClr val="tx1"/>
-          </a:fontRef>
-        </p:style>
-        <p:txBody>
-          <a:bodyPr rtlCol="0" anchor="ctr"/>
-          <a:lstStyle/>
-          <a:p>
-            <a:pPr algn="ctr"/>
-            <a:endParaRPr lang="ko-KR" altLang="en-US"/>
-          </a:p>
-        </p:txBody>
-      </p:sp>
-      <p:sp>
-        <p:nvSpPr>
-          <p:cNvPr id="8" name="TextBox 7"/>
-          <p:cNvSpPr txBox="1"/>
-          <p:nvPr/>
-        </p:nvSpPr>
-        <p:spPr>
-          <a:xfrm>
-            <a:off x="8719114" y="4268927"/>
-            <a:ext cx="729687" cy="646331"/>
-          </a:xfrm>
-          <a:prstGeom prst="rect">
-            <a:avLst/>
-          </a:prstGeom>
-          <a:solidFill>
-            <a:srgbClr val="FFFF00"/>
-          </a:solidFill>
-        </p:spPr>
-        <p:txBody>
-          <a:bodyPr wrap="none" rtlCol="0">
-            <a:spAutoFit/>
-          </a:bodyPr>
-          <a:lstStyle/>
-          <a:p>
-            <a:r>
-              <a:rPr lang="en-US" altLang="ko-KR" sz="1200" dirty="0"/>
-              <a:t>Ab initio</a:t>
-            </a:r>
-          </a:p>
-          <a:p>
-            <a:r>
-              <a:rPr lang="en-US" altLang="ko-KR" sz="1200" dirty="0"/>
-              <a:t>Nuclear</a:t>
-            </a:r>
-          </a:p>
-          <a:p>
-            <a:r>
-              <a:rPr lang="en-US" altLang="ko-KR" sz="1200" dirty="0"/>
-              <a:t>Theory</a:t>
-            </a:r>
-            <a:endParaRPr lang="ko-KR" altLang="en-US" sz="1200" dirty="0"/>
-          </a:p>
-        </p:txBody>
-      </p:sp>
     </p:spTree>
     <p:extLst>
       <p:ext uri="{BB962C8B-B14F-4D97-AF65-F5344CB8AC3E}">
-        <p14:creationId xmlns:p14="http://schemas.microsoft.com/office/powerpoint/2010/main" val="199294165"/>
+        <p14:creationId xmlns:p14="http://schemas.microsoft.com/office/powerpoint/2010/main" val="3267157351"/>
       </p:ext>
     </p:extLst>
   </p:cSld>
@@ -15420,16 +15050,15 @@
           <a:lstStyle/>
           <a:p>
             <a:r>
-              <a:rPr lang="en-US" altLang="ko-KR" dirty="0"/>
-              <a:t>Charge Radius</a:t>
-            </a:r>
-            <a:endParaRPr lang="ko-KR" altLang="en-US" dirty="0"/>
+              <a:rPr lang="en-US" dirty="0"/>
+              <a:t>Carbon and Oxygen</a:t>
+            </a:r>
           </a:p>
         </p:txBody>
       </p:sp>
       <p:pic>
         <p:nvPicPr>
-          <p:cNvPr id="5" name="그림 4"/>
+          <p:cNvPr id="3" name="그림 2"/>
           <p:cNvPicPr>
             <a:picLocks noChangeAspect="1"/>
           </p:cNvPicPr>
@@ -15443,8 +15072,8 @@
         </p:blipFill>
         <p:spPr>
           <a:xfrm>
-            <a:off x="495300" y="1592263"/>
-            <a:ext cx="9029214" cy="4605458"/>
+            <a:off x="796143" y="1915296"/>
+            <a:ext cx="8313714" cy="4345463"/>
           </a:xfrm>
           <a:prstGeom prst="rect">
             <a:avLst/>
@@ -15453,14 +15082,14 @@
       </p:pic>
       <p:sp>
         <p:nvSpPr>
-          <p:cNvPr id="3" name="TextBox 2"/>
-          <p:cNvSpPr txBox="1"/>
+          <p:cNvPr id="4" name="직사각형 3"/>
+          <p:cNvSpPr/>
           <p:nvPr/>
         </p:nvSpPr>
         <p:spPr>
           <a:xfrm>
-            <a:off x="1450109" y="6197721"/>
-            <a:ext cx="3546764" cy="382412"/>
+            <a:off x="7136303" y="5986244"/>
+            <a:ext cx="2654243" cy="646331"/>
           </a:xfrm>
           <a:prstGeom prst="rect">
             <a:avLst/>
@@ -15468,39 +15097,35 @@
           <a:noFill/>
         </p:spPr>
         <p:txBody>
-          <a:bodyPr wrap="square" rtlCol="0">
+          <a:bodyPr wrap="square" lIns="91440" tIns="45720" rIns="91440" bIns="45720">
             <a:spAutoFit/>
           </a:bodyPr>
           <a:lstStyle/>
           <a:p>
-            <a:r>
-              <a:rPr lang="en-US" dirty="0">
+            <a:pPr algn="ctr"/>
+            <a:r>
+              <a:rPr lang="en-US" altLang="ko-KR" sz="3600" b="0" cap="none" spc="0" dirty="0">
+                <a:ln w="0"/>
                 <a:solidFill>
                   <a:srgbClr val="FF0000"/>
                 </a:solidFill>
+                <a:effectLst>
+                  <a:outerShdw blurRad="38100" dist="19050" dir="2700000" algn="tl" rotWithShape="0">
+                    <a:schemeClr val="dk1">
+                      <a:alpha val="40000"/>
+                    </a:schemeClr>
+                  </a:outerShdw>
+                </a:effectLst>
               </a:rPr>
-              <a:t>No fitting!  RMSD~ 0.03 </a:t>
-            </a:r>
-            <a:r>
-              <a:rPr lang="en-US" dirty="0" err="1">
-                <a:solidFill>
-                  <a:srgbClr val="FF0000"/>
-                </a:solidFill>
-              </a:rPr>
-              <a:t>fm</a:t>
-            </a:r>
-            <a:endParaRPr lang="en-US" dirty="0">
-              <a:solidFill>
-                <a:srgbClr val="FF0000"/>
-              </a:solidFill>
-            </a:endParaRPr>
+              <a:t>Preliminary</a:t>
+            </a:r>
           </a:p>
         </p:txBody>
       </p:sp>
     </p:spTree>
     <p:extLst>
       <p:ext uri="{BB962C8B-B14F-4D97-AF65-F5344CB8AC3E}">
-        <p14:creationId xmlns:p14="http://schemas.microsoft.com/office/powerpoint/2010/main" val="4111254820"/>
+        <p14:creationId xmlns:p14="http://schemas.microsoft.com/office/powerpoint/2010/main" val="2939805230"/>
       </p:ext>
     </p:extLst>
   </p:cSld>
@@ -15544,7 +15169,7 @@
           <a:p>
             <a:r>
               <a:rPr lang="en-US" altLang="ko-KR" dirty="0"/>
-              <a:t>Nuclear/Neutron Matter</a:t>
+              <a:t>Summary</a:t>
             </a:r>
             <a:endParaRPr lang="ko-KR" altLang="en-US" dirty="0"/>
           </a:p>
@@ -15552,14 +15177,14 @@
       </p:sp>
       <p:sp>
         <p:nvSpPr>
-          <p:cNvPr id="4" name="TextBox 3"/>
+          <p:cNvPr id="3" name="TextBox 2"/>
           <p:cNvSpPr txBox="1"/>
           <p:nvPr/>
         </p:nvSpPr>
         <p:spPr>
           <a:xfrm>
-            <a:off x="6354618" y="1948873"/>
-            <a:ext cx="2846532" cy="2122889"/>
+            <a:off x="668338" y="1699491"/>
+            <a:ext cx="8532812" cy="3283206"/>
           </a:xfrm>
           <a:prstGeom prst="rect">
             <a:avLst/>
@@ -15572,384 +15197,11 @@
           </a:bodyPr>
           <a:lstStyle/>
           <a:p>
-            <a:r>
-              <a:rPr lang="en-US" altLang="ko-KR" dirty="0"/>
-              <a:t>Neutron matter: </a:t>
-            </a:r>
-          </a:p>
-          <a:p>
-            <a:r>
-              <a:rPr lang="en-US" altLang="ko-KR" dirty="0"/>
-              <a:t>A=4~80</a:t>
-            </a:r>
-          </a:p>
-          <a:p>
-            <a:r>
-              <a:rPr lang="en-US" altLang="ko-KR" dirty="0"/>
-              <a:t>box size 6.6 ~ 13.2  fm. </a:t>
-            </a:r>
-          </a:p>
-          <a:p>
-            <a:endParaRPr lang="en-US" altLang="ko-KR" dirty="0"/>
-          </a:p>
-          <a:p>
-            <a:r>
-              <a:rPr lang="en-US" altLang="ko-KR" dirty="0"/>
-              <a:t>Nuclear matter:</a:t>
-            </a:r>
-          </a:p>
-          <a:p>
-            <a:r>
-              <a:rPr lang="en-US" altLang="ko-KR" dirty="0"/>
-              <a:t>A=4 ~ 160</a:t>
-            </a:r>
-          </a:p>
-          <a:p>
-            <a:r>
-              <a:rPr lang="en-US" altLang="ko-KR" dirty="0"/>
-              <a:t>Box size 7.92~9.24 fm. </a:t>
-            </a:r>
-            <a:endParaRPr lang="ko-KR" altLang="en-US" dirty="0"/>
-          </a:p>
-        </p:txBody>
-      </p:sp>
-      <p:pic>
-        <p:nvPicPr>
-          <p:cNvPr id="6" name="그림 5"/>
-          <p:cNvPicPr>
-            <a:picLocks noChangeAspect="1"/>
-          </p:cNvPicPr>
-          <p:nvPr/>
-        </p:nvPicPr>
-        <p:blipFill>
-          <a:blip r:embed="rId2"/>
-          <a:stretch>
-            <a:fillRect/>
-          </a:stretch>
-        </p:blipFill>
-        <p:spPr>
-          <a:xfrm>
-            <a:off x="170932" y="1592263"/>
-            <a:ext cx="5923672" cy="4875638"/>
-          </a:xfrm>
-          <a:prstGeom prst="rect">
-            <a:avLst/>
-          </a:prstGeom>
-        </p:spPr>
-      </p:pic>
-      <p:sp>
-        <p:nvSpPr>
-          <p:cNvPr id="3" name="TextBox 2"/>
-          <p:cNvSpPr txBox="1"/>
-          <p:nvPr/>
-        </p:nvSpPr>
-        <p:spPr>
-          <a:xfrm>
-            <a:off x="6213475" y="5221608"/>
-            <a:ext cx="3285258" cy="672492"/>
-          </a:xfrm>
-          <a:prstGeom prst="rect">
-            <a:avLst/>
-          </a:prstGeom>
-          <a:noFill/>
-        </p:spPr>
-        <p:txBody>
-          <a:bodyPr wrap="square" rtlCol="0">
-            <a:spAutoFit/>
-          </a:bodyPr>
-          <a:lstStyle/>
-          <a:p>
             <a:pPr marL="342900" indent="-342900">
               <a:buFont typeface="Arial" panose="020B0604020202020204" pitchFamily="34" charset="0"/>
               <a:buChar char="•"/>
             </a:pPr>
             <a:r>
-              <a:rPr lang="en-US" dirty="0"/>
-              <a:t>Uncertainties from</a:t>
-            </a:r>
-          </a:p>
-          <a:p>
-            <a:r>
-              <a:rPr lang="en-US" dirty="0"/>
-              <a:t>finite system size correction </a:t>
-            </a:r>
-          </a:p>
-        </p:txBody>
-      </p:sp>
-    </p:spTree>
-    <p:extLst>
-      <p:ext uri="{BB962C8B-B14F-4D97-AF65-F5344CB8AC3E}">
-        <p14:creationId xmlns:p14="http://schemas.microsoft.com/office/powerpoint/2010/main" val="994957564"/>
-      </p:ext>
-    </p:extLst>
-  </p:cSld>
-  <p:clrMapOvr>
-    <a:masterClrMapping/>
-  </p:clrMapOvr>
-</p:sld>
-</file>
-
-<file path=ppt/slides/slide32.xml><?xml version="1.0" encoding="utf-8"?>
-<p:sld xmlns:a="http://schemas.openxmlformats.org/drawingml/2006/main" xmlns:r="http://schemas.openxmlformats.org/officeDocument/2006/relationships" xmlns:p="http://schemas.openxmlformats.org/presentationml/2006/main">
-  <p:cSld>
-    <p:spTree>
-      <p:nvGrpSpPr>
-        <p:cNvPr id="1" name=""/>
-        <p:cNvGrpSpPr/>
-        <p:nvPr/>
-      </p:nvGrpSpPr>
-      <p:grpSpPr>
-        <a:xfrm>
-          <a:off x="0" y="0"/>
-          <a:ext cx="0" cy="0"/>
-          <a:chOff x="0" y="0"/>
-          <a:chExt cx="0" cy="0"/>
-        </a:xfrm>
-      </p:grpSpPr>
-      <p:sp>
-        <p:nvSpPr>
-          <p:cNvPr id="2" name="제목 1"/>
-          <p:cNvSpPr>
-            <a:spLocks noGrp="1"/>
-          </p:cNvSpPr>
-          <p:nvPr>
-            <p:ph type="title"/>
-          </p:nvPr>
-        </p:nvSpPr>
-        <p:spPr/>
-        <p:txBody>
-          <a:bodyPr/>
-          <a:lstStyle/>
-          <a:p>
-            <a:r>
-              <a:rPr lang="en-US" dirty="0"/>
-              <a:t>Carbon isotopes</a:t>
-            </a:r>
-          </a:p>
-        </p:txBody>
-      </p:sp>
-      <p:pic>
-        <p:nvPicPr>
-          <p:cNvPr id="7" name="그림 6"/>
-          <p:cNvPicPr>
-            <a:picLocks noChangeAspect="1"/>
-          </p:cNvPicPr>
-          <p:nvPr/>
-        </p:nvPicPr>
-        <p:blipFill>
-          <a:blip r:embed="rId2"/>
-          <a:stretch>
-            <a:fillRect/>
-          </a:stretch>
-        </p:blipFill>
-        <p:spPr>
-          <a:xfrm>
-            <a:off x="1155570" y="1880324"/>
-            <a:ext cx="7170970" cy="3853726"/>
-          </a:xfrm>
-          <a:prstGeom prst="rect">
-            <a:avLst/>
-          </a:prstGeom>
-        </p:spPr>
-      </p:pic>
-    </p:spTree>
-    <p:extLst>
-      <p:ext uri="{BB962C8B-B14F-4D97-AF65-F5344CB8AC3E}">
-        <p14:creationId xmlns:p14="http://schemas.microsoft.com/office/powerpoint/2010/main" val="1670543705"/>
-      </p:ext>
-    </p:extLst>
-  </p:cSld>
-  <p:clrMapOvr>
-    <a:masterClrMapping/>
-  </p:clrMapOvr>
-</p:sld>
-</file>
-
-<file path=ppt/slides/slide33.xml><?xml version="1.0" encoding="utf-8"?>
-<p:sld xmlns:a="http://schemas.openxmlformats.org/drawingml/2006/main" xmlns:r="http://schemas.openxmlformats.org/officeDocument/2006/relationships" xmlns:p="http://schemas.openxmlformats.org/presentationml/2006/main">
-  <p:cSld>
-    <p:spTree>
-      <p:nvGrpSpPr>
-        <p:cNvPr id="1" name=""/>
-        <p:cNvGrpSpPr/>
-        <p:nvPr/>
-      </p:nvGrpSpPr>
-      <p:grpSpPr>
-        <a:xfrm>
-          <a:off x="0" y="0"/>
-          <a:ext cx="0" cy="0"/>
-          <a:chOff x="0" y="0"/>
-          <a:chExt cx="0" cy="0"/>
-        </a:xfrm>
-      </p:grpSpPr>
-      <p:sp>
-        <p:nvSpPr>
-          <p:cNvPr id="2" name="제목 1"/>
-          <p:cNvSpPr>
-            <a:spLocks noGrp="1"/>
-          </p:cNvSpPr>
-          <p:nvPr>
-            <p:ph type="title"/>
-          </p:nvPr>
-        </p:nvSpPr>
-        <p:spPr/>
-        <p:txBody>
-          <a:bodyPr/>
-          <a:lstStyle/>
-          <a:p>
-            <a:r>
-              <a:rPr lang="en-US" dirty="0"/>
-              <a:t>Carbon and Oxygen</a:t>
-            </a:r>
-          </a:p>
-        </p:txBody>
-      </p:sp>
-      <p:pic>
-        <p:nvPicPr>
-          <p:cNvPr id="3" name="그림 2"/>
-          <p:cNvPicPr>
-            <a:picLocks noChangeAspect="1"/>
-          </p:cNvPicPr>
-          <p:nvPr/>
-        </p:nvPicPr>
-        <p:blipFill>
-          <a:blip r:embed="rId2"/>
-          <a:stretch>
-            <a:fillRect/>
-          </a:stretch>
-        </p:blipFill>
-        <p:spPr>
-          <a:xfrm>
-            <a:off x="796143" y="1915296"/>
-            <a:ext cx="8313714" cy="4345463"/>
-          </a:xfrm>
-          <a:prstGeom prst="rect">
-            <a:avLst/>
-          </a:prstGeom>
-        </p:spPr>
-      </p:pic>
-      <p:sp>
-        <p:nvSpPr>
-          <p:cNvPr id="4" name="직사각형 3"/>
-          <p:cNvSpPr/>
-          <p:nvPr/>
-        </p:nvSpPr>
-        <p:spPr>
-          <a:xfrm>
-            <a:off x="7136303" y="5986244"/>
-            <a:ext cx="2654243" cy="646331"/>
-          </a:xfrm>
-          <a:prstGeom prst="rect">
-            <a:avLst/>
-          </a:prstGeom>
-          <a:noFill/>
-        </p:spPr>
-        <p:txBody>
-          <a:bodyPr wrap="square" lIns="91440" tIns="45720" rIns="91440" bIns="45720">
-            <a:spAutoFit/>
-          </a:bodyPr>
-          <a:lstStyle/>
-          <a:p>
-            <a:pPr algn="ctr"/>
-            <a:r>
-              <a:rPr lang="en-US" altLang="ko-KR" sz="3600" b="0" cap="none" spc="0" dirty="0">
-                <a:ln w="0"/>
-                <a:solidFill>
-                  <a:srgbClr val="FF0000"/>
-                </a:solidFill>
-                <a:effectLst>
-                  <a:outerShdw blurRad="38100" dist="19050" dir="2700000" algn="tl" rotWithShape="0">
-                    <a:schemeClr val="dk1">
-                      <a:alpha val="40000"/>
-                    </a:schemeClr>
-                  </a:outerShdw>
-                </a:effectLst>
-              </a:rPr>
-              <a:t>Preliminary</a:t>
-            </a:r>
-          </a:p>
-        </p:txBody>
-      </p:sp>
-    </p:spTree>
-    <p:extLst>
-      <p:ext uri="{BB962C8B-B14F-4D97-AF65-F5344CB8AC3E}">
-        <p14:creationId xmlns:p14="http://schemas.microsoft.com/office/powerpoint/2010/main" val="2939805230"/>
-      </p:ext>
-    </p:extLst>
-  </p:cSld>
-  <p:clrMapOvr>
-    <a:masterClrMapping/>
-  </p:clrMapOvr>
-</p:sld>
-</file>
-
-<file path=ppt/slides/slide34.xml><?xml version="1.0" encoding="utf-8"?>
-<p:sld xmlns:a="http://schemas.openxmlformats.org/drawingml/2006/main" xmlns:r="http://schemas.openxmlformats.org/officeDocument/2006/relationships" xmlns:p="http://schemas.openxmlformats.org/presentationml/2006/main">
-  <p:cSld>
-    <p:spTree>
-      <p:nvGrpSpPr>
-        <p:cNvPr id="1" name=""/>
-        <p:cNvGrpSpPr/>
-        <p:nvPr/>
-      </p:nvGrpSpPr>
-      <p:grpSpPr>
-        <a:xfrm>
-          <a:off x="0" y="0"/>
-          <a:ext cx="0" cy="0"/>
-          <a:chOff x="0" y="0"/>
-          <a:chExt cx="0" cy="0"/>
-        </a:xfrm>
-      </p:grpSpPr>
-      <p:sp>
-        <p:nvSpPr>
-          <p:cNvPr id="2" name="제목 1"/>
-          <p:cNvSpPr>
-            <a:spLocks noGrp="1"/>
-          </p:cNvSpPr>
-          <p:nvPr>
-            <p:ph type="title"/>
-          </p:nvPr>
-        </p:nvSpPr>
-        <p:spPr/>
-        <p:txBody>
-          <a:bodyPr/>
-          <a:lstStyle/>
-          <a:p>
-            <a:r>
-              <a:rPr lang="en-US" altLang="ko-KR" dirty="0"/>
-              <a:t>Summary</a:t>
-            </a:r>
-            <a:endParaRPr lang="ko-KR" altLang="en-US" dirty="0"/>
-          </a:p>
-        </p:txBody>
-      </p:sp>
-      <p:sp>
-        <p:nvSpPr>
-          <p:cNvPr id="3" name="TextBox 2"/>
-          <p:cNvSpPr txBox="1"/>
-          <p:nvPr/>
-        </p:nvSpPr>
-        <p:spPr>
-          <a:xfrm>
-            <a:off x="668338" y="1699491"/>
-            <a:ext cx="8532812" cy="3283206"/>
-          </a:xfrm>
-          <a:prstGeom prst="rect">
-            <a:avLst/>
-          </a:prstGeom>
-          <a:noFill/>
-        </p:spPr>
-        <p:txBody>
-          <a:bodyPr wrap="square" rtlCol="0">
-            <a:spAutoFit/>
-          </a:bodyPr>
-          <a:lstStyle/>
-          <a:p>
-            <a:pPr marL="342900" indent="-342900">
-              <a:buFont typeface="Arial" panose="020B0604020202020204" pitchFamily="34" charset="0"/>
-              <a:buChar char="•"/>
-            </a:pPr>
-            <a:r>
               <a:rPr lang="en-US" altLang="ko-KR" dirty="0"/>
               <a:t>Wave function matching method seems to be promising</a:t>
             </a:r>
@@ -15970,12 +15222,8 @@
               <a:buChar char="•"/>
             </a:pPr>
             <a:r>
-              <a:rPr lang="en-US" altLang="ko-KR" dirty="0" smtClean="0"/>
-              <a:t>promising </a:t>
-            </a:r>
-            <a:r>
               <a:rPr lang="en-US" altLang="ko-KR" dirty="0"/>
-              <a:t>results for wide range of observables </a:t>
+              <a:t>promising results for wide range of observables </a:t>
             </a:r>
             <a:r>
               <a:rPr lang="en-US" altLang="ko-KR" dirty="0">
@@ -16037,15 +15285,7 @@
             </a:pPr>
             <a:r>
               <a:rPr lang="en-US" altLang="ko-KR" dirty="0"/>
-              <a:t>Dripline of </a:t>
-            </a:r>
-            <a:r>
-              <a:rPr lang="en-US" altLang="ko-KR" dirty="0" smtClean="0"/>
-              <a:t>Carbon, Oxygen </a:t>
-            </a:r>
-            <a:r>
-              <a:rPr lang="en-US" altLang="ko-KR" dirty="0"/>
-              <a:t>isotope.</a:t>
+              <a:t>Dripline of Carbon, Oxygen isotope.</a:t>
             </a:r>
           </a:p>
           <a:p>
@@ -16064,12 +15304,8 @@
               <a:buChar char="•"/>
             </a:pPr>
             <a:r>
-              <a:rPr lang="en-US" altLang="ko-KR" dirty="0" smtClean="0"/>
-              <a:t>Cluster structure will </a:t>
-            </a:r>
-            <a:r>
               <a:rPr lang="en-US" altLang="ko-KR" dirty="0"/>
-              <a:t>be studied. </a:t>
+              <a:t>Cluster structure will be studied. </a:t>
             </a:r>
             <a:endParaRPr lang="ko-KR" altLang="en-US" dirty="0"/>
           </a:p>
@@ -16122,7 +15358,7 @@
           <a:p>
             <a:r>
               <a:rPr lang="en-US" altLang="ko-KR" dirty="0"/>
-              <a:t>Ab-initio method</a:t>
+              <a:t>Ab initio Quantum many-body</a:t>
             </a:r>
             <a:endParaRPr lang="ko-KR" altLang="en-US" dirty="0"/>
           </a:p>
@@ -16138,163 +15374,109 @@
             <p:ph idx="1"/>
           </p:nvPr>
         </p:nvSpPr>
-        <p:spPr>
-          <a:xfrm>
-            <a:off x="4953000" y="1600200"/>
-            <a:ext cx="4114800" cy="4865255"/>
-          </a:xfrm>
-        </p:spPr>
+        <p:spPr/>
         <p:txBody>
           <a:bodyPr>
-            <a:normAutofit fontScale="92500" lnSpcReduction="20000"/>
+            <a:normAutofit/>
           </a:bodyPr>
           <a:lstStyle/>
           <a:p>
             <a:r>
-              <a:rPr lang="en-US" altLang="ko-KR" i="1" dirty="0"/>
-              <a:t>ab-initio</a:t>
-            </a:r>
-            <a:r>
               <a:rPr lang="en-US" altLang="ko-KR" dirty="0"/>
-              <a:t> Nuclear Physics</a:t>
+              <a:t>Challenge to ab initio quantum many-body problem.</a:t>
+            </a:r>
+          </a:p>
+          <a:p>
+            <a:r>
+              <a:rPr lang="en-US" altLang="ko-KR" dirty="0"/>
+              <a:t>Requires: </a:t>
+            </a:r>
+          </a:p>
+          <a:p>
+            <a:r>
+              <a:rPr lang="en-US" altLang="ko-KR" dirty="0"/>
+              <a:t>1. Reliable theoretical tools</a:t>
             </a:r>
           </a:p>
           <a:p>
             <a:pPr lvl="1"/>
             <a:r>
               <a:rPr lang="en-US" altLang="ko-KR" dirty="0"/>
-              <a:t>(1) nucleon degrees of freedom</a:t>
+              <a:t>Auxiliary field Monte Carlo Method</a:t>
             </a:r>
           </a:p>
           <a:p>
             <a:pPr lvl="1"/>
             <a:r>
-              <a:rPr lang="en-US" altLang="ko-KR" dirty="0"/>
-              <a:t>(2) nucleon-nucleon interaction</a:t>
-            </a:r>
-          </a:p>
-          <a:p>
-            <a:pPr marL="274320" lvl="1" indent="0">
-              <a:buNone/>
-            </a:pPr>
-            <a:endParaRPr lang="en-US" altLang="ko-KR" dirty="0"/>
-          </a:p>
-          <a:p>
-            <a:pPr marL="0" indent="0">
-              <a:buNone/>
-            </a:pPr>
-            <a:r>
-              <a:rPr lang="en-US" altLang="ko-KR" dirty="0"/>
-              <a:t>Goal: predict </a:t>
-            </a:r>
+              <a:rPr lang="en-US" altLang="ko-KR" dirty="0">
+                <a:sym typeface="Wingdings" panose="05000000000000000000" pitchFamily="2" charset="2"/>
+              </a:rPr>
+              <a:t> Sign problem ! </a:t>
+            </a:r>
+          </a:p>
+          <a:p>
+            <a:pPr lvl="1"/>
+            <a:r>
+              <a:rPr lang="en-US" altLang="ko-KR" dirty="0">
+                <a:solidFill>
+                  <a:srgbClr val="FF0000"/>
+                </a:solidFill>
+                <a:sym typeface="Wingdings" panose="05000000000000000000" pitchFamily="2" charset="2"/>
+              </a:rPr>
+              <a:t>Goal 1 </a:t>
+            </a:r>
+            <a:r>
+              <a:rPr lang="en-US" altLang="ko-KR" dirty="0">
+                <a:sym typeface="Wingdings" panose="05000000000000000000" pitchFamily="2" charset="2"/>
+              </a:rPr>
+              <a:t>: reduce the sign problem in NLEFT calculation </a:t>
+            </a:r>
+          </a:p>
+          <a:p>
+            <a:r>
+              <a:rPr lang="en-US" altLang="ko-KR" dirty="0">
+                <a:sym typeface="Wingdings" panose="05000000000000000000" pitchFamily="2" charset="2"/>
+              </a:rPr>
+              <a:t>2. Nuclear interaction which explain </a:t>
+            </a:r>
+            <a:r>
+              <a:rPr lang="en-US" altLang="ko-KR" dirty="0">
+                <a:solidFill>
+                  <a:srgbClr val="FF0000"/>
+                </a:solidFill>
+                <a:sym typeface="Wingdings" panose="05000000000000000000" pitchFamily="2" charset="2"/>
+              </a:rPr>
+              <a:t>simultaneously</a:t>
+            </a:r>
+            <a:r>
+              <a:rPr lang="en-US" altLang="ko-KR" dirty="0">
+                <a:sym typeface="Wingdings" panose="05000000000000000000" pitchFamily="2" charset="2"/>
+              </a:rPr>
+              <a:t> binding energies, charge radius of wide range of nuclei and nuclear matter, neutron matter </a:t>
+            </a:r>
+          </a:p>
+          <a:p>
+            <a:pPr lvl="1"/>
             <a:r>
               <a:rPr lang="en-US" altLang="ko-KR" dirty="0">
                 <a:solidFill>
                   <a:srgbClr val="FF0000"/>
                 </a:solidFill>
               </a:rPr>
-              <a:t>wide range</a:t>
+              <a:t>Goal 2</a:t>
             </a:r>
             <a:r>
               <a:rPr lang="en-US" altLang="ko-KR" dirty="0"/>
-              <a:t>(structure, reaction, nuclear matter) of nuclear phenomena (</a:t>
-            </a:r>
-            <a:r>
-              <a:rPr lang="en-US" altLang="ko-KR" dirty="0">
-                <a:solidFill>
-                  <a:srgbClr val="FF0000"/>
-                </a:solidFill>
-              </a:rPr>
-              <a:t>without parameter fitting, model assumption</a:t>
-            </a:r>
-            <a:r>
-              <a:rPr lang="en-US" altLang="ko-KR" dirty="0"/>
-              <a:t>) from </a:t>
-            </a:r>
-            <a:r>
-              <a:rPr lang="en-US" altLang="ko-KR" dirty="0">
-                <a:solidFill>
-                  <a:srgbClr val="FF0000"/>
-                </a:solidFill>
-              </a:rPr>
-              <a:t>nuclear interaction </a:t>
-            </a:r>
-            <a:r>
-              <a:rPr lang="en-US" altLang="ko-KR" dirty="0"/>
-              <a:t>(for 2-body,3-body, many-body, based on QCD)</a:t>
-            </a:r>
-          </a:p>
-          <a:p>
-            <a:pPr marL="0" indent="0">
-              <a:buNone/>
-            </a:pPr>
-            <a:endParaRPr lang="en-US" altLang="ko-KR" dirty="0">
-              <a:solidFill>
-                <a:srgbClr val="FF0000"/>
-              </a:solidFill>
-            </a:endParaRPr>
-          </a:p>
-          <a:p>
-            <a:pPr marL="0" indent="0">
-              <a:buNone/>
-            </a:pPr>
-            <a:r>
-              <a:rPr lang="en-US" altLang="ko-KR" dirty="0">
-                <a:solidFill>
-                  <a:srgbClr val="FF0000"/>
-                </a:solidFill>
-              </a:rPr>
-              <a:t>Direct connection between</a:t>
-            </a:r>
-          </a:p>
-          <a:p>
-            <a:pPr marL="0" indent="0">
-              <a:buNone/>
-            </a:pPr>
-            <a:r>
-              <a:rPr lang="en-US" altLang="ko-KR" sz="1900" dirty="0">
-                <a:solidFill>
-                  <a:srgbClr val="0000FF"/>
-                </a:solidFill>
-              </a:rPr>
-              <a:t>Nuclear Force ↔ Nuclear Phenomena</a:t>
-            </a:r>
-            <a:endParaRPr lang="ko-KR" altLang="en-US" sz="1900" dirty="0">
-              <a:solidFill>
-                <a:srgbClr val="0000FF"/>
-              </a:solidFill>
-            </a:endParaRPr>
-          </a:p>
-        </p:txBody>
-      </p:sp>
-      <p:pic>
-        <p:nvPicPr>
-          <p:cNvPr id="4" name="그림 3"/>
-          <p:cNvPicPr>
-            <a:picLocks noChangeAspect="1"/>
-          </p:cNvPicPr>
-          <p:nvPr/>
-        </p:nvPicPr>
-        <p:blipFill>
-          <a:blip r:embed="rId2"/>
-          <a:stretch>
-            <a:fillRect/>
-          </a:stretch>
-        </p:blipFill>
-        <p:spPr>
-          <a:xfrm>
-            <a:off x="533400" y="1611746"/>
-            <a:ext cx="4114800" cy="3850958"/>
-          </a:xfrm>
-          <a:prstGeom prst="rect">
-            <a:avLst/>
-          </a:prstGeom>
-        </p:spPr>
-      </p:pic>
+              <a:t>: find out what properties of nuclear interactions are necessary. </a:t>
+            </a:r>
+            <a:endParaRPr lang="ko-KR" altLang="en-US" dirty="0"/>
+          </a:p>
+        </p:txBody>
+      </p:sp>
     </p:spTree>
     <p:extLst>
       <p:ext uri="{BB962C8B-B14F-4D97-AF65-F5344CB8AC3E}">
-        <p14:creationId xmlns:p14="http://schemas.microsoft.com/office/powerpoint/2010/main" val="3267157351"/>
+        <p14:creationId xmlns:p14="http://schemas.microsoft.com/office/powerpoint/2010/main" val="857892855"/>
       </p:ext>
     </p:extLst>
   </p:cSld>
@@ -16338,7 +15520,7 @@
           <a:p>
             <a:r>
               <a:rPr lang="en-US" altLang="ko-KR" dirty="0"/>
-              <a:t>Ab initio Quantum many-body</a:t>
+              <a:t>Nuclear Lattice Effective Field Theory</a:t>
             </a:r>
             <a:endParaRPr lang="ko-KR" altLang="en-US" dirty="0"/>
           </a:p>
@@ -16356,107 +15538,183 @@
         </p:nvSpPr>
         <p:spPr/>
         <p:txBody>
-          <a:bodyPr>
-            <a:normAutofit/>
-          </a:bodyPr>
+          <a:bodyPr/>
           <a:lstStyle/>
           <a:p>
             <a:r>
               <a:rPr lang="en-US" altLang="ko-KR" dirty="0"/>
-              <a:t>Challenge to ab initio quantum many-body problem.</a:t>
-            </a:r>
-          </a:p>
-          <a:p>
-            <a:r>
-              <a:rPr lang="en-US" altLang="ko-KR" dirty="0"/>
-              <a:t>Requires: </a:t>
-            </a:r>
-          </a:p>
-          <a:p>
-            <a:r>
-              <a:rPr lang="en-US" altLang="ko-KR" dirty="0"/>
-              <a:t>1. Reliable theoretical tools</a:t>
-            </a:r>
-          </a:p>
-          <a:p>
-            <a:pPr lvl="1"/>
-            <a:r>
-              <a:rPr lang="en-US" altLang="ko-KR" dirty="0"/>
-              <a:t>Auxiliary field Monte Carlo Method</a:t>
-            </a:r>
-          </a:p>
-          <a:p>
-            <a:pPr lvl="1"/>
-            <a:r>
-              <a:rPr lang="en-US" altLang="ko-KR" dirty="0">
-                <a:sym typeface="Wingdings" panose="05000000000000000000" pitchFamily="2" charset="2"/>
-              </a:rPr>
-              <a:t> Sign problem ! </a:t>
-            </a:r>
-          </a:p>
-          <a:p>
-            <a:pPr lvl="1"/>
-            <a:r>
-              <a:rPr lang="en-US" altLang="ko-KR" dirty="0">
+              <a:t>One of ab initio method for many fermion system</a:t>
+            </a:r>
+            <a:endParaRPr lang="ko-KR" altLang="en-US" dirty="0"/>
+          </a:p>
+        </p:txBody>
+      </p:sp>
+      <p:pic>
+        <p:nvPicPr>
+          <p:cNvPr id="8194" name="Picture 2"/>
+          <p:cNvPicPr>
+            <a:picLocks noChangeAspect="1" noChangeArrowheads="1"/>
+          </p:cNvPicPr>
+          <p:nvPr/>
+        </p:nvPicPr>
+        <p:blipFill>
+          <a:blip r:embed="rId2">
+            <a:extLst>
+              <a:ext uri="{28A0092B-C50C-407E-A947-70E740481C1C}">
+                <a14:useLocalDpi xmlns:a14="http://schemas.microsoft.com/office/drawing/2010/main" val="0"/>
+              </a:ext>
+            </a:extLst>
+          </a:blip>
+          <a:srcRect/>
+          <a:stretch>
+            <a:fillRect/>
+          </a:stretch>
+        </p:blipFill>
+        <p:spPr bwMode="auto">
+          <a:xfrm>
+            <a:off x="838201" y="2124076"/>
+            <a:ext cx="3000375" cy="4352925"/>
+          </a:xfrm>
+          <a:prstGeom prst="rect">
+            <a:avLst/>
+          </a:prstGeom>
+          <a:noFill/>
+          <a:ln>
+            <a:noFill/>
+          </a:ln>
+          <a:extLst>
+            <a:ext uri="{909E8E84-426E-40DD-AFC4-6F175D3DCCD1}">
+              <a14:hiddenFill xmlns:a14="http://schemas.microsoft.com/office/drawing/2010/main">
                 <a:solidFill>
-                  <a:srgbClr val="FF0000"/>
+                  <a:schemeClr val="accent1"/>
                 </a:solidFill>
-                <a:sym typeface="Wingdings" panose="05000000000000000000" pitchFamily="2" charset="2"/>
-              </a:rPr>
-              <a:t>Goal 1 </a:t>
-            </a:r>
-            <a:r>
-              <a:rPr lang="en-US" altLang="ko-KR" dirty="0">
-                <a:sym typeface="Wingdings" panose="05000000000000000000" pitchFamily="2" charset="2"/>
-              </a:rPr>
-              <a:t>: reduce the sign problem in NLEFT calculation </a:t>
-            </a:r>
-          </a:p>
-          <a:p>
-            <a:r>
-              <a:rPr lang="en-US" altLang="ko-KR" dirty="0">
-                <a:sym typeface="Wingdings" panose="05000000000000000000" pitchFamily="2" charset="2"/>
-              </a:rPr>
-              <a:t>2. Nuclear interaction which explain </a:t>
-            </a:r>
-            <a:r>
-              <a:rPr lang="en-US" altLang="ko-KR" dirty="0">
+              </a14:hiddenFill>
+            </a:ext>
+            <a:ext uri="{91240B29-F687-4F45-9708-019B960494DF}">
+              <a14:hiddenLine xmlns:a14="http://schemas.microsoft.com/office/drawing/2010/main" w="9525">
                 <a:solidFill>
-                  <a:srgbClr val="FF0000"/>
+                  <a:schemeClr val="tx1"/>
                 </a:solidFill>
-                <a:sym typeface="Wingdings" panose="05000000000000000000" pitchFamily="2" charset="2"/>
-              </a:rPr>
-              <a:t>simultaneously</a:t>
-            </a:r>
-            <a:r>
-              <a:rPr lang="en-US" altLang="ko-KR" dirty="0">
-                <a:sym typeface="Wingdings" panose="05000000000000000000" pitchFamily="2" charset="2"/>
-              </a:rPr>
-              <a:t> binding energies, charge radius of wide range of nuclei and nuclear matter, neutron matter </a:t>
-            </a:r>
-          </a:p>
-          <a:p>
-            <a:pPr lvl="1"/>
-            <a:r>
-              <a:rPr lang="en-US" altLang="ko-KR" dirty="0">
+                <a:miter lim="800000"/>
+                <a:headEnd/>
+                <a:tailEnd/>
+              </a14:hiddenLine>
+            </a:ext>
+          </a:extLst>
+        </p:spPr>
+      </p:pic>
+      <p:pic>
+        <p:nvPicPr>
+          <p:cNvPr id="8195" name="Picture 3"/>
+          <p:cNvPicPr>
+            <a:picLocks noChangeAspect="1" noChangeArrowheads="1"/>
+          </p:cNvPicPr>
+          <p:nvPr/>
+        </p:nvPicPr>
+        <p:blipFill>
+          <a:blip r:embed="rId3">
+            <a:extLst>
+              <a:ext uri="{28A0092B-C50C-407E-A947-70E740481C1C}">
+                <a14:useLocalDpi xmlns:a14="http://schemas.microsoft.com/office/drawing/2010/main" val="0"/>
+              </a:ext>
+            </a:extLst>
+          </a:blip>
+          <a:srcRect/>
+          <a:stretch>
+            <a:fillRect/>
+          </a:stretch>
+        </p:blipFill>
+        <p:spPr bwMode="auto">
+          <a:xfrm>
+            <a:off x="4200526" y="2409826"/>
+            <a:ext cx="5324475" cy="714375"/>
+          </a:xfrm>
+          <a:prstGeom prst="rect">
+            <a:avLst/>
+          </a:prstGeom>
+          <a:noFill/>
+          <a:ln>
+            <a:noFill/>
+          </a:ln>
+          <a:extLst>
+            <a:ext uri="{909E8E84-426E-40DD-AFC4-6F175D3DCCD1}">
+              <a14:hiddenFill xmlns:a14="http://schemas.microsoft.com/office/drawing/2010/main">
                 <a:solidFill>
-                  <a:srgbClr val="FF0000"/>
+                  <a:schemeClr val="accent1"/>
                 </a:solidFill>
-              </a:rPr>
-              <a:t>Goal 2</a:t>
-            </a:r>
-            <a:r>
-              <a:rPr lang="en-US" altLang="ko-KR" dirty="0"/>
-              <a:t>: find out what properties of nuclear interactions are necessary. </a:t>
-            </a:r>
-            <a:endParaRPr lang="ko-KR" altLang="en-US" dirty="0"/>
-          </a:p>
-        </p:txBody>
-      </p:sp>
+              </a14:hiddenFill>
+            </a:ext>
+            <a:ext uri="{91240B29-F687-4F45-9708-019B960494DF}">
+              <a14:hiddenLine xmlns:a14="http://schemas.microsoft.com/office/drawing/2010/main" w="9525">
+                <a:solidFill>
+                  <a:schemeClr val="tx1"/>
+                </a:solidFill>
+                <a:miter lim="800000"/>
+                <a:headEnd/>
+                <a:tailEnd/>
+              </a14:hiddenLine>
+            </a:ext>
+          </a:extLst>
+        </p:spPr>
+      </p:pic>
+      <p:pic>
+        <p:nvPicPr>
+          <p:cNvPr id="8196" name="Picture 4"/>
+          <p:cNvPicPr>
+            <a:picLocks noChangeAspect="1" noChangeArrowheads="1"/>
+          </p:cNvPicPr>
+          <p:nvPr/>
+        </p:nvPicPr>
+        <p:blipFill>
+          <a:blip r:embed="rId4">
+            <a:extLst>
+              <a:ext uri="{28A0092B-C50C-407E-A947-70E740481C1C}">
+                <a14:useLocalDpi xmlns:a14="http://schemas.microsoft.com/office/drawing/2010/main" val="0"/>
+              </a:ext>
+            </a:extLst>
+          </a:blip>
+          <a:srcRect/>
+          <a:stretch>
+            <a:fillRect/>
+          </a:stretch>
+        </p:blipFill>
+        <p:spPr bwMode="auto">
+          <a:xfrm>
+            <a:off x="4836594" y="3228976"/>
+            <a:ext cx="4052336" cy="2943225"/>
+          </a:xfrm>
+          <a:prstGeom prst="rect">
+            <a:avLst/>
+          </a:prstGeom>
+          <a:noFill/>
+          <a:ln>
+            <a:noFill/>
+          </a:ln>
+          <a:extLst>
+            <a:ext uri="{909E8E84-426E-40DD-AFC4-6F175D3DCCD1}">
+              <a14:hiddenFill xmlns:a14="http://schemas.microsoft.com/office/drawing/2010/main">
+                <a:solidFill>
+                  <a:schemeClr val="accent1"/>
+                </a:solidFill>
+              </a14:hiddenFill>
+            </a:ext>
+            <a:ext uri="{91240B29-F687-4F45-9708-019B960494DF}">
+              <a14:hiddenLine xmlns:a14="http://schemas.microsoft.com/office/drawing/2010/main" w="9525">
+                <a:solidFill>
+                  <a:schemeClr val="tx1"/>
+                </a:solidFill>
+                <a:miter lim="800000"/>
+                <a:headEnd/>
+                <a:tailEnd/>
+              </a14:hiddenLine>
+            </a:ext>
+          </a:extLst>
+        </p:spPr>
+      </p:pic>
     </p:spTree>
     <p:extLst>
       <p:ext uri="{BB962C8B-B14F-4D97-AF65-F5344CB8AC3E}">
-        <p14:creationId xmlns:p14="http://schemas.microsoft.com/office/powerpoint/2010/main" val="857892855"/>
+        <p14:creationId xmlns:p14="http://schemas.microsoft.com/office/powerpoint/2010/main" val="3044120343"/>
       </p:ext>
     </p:extLst>
   </p:cSld>
@@ -16500,30 +15758,7 @@
           <a:p>
             <a:r>
               <a:rPr lang="en-US" altLang="ko-KR" dirty="0"/>
-              <a:t>Nuclear Lattice Effective Field Theory</a:t>
-            </a:r>
-            <a:endParaRPr lang="ko-KR" altLang="en-US" dirty="0"/>
-          </a:p>
-        </p:txBody>
-      </p:sp>
-      <p:sp>
-        <p:nvSpPr>
-          <p:cNvPr id="3" name="내용 개체 틀 2"/>
-          <p:cNvSpPr>
-            <a:spLocks noGrp="1"/>
-          </p:cNvSpPr>
-          <p:nvPr>
-            <p:ph idx="1"/>
-          </p:nvPr>
-        </p:nvSpPr>
-        <p:spPr/>
-        <p:txBody>
-          <a:bodyPr/>
-          <a:lstStyle/>
-          <a:p>
-            <a:r>
-              <a:rPr lang="en-US" altLang="ko-KR" dirty="0"/>
-              <a:t>One of ab initio method for many fermion system</a:t>
+              <a:t>Path integral</a:t>
             </a:r>
             <a:endParaRPr lang="ko-KR" altLang="en-US" dirty="0"/>
           </a:p>
@@ -16531,11 +15766,13 @@
       </p:sp>
       <p:pic>
         <p:nvPicPr>
-          <p:cNvPr id="8194" name="Picture 2"/>
+          <p:cNvPr id="24578" name="Picture 2"/>
           <p:cNvPicPr>
-            <a:picLocks noChangeAspect="1" noChangeArrowheads="1"/>
+            <a:picLocks noGrp="1" noChangeAspect="1" noChangeArrowheads="1"/>
           </p:cNvPicPr>
-          <p:nvPr/>
+          <p:nvPr>
+            <p:ph idx="1"/>
+          </p:nvPr>
         </p:nvPicPr>
         <p:blipFill>
           <a:blip r:embed="rId2">
@@ -16552,8 +15789,8 @@
         </p:blipFill>
         <p:spPr bwMode="auto">
           <a:xfrm>
-            <a:off x="838201" y="2124076"/>
-            <a:ext cx="3000375" cy="4352925"/>
+            <a:off x="838200" y="1581726"/>
+            <a:ext cx="8229600" cy="3678669"/>
           </a:xfrm>
           <a:prstGeom prst="rect">
             <a:avLst/>
@@ -16585,14 +15822,245 @@
       </p:pic>
       <p:pic>
         <p:nvPicPr>
-          <p:cNvPr id="8195" name="Picture 3"/>
+          <p:cNvPr id="5" name="그림 4"/>
+          <p:cNvPicPr>
+            <a:picLocks noChangeAspect="1"/>
+          </p:cNvPicPr>
+          <p:nvPr/>
+        </p:nvPicPr>
+        <p:blipFill>
+          <a:blip r:embed="rId3"/>
+          <a:stretch>
+            <a:fillRect/>
+          </a:stretch>
+        </p:blipFill>
+        <p:spPr>
+          <a:xfrm>
+            <a:off x="596899" y="5417994"/>
+            <a:ext cx="3920490" cy="1089025"/>
+          </a:xfrm>
+          <a:prstGeom prst="rect">
+            <a:avLst/>
+          </a:prstGeom>
+        </p:spPr>
+      </p:pic>
+    </p:spTree>
+    <p:extLst>
+      <p:ext uri="{BB962C8B-B14F-4D97-AF65-F5344CB8AC3E}">
+        <p14:creationId xmlns:p14="http://schemas.microsoft.com/office/powerpoint/2010/main" val="698457510"/>
+      </p:ext>
+    </p:extLst>
+  </p:cSld>
+  <p:clrMapOvr>
+    <a:masterClrMapping/>
+  </p:clrMapOvr>
+</p:sld>
+</file>
+
+<file path=ppt/slides/slide7.xml><?xml version="1.0" encoding="utf-8"?>
+<p:sld xmlns:a="http://schemas.openxmlformats.org/drawingml/2006/main" xmlns:r="http://schemas.openxmlformats.org/officeDocument/2006/relationships" xmlns:p="http://schemas.openxmlformats.org/presentationml/2006/main">
+  <p:cSld>
+    <p:spTree>
+      <p:nvGrpSpPr>
+        <p:cNvPr id="1" name=""/>
+        <p:cNvGrpSpPr/>
+        <p:nvPr/>
+      </p:nvGrpSpPr>
+      <p:grpSpPr>
+        <a:xfrm>
+          <a:off x="0" y="0"/>
+          <a:ext cx="0" cy="0"/>
+          <a:chOff x="0" y="0"/>
+          <a:chExt cx="0" cy="0"/>
+        </a:xfrm>
+      </p:grpSpPr>
+      <p:sp>
+        <p:nvSpPr>
+          <p:cNvPr id="2" name="제목 1"/>
+          <p:cNvSpPr>
+            <a:spLocks noGrp="1"/>
+          </p:cNvSpPr>
+          <p:nvPr>
+            <p:ph type="title"/>
+          </p:nvPr>
+        </p:nvSpPr>
+        <p:spPr/>
+        <p:txBody>
+          <a:bodyPr/>
+          <a:lstStyle/>
+          <a:p>
+            <a:r>
+              <a:rPr lang="en-US" altLang="ko-KR" dirty="0"/>
+              <a:t>Transfer matrix</a:t>
+            </a:r>
+            <a:endParaRPr lang="ko-KR" altLang="en-US" dirty="0"/>
+          </a:p>
+        </p:txBody>
+      </p:sp>
+      <p:pic>
+        <p:nvPicPr>
+          <p:cNvPr id="3" name="그림 2"/>
+          <p:cNvPicPr>
+            <a:picLocks noChangeAspect="1"/>
+          </p:cNvPicPr>
+          <p:nvPr/>
+        </p:nvPicPr>
+        <p:blipFill>
+          <a:blip r:embed="rId2"/>
+          <a:stretch>
+            <a:fillRect/>
+          </a:stretch>
+        </p:blipFill>
+        <p:spPr>
+          <a:xfrm>
+            <a:off x="495300" y="1524000"/>
+            <a:ext cx="8394048" cy="881008"/>
+          </a:xfrm>
+          <a:prstGeom prst="rect">
+            <a:avLst/>
+          </a:prstGeom>
+        </p:spPr>
+      </p:pic>
+      <p:pic>
+        <p:nvPicPr>
+          <p:cNvPr id="4" name="그림 3"/>
+          <p:cNvPicPr>
+            <a:picLocks noChangeAspect="1"/>
+          </p:cNvPicPr>
+          <p:nvPr/>
+        </p:nvPicPr>
+        <p:blipFill>
+          <a:blip r:embed="rId3"/>
+          <a:stretch>
+            <a:fillRect/>
+          </a:stretch>
+        </p:blipFill>
+        <p:spPr>
+          <a:xfrm>
+            <a:off x="559926" y="3262602"/>
+            <a:ext cx="8659433" cy="857370"/>
+          </a:xfrm>
+          <a:prstGeom prst="rect">
+            <a:avLst/>
+          </a:prstGeom>
+        </p:spPr>
+      </p:pic>
+      <p:pic>
+        <p:nvPicPr>
+          <p:cNvPr id="5" name="그림 4"/>
+          <p:cNvPicPr>
+            <a:picLocks noChangeAspect="1"/>
+          </p:cNvPicPr>
+          <p:nvPr/>
+        </p:nvPicPr>
+        <p:blipFill>
+          <a:blip r:embed="rId4"/>
+          <a:stretch>
+            <a:fillRect/>
+          </a:stretch>
+        </p:blipFill>
+        <p:spPr>
+          <a:xfrm>
+            <a:off x="559926" y="4748318"/>
+            <a:ext cx="8786147" cy="1500074"/>
+          </a:xfrm>
+          <a:prstGeom prst="rect">
+            <a:avLst/>
+          </a:prstGeom>
+        </p:spPr>
+      </p:pic>
+      <p:sp>
+        <p:nvSpPr>
+          <p:cNvPr id="6" name="TextBox 5"/>
+          <p:cNvSpPr txBox="1"/>
+          <p:nvPr/>
+        </p:nvSpPr>
+        <p:spPr>
+          <a:xfrm>
+            <a:off x="5458691" y="2405008"/>
+            <a:ext cx="4664363" cy="382412"/>
+          </a:xfrm>
+          <a:prstGeom prst="rect">
+            <a:avLst/>
+          </a:prstGeom>
+          <a:noFill/>
+        </p:spPr>
+        <p:txBody>
+          <a:bodyPr wrap="square" rtlCol="0">
+            <a:spAutoFit/>
+          </a:bodyPr>
+          <a:lstStyle/>
+          <a:p>
+            <a:r>
+              <a:rPr lang="en-US" dirty="0"/>
+              <a:t>: O : represent Normal ordering. </a:t>
+            </a:r>
+          </a:p>
+        </p:txBody>
+      </p:sp>
+    </p:spTree>
+    <p:extLst>
+      <p:ext uri="{BB962C8B-B14F-4D97-AF65-F5344CB8AC3E}">
+        <p14:creationId xmlns:p14="http://schemas.microsoft.com/office/powerpoint/2010/main" val="299047788"/>
+      </p:ext>
+    </p:extLst>
+  </p:cSld>
+  <p:clrMapOvr>
+    <a:masterClrMapping/>
+  </p:clrMapOvr>
+</p:sld>
+</file>
+
+<file path=ppt/slides/slide8.xml><?xml version="1.0" encoding="utf-8"?>
+<p:sld xmlns:a="http://schemas.openxmlformats.org/drawingml/2006/main" xmlns:r="http://schemas.openxmlformats.org/officeDocument/2006/relationships" xmlns:p="http://schemas.openxmlformats.org/presentationml/2006/main">
+  <p:cSld>
+    <p:spTree>
+      <p:nvGrpSpPr>
+        <p:cNvPr id="1" name=""/>
+        <p:cNvGrpSpPr/>
+        <p:nvPr/>
+      </p:nvGrpSpPr>
+      <p:grpSpPr>
+        <a:xfrm>
+          <a:off x="0" y="0"/>
+          <a:ext cx="0" cy="0"/>
+          <a:chOff x="0" y="0"/>
+          <a:chExt cx="0" cy="0"/>
+        </a:xfrm>
+      </p:grpSpPr>
+      <p:sp>
+        <p:nvSpPr>
+          <p:cNvPr id="2" name="제목 1"/>
+          <p:cNvSpPr>
+            <a:spLocks noGrp="1"/>
+          </p:cNvSpPr>
+          <p:nvPr>
+            <p:ph type="title"/>
+          </p:nvPr>
+        </p:nvSpPr>
+        <p:spPr/>
+        <p:txBody>
+          <a:bodyPr/>
+          <a:lstStyle/>
+          <a:p>
+            <a:r>
+              <a:rPr lang="en-US" altLang="ko-KR" dirty="0"/>
+              <a:t>Auxiliary Field Monte Carlo </a:t>
+            </a:r>
+            <a:endParaRPr lang="ko-KR" altLang="en-US" dirty="0"/>
+          </a:p>
+        </p:txBody>
+      </p:sp>
+      <p:pic>
+        <p:nvPicPr>
+          <p:cNvPr id="17410" name="Picture 2"/>
           <p:cNvPicPr>
             <a:picLocks noChangeAspect="1" noChangeArrowheads="1"/>
           </p:cNvPicPr>
           <p:nvPr/>
         </p:nvPicPr>
         <p:blipFill>
-          <a:blip r:embed="rId3">
+          <a:blip r:embed="rId2">
             <a:extLst>
               <a:ext uri="{28A0092B-C50C-407E-A947-70E740481C1C}">
                 <a14:useLocalDpi xmlns:a14="http://schemas.microsoft.com/office/drawing/2010/main" val="0"/>
@@ -16606,8 +16074,8 @@
         </p:blipFill>
         <p:spPr bwMode="auto">
           <a:xfrm>
-            <a:off x="4200526" y="2409826"/>
-            <a:ext cx="5324475" cy="714375"/>
+            <a:off x="621947" y="1524000"/>
+            <a:ext cx="4114800" cy="1402773"/>
           </a:xfrm>
           <a:prstGeom prst="rect">
             <a:avLst/>
@@ -16639,14 +16107,14 @@
       </p:pic>
       <p:pic>
         <p:nvPicPr>
-          <p:cNvPr id="8196" name="Picture 4"/>
+          <p:cNvPr id="17411" name="Picture 3"/>
           <p:cNvPicPr>
             <a:picLocks noChangeAspect="1" noChangeArrowheads="1"/>
           </p:cNvPicPr>
           <p:nvPr/>
         </p:nvPicPr>
         <p:blipFill>
-          <a:blip r:embed="rId4">
+          <a:blip r:embed="rId3" cstate="print">
             <a:extLst>
               <a:ext uri="{28A0092B-C50C-407E-A947-70E740481C1C}">
                 <a14:useLocalDpi xmlns:a14="http://schemas.microsoft.com/office/drawing/2010/main" val="0"/>
@@ -16660,8 +16128,8 @@
         </p:blipFill>
         <p:spPr bwMode="auto">
           <a:xfrm>
-            <a:off x="4836594" y="3228976"/>
-            <a:ext cx="4052336" cy="2943225"/>
+            <a:off x="3190780" y="3909436"/>
+            <a:ext cx="2755511" cy="2246169"/>
           </a:xfrm>
           <a:prstGeom prst="rect">
             <a:avLst/>
@@ -16691,71 +16159,16 @@
           </a:extLst>
         </p:spPr>
       </p:pic>
-    </p:spTree>
-    <p:extLst>
-      <p:ext uri="{BB962C8B-B14F-4D97-AF65-F5344CB8AC3E}">
-        <p14:creationId xmlns:p14="http://schemas.microsoft.com/office/powerpoint/2010/main" val="3044120343"/>
-      </p:ext>
-    </p:extLst>
-  </p:cSld>
-  <p:clrMapOvr>
-    <a:masterClrMapping/>
-  </p:clrMapOvr>
-</p:sld>
-</file>
-
-<file path=ppt/slides/slide7.xml><?xml version="1.0" encoding="utf-8"?>
-<p:sld xmlns:a="http://schemas.openxmlformats.org/drawingml/2006/main" xmlns:r="http://schemas.openxmlformats.org/officeDocument/2006/relationships" xmlns:p="http://schemas.openxmlformats.org/presentationml/2006/main">
-  <p:cSld>
-    <p:spTree>
-      <p:nvGrpSpPr>
-        <p:cNvPr id="1" name=""/>
-        <p:cNvGrpSpPr/>
-        <p:nvPr/>
-      </p:nvGrpSpPr>
-      <p:grpSpPr>
-        <a:xfrm>
-          <a:off x="0" y="0"/>
-          <a:ext cx="0" cy="0"/>
-          <a:chOff x="0" y="0"/>
-          <a:chExt cx="0" cy="0"/>
-        </a:xfrm>
-      </p:grpSpPr>
-      <p:sp>
-        <p:nvSpPr>
-          <p:cNvPr id="2" name="제목 1"/>
-          <p:cNvSpPr>
-            <a:spLocks noGrp="1"/>
-          </p:cNvSpPr>
-          <p:nvPr>
-            <p:ph type="title"/>
-          </p:nvPr>
-        </p:nvSpPr>
-        <p:spPr/>
-        <p:txBody>
-          <a:bodyPr/>
-          <a:lstStyle/>
-          <a:p>
-            <a:r>
-              <a:rPr lang="en-US" altLang="ko-KR" dirty="0"/>
-              <a:t>Path integral</a:t>
-            </a:r>
-            <a:endParaRPr lang="ko-KR" altLang="en-US" dirty="0"/>
-          </a:p>
-        </p:txBody>
-      </p:sp>
       <p:pic>
         <p:nvPicPr>
-          <p:cNvPr id="24578" name="Picture 2"/>
+          <p:cNvPr id="6" name="Picture 2"/>
           <p:cNvPicPr>
-            <a:picLocks noGrp="1" noChangeAspect="1" noChangeArrowheads="1"/>
+            <a:picLocks noChangeAspect="1" noChangeArrowheads="1"/>
           </p:cNvPicPr>
-          <p:nvPr>
-            <p:ph idx="1"/>
-          </p:nvPr>
+          <p:nvPr/>
         </p:nvPicPr>
         <p:blipFill>
-          <a:blip r:embed="rId2">
+          <a:blip r:embed="rId4" cstate="print">
             <a:extLst>
               <a:ext uri="{28A0092B-C50C-407E-A947-70E740481C1C}">
                 <a14:useLocalDpi xmlns:a14="http://schemas.microsoft.com/office/drawing/2010/main" val="0"/>
@@ -16769,8 +16182,8 @@
         </p:blipFill>
         <p:spPr bwMode="auto">
           <a:xfrm>
-            <a:off x="838200" y="1581726"/>
-            <a:ext cx="8229600" cy="3678669"/>
+            <a:off x="96175" y="3683073"/>
+            <a:ext cx="2939319" cy="2413144"/>
           </a:xfrm>
           <a:prstGeom prst="rect">
             <a:avLst/>
@@ -16800,165 +16213,16 @@
           </a:extLst>
         </p:spPr>
       </p:pic>
-      <p:pic>
-        <p:nvPicPr>
-          <p:cNvPr id="5" name="그림 4"/>
-          <p:cNvPicPr>
-            <a:picLocks noChangeAspect="1"/>
-          </p:cNvPicPr>
-          <p:nvPr/>
-        </p:nvPicPr>
-        <p:blipFill>
-          <a:blip r:embed="rId3"/>
-          <a:stretch>
-            <a:fillRect/>
-          </a:stretch>
-        </p:blipFill>
-        <p:spPr>
-          <a:xfrm>
-            <a:off x="596899" y="5417994"/>
-            <a:ext cx="3920490" cy="1089025"/>
-          </a:xfrm>
-          <a:prstGeom prst="rect">
-            <a:avLst/>
-          </a:prstGeom>
-        </p:spPr>
-      </p:pic>
-    </p:spTree>
-    <p:extLst>
-      <p:ext uri="{BB962C8B-B14F-4D97-AF65-F5344CB8AC3E}">
-        <p14:creationId xmlns:p14="http://schemas.microsoft.com/office/powerpoint/2010/main" val="698457510"/>
-      </p:ext>
-    </p:extLst>
-  </p:cSld>
-  <p:clrMapOvr>
-    <a:masterClrMapping/>
-  </p:clrMapOvr>
-</p:sld>
-</file>
-
-<file path=ppt/slides/slide8.xml><?xml version="1.0" encoding="utf-8"?>
-<p:sld xmlns:a="http://schemas.openxmlformats.org/drawingml/2006/main" xmlns:r="http://schemas.openxmlformats.org/officeDocument/2006/relationships" xmlns:p="http://schemas.openxmlformats.org/presentationml/2006/main">
-  <p:cSld>
-    <p:spTree>
-      <p:nvGrpSpPr>
-        <p:cNvPr id="1" name=""/>
-        <p:cNvGrpSpPr/>
-        <p:nvPr/>
-      </p:nvGrpSpPr>
-      <p:grpSpPr>
-        <a:xfrm>
-          <a:off x="0" y="0"/>
-          <a:ext cx="0" cy="0"/>
-          <a:chOff x="0" y="0"/>
-          <a:chExt cx="0" cy="0"/>
-        </a:xfrm>
-      </p:grpSpPr>
-      <p:sp>
-        <p:nvSpPr>
-          <p:cNvPr id="2" name="제목 1"/>
-          <p:cNvSpPr>
-            <a:spLocks noGrp="1"/>
-          </p:cNvSpPr>
-          <p:nvPr>
-            <p:ph type="title"/>
-          </p:nvPr>
-        </p:nvSpPr>
-        <p:spPr/>
-        <p:txBody>
-          <a:bodyPr/>
-          <a:lstStyle/>
-          <a:p>
-            <a:r>
-              <a:rPr lang="en-US" altLang="ko-KR" dirty="0"/>
-              <a:t>Transfer matrix</a:t>
-            </a:r>
-            <a:endParaRPr lang="ko-KR" altLang="en-US" dirty="0"/>
-          </a:p>
-        </p:txBody>
-      </p:sp>
-      <p:pic>
-        <p:nvPicPr>
-          <p:cNvPr id="3" name="그림 2"/>
-          <p:cNvPicPr>
-            <a:picLocks noChangeAspect="1"/>
-          </p:cNvPicPr>
-          <p:nvPr/>
-        </p:nvPicPr>
-        <p:blipFill>
-          <a:blip r:embed="rId2"/>
-          <a:stretch>
-            <a:fillRect/>
-          </a:stretch>
-        </p:blipFill>
-        <p:spPr>
-          <a:xfrm>
-            <a:off x="495300" y="1524000"/>
-            <a:ext cx="8394048" cy="881008"/>
-          </a:xfrm>
-          <a:prstGeom prst="rect">
-            <a:avLst/>
-          </a:prstGeom>
-        </p:spPr>
-      </p:pic>
-      <p:pic>
-        <p:nvPicPr>
-          <p:cNvPr id="4" name="그림 3"/>
-          <p:cNvPicPr>
-            <a:picLocks noChangeAspect="1"/>
-          </p:cNvPicPr>
-          <p:nvPr/>
-        </p:nvPicPr>
-        <p:blipFill>
-          <a:blip r:embed="rId3"/>
-          <a:stretch>
-            <a:fillRect/>
-          </a:stretch>
-        </p:blipFill>
-        <p:spPr>
-          <a:xfrm>
-            <a:off x="559926" y="3262602"/>
-            <a:ext cx="8659433" cy="857370"/>
-          </a:xfrm>
-          <a:prstGeom prst="rect">
-            <a:avLst/>
-          </a:prstGeom>
-        </p:spPr>
-      </p:pic>
-      <p:pic>
-        <p:nvPicPr>
-          <p:cNvPr id="5" name="그림 4"/>
-          <p:cNvPicPr>
-            <a:picLocks noChangeAspect="1"/>
-          </p:cNvPicPr>
-          <p:nvPr/>
-        </p:nvPicPr>
-        <p:blipFill>
-          <a:blip r:embed="rId4"/>
-          <a:stretch>
-            <a:fillRect/>
-          </a:stretch>
-        </p:blipFill>
-        <p:spPr>
-          <a:xfrm>
-            <a:off x="559926" y="4748318"/>
-            <a:ext cx="8786147" cy="1500074"/>
-          </a:xfrm>
-          <a:prstGeom prst="rect">
-            <a:avLst/>
-          </a:prstGeom>
-        </p:spPr>
-      </p:pic>
-      <p:sp>
-        <p:nvSpPr>
-          <p:cNvPr id="6" name="TextBox 5"/>
+      <p:sp>
+        <p:nvSpPr>
+          <p:cNvPr id="7" name="TextBox 6"/>
           <p:cNvSpPr txBox="1"/>
           <p:nvPr/>
         </p:nvSpPr>
         <p:spPr>
           <a:xfrm>
-            <a:off x="5458691" y="2405008"/>
-            <a:ext cx="4664363" cy="382412"/>
+            <a:off x="6659749" y="1994197"/>
+            <a:ext cx="2940082" cy="3573286"/>
           </a:xfrm>
           <a:prstGeom prst="rect">
             <a:avLst/>
@@ -16973,15 +16237,93 @@
           <a:p>
             <a:r>
               <a:rPr lang="en-US" dirty="0"/>
-              <a:t>: O : represent Normal ordering. </a:t>
-            </a:r>
+              <a:t>Interacting nucleons</a:t>
+            </a:r>
+          </a:p>
+          <a:p>
+            <a:pPr marL="285750" indent="-285750">
+              <a:buFont typeface="Wingdings" panose="05000000000000000000" pitchFamily="2" charset="2"/>
+              <a:buChar char="à"/>
+            </a:pPr>
+            <a:r>
+              <a:rPr lang="en-US" dirty="0">
+                <a:sym typeface="Wingdings" panose="05000000000000000000" pitchFamily="2" charset="2"/>
+              </a:rPr>
+              <a:t>Nucleons interacts with auxiliary fields </a:t>
+            </a:r>
+          </a:p>
+          <a:p>
+            <a:r>
+              <a:rPr lang="en-US" dirty="0">
+                <a:sym typeface="Wingdings" panose="05000000000000000000" pitchFamily="2" charset="2"/>
+              </a:rPr>
+              <a:t>(no direct interaction between nucleons)</a:t>
+            </a:r>
+          </a:p>
+          <a:p>
+            <a:endParaRPr lang="en-US" dirty="0">
+              <a:sym typeface="Wingdings" panose="05000000000000000000" pitchFamily="2" charset="2"/>
+            </a:endParaRPr>
+          </a:p>
+          <a:p>
+            <a:r>
+              <a:rPr lang="en-US" dirty="0"/>
+              <a:t>computing fermion </a:t>
+            </a:r>
+          </a:p>
+          <a:p>
+            <a:r>
+              <a:rPr lang="en-US" dirty="0"/>
+              <a:t>Correlator amplitude</a:t>
+            </a:r>
+          </a:p>
+          <a:p>
+            <a:pPr marL="342900" indent="-342900">
+              <a:buFont typeface="Wingdings" panose="05000000000000000000" pitchFamily="2" charset="2"/>
+              <a:buChar char="à"/>
+            </a:pPr>
+            <a:r>
+              <a:rPr lang="en-US" dirty="0">
+                <a:sym typeface="Wingdings" panose="05000000000000000000" pitchFamily="2" charset="2"/>
+              </a:rPr>
+              <a:t>Integration </a:t>
+            </a:r>
+          </a:p>
+          <a:p>
+            <a:r>
+              <a:rPr lang="en-US" dirty="0">
+                <a:sym typeface="Wingdings" panose="05000000000000000000" pitchFamily="2" charset="2"/>
+              </a:rPr>
+              <a:t>    over auxiliary fields</a:t>
+            </a:r>
+          </a:p>
+          <a:p>
+            <a:pPr marL="342900" indent="-342900">
+              <a:buFont typeface="Wingdings" panose="05000000000000000000" pitchFamily="2" charset="2"/>
+              <a:buChar char="à"/>
+            </a:pPr>
+            <a:r>
+              <a:rPr lang="en-US" dirty="0">
+                <a:sym typeface="Wingdings" panose="05000000000000000000" pitchFamily="2" charset="2"/>
+              </a:rPr>
+              <a:t>M.C. integral</a:t>
+            </a:r>
+          </a:p>
+          <a:p>
+            <a:r>
+              <a:rPr lang="en-US" dirty="0">
+                <a:sym typeface="Wingdings" panose="05000000000000000000" pitchFamily="2" charset="2"/>
+              </a:rPr>
+              <a:t>  (sampling auxiliary field)</a:t>
+            </a:r>
+            <a:endParaRPr lang="en-US" dirty="0"/>
           </a:p>
         </p:txBody>
       </p:sp>
     </p:spTree>
     <p:extLst>
       <p:ext uri="{BB962C8B-B14F-4D97-AF65-F5344CB8AC3E}">
-        <p14:creationId xmlns:p14="http://schemas.microsoft.com/office/powerpoint/2010/main" val="299047788"/>
+        <p14:creationId xmlns:p14="http://schemas.microsoft.com/office/powerpoint/2010/main" val="3359985493"/>
       </p:ext>
     </p:extLst>
   </p:cSld>
@@ -17025,7 +16367,104 @@
           <a:p>
             <a:r>
               <a:rPr lang="en-US" altLang="ko-KR" dirty="0"/>
-              <a:t>Auxiliary Field Monte Carlo </a:t>
+              <a:t>Applications of NLEFT</a:t>
+            </a:r>
+            <a:endParaRPr lang="ko-KR" altLang="en-US" dirty="0"/>
+          </a:p>
+        </p:txBody>
+      </p:sp>
+      <p:sp>
+        <p:nvSpPr>
+          <p:cNvPr id="3" name="내용 개체 틀 2"/>
+          <p:cNvSpPr>
+            <a:spLocks noGrp="1"/>
+          </p:cNvSpPr>
+          <p:nvPr>
+            <p:ph idx="1"/>
+          </p:nvPr>
+        </p:nvSpPr>
+        <p:spPr/>
+        <p:txBody>
+          <a:bodyPr>
+            <a:normAutofit/>
+          </a:bodyPr>
+          <a:lstStyle/>
+          <a:p>
+            <a:r>
+              <a:rPr lang="en-US" altLang="ko-KR" dirty="0"/>
+              <a:t>Has been successfully applied to </a:t>
+            </a:r>
+          </a:p>
+          <a:p>
+            <a:pPr lvl="1"/>
+            <a:r>
+              <a:rPr lang="en-US" altLang="ko-KR" dirty="0"/>
+              <a:t>Nuclear matter, Cold atom, dilute fermion system</a:t>
+            </a:r>
+          </a:p>
+          <a:p>
+            <a:pPr lvl="1"/>
+            <a:r>
+              <a:rPr lang="en-US" altLang="ko-KR" dirty="0"/>
+              <a:t>Finite nuclei (A&lt;=50) </a:t>
+            </a:r>
+          </a:p>
+          <a:p>
+            <a:pPr lvl="1"/>
+            <a:r>
+              <a:rPr lang="en-US" altLang="ko-KR" dirty="0"/>
+              <a:t>First ab-initio calculation of Hoyle state</a:t>
+            </a:r>
+          </a:p>
+          <a:p>
+            <a:pPr lvl="1"/>
+            <a:r>
+              <a:rPr lang="en-US" altLang="ko-KR" dirty="0"/>
+              <a:t>Cluster structure of </a:t>
+            </a:r>
+            <a:r>
+              <a:rPr lang="en-US" altLang="ko-KR" baseline="30000" dirty="0"/>
+              <a:t>12</a:t>
+            </a:r>
+            <a:r>
+              <a:rPr lang="en-US" altLang="ko-KR" dirty="0"/>
+              <a:t>C and </a:t>
+            </a:r>
+            <a:r>
+              <a:rPr lang="en-US" altLang="ko-KR" baseline="30000" dirty="0"/>
+              <a:t>16</a:t>
+            </a:r>
+            <a:r>
+              <a:rPr lang="en-US" altLang="ko-KR" dirty="0"/>
+              <a:t>O</a:t>
+            </a:r>
+          </a:p>
+          <a:p>
+            <a:pPr lvl="1"/>
+            <a:r>
+              <a:rPr lang="en-US" altLang="ko-KR" dirty="0"/>
+              <a:t>NN scattering, N-D scattering</a:t>
+            </a:r>
+          </a:p>
+          <a:p>
+            <a:pPr lvl="1"/>
+            <a:r>
+              <a:rPr lang="en-US" altLang="ko-KR" dirty="0"/>
+              <a:t>Alpha-alpha scattering</a:t>
+            </a:r>
+          </a:p>
+          <a:p>
+            <a:pPr lvl="1"/>
+            <a:r>
+              <a:rPr lang="en-US" altLang="ko-KR" dirty="0"/>
+              <a:t>radiative capture, fusion </a:t>
+            </a:r>
+          </a:p>
+          <a:p>
+            <a:pPr lvl="1"/>
+            <a:r>
+              <a:rPr lang="en-US" altLang="ko-KR" dirty="0"/>
+              <a:t>Etc. </a:t>
             </a:r>
             <a:endParaRPr lang="ko-KR" altLang="en-US" dirty="0"/>
           </a:p>
@@ -17033,7 +16472,7 @@
       </p:sp>
       <p:pic>
         <p:nvPicPr>
-          <p:cNvPr id="17410" name="Picture 2"/>
+          <p:cNvPr id="4" name="Picture 2"/>
           <p:cNvPicPr>
             <a:picLocks noChangeAspect="1" noChangeArrowheads="1"/>
           </p:cNvPicPr>
@@ -17054,8 +16493,8 @@
         </p:blipFill>
         <p:spPr bwMode="auto">
           <a:xfrm>
-            <a:off x="621947" y="1524000"/>
-            <a:ext cx="4114800" cy="1402773"/>
+            <a:off x="7033379" y="1911886"/>
+            <a:ext cx="1773316" cy="2054052"/>
           </a:xfrm>
           <a:prstGeom prst="rect">
             <a:avLst/>
@@ -17087,14 +16526,14 @@
       </p:pic>
       <p:pic>
         <p:nvPicPr>
-          <p:cNvPr id="17411" name="Picture 3"/>
+          <p:cNvPr id="5" name="Picture 5"/>
           <p:cNvPicPr>
             <a:picLocks noChangeAspect="1" noChangeArrowheads="1"/>
           </p:cNvPicPr>
           <p:nvPr/>
         </p:nvPicPr>
         <p:blipFill>
-          <a:blip r:embed="rId3" cstate="print">
+          <a:blip r:embed="rId3">
             <a:extLst>
               <a:ext uri="{28A0092B-C50C-407E-A947-70E740481C1C}">
                 <a14:useLocalDpi xmlns:a14="http://schemas.microsoft.com/office/drawing/2010/main" val="0"/>
@@ -17108,8 +16547,8 @@
         </p:blipFill>
         <p:spPr bwMode="auto">
           <a:xfrm>
-            <a:off x="3190780" y="3909436"/>
-            <a:ext cx="2755511" cy="2246169"/>
+            <a:off x="6781801" y="3916871"/>
+            <a:ext cx="3038475" cy="464293"/>
           </a:xfrm>
           <a:prstGeom prst="rect">
             <a:avLst/>
@@ -17139,16 +16578,111 @@
           </a:extLst>
         </p:spPr>
       </p:pic>
+      <p:sp>
+        <p:nvSpPr>
+          <p:cNvPr id="6" name="TextBox 5"/>
+          <p:cNvSpPr txBox="1"/>
+          <p:nvPr/>
+        </p:nvSpPr>
+        <p:spPr>
+          <a:xfrm>
+            <a:off x="6781801" y="1516859"/>
+            <a:ext cx="2076291" cy="430887"/>
+          </a:xfrm>
+          <a:prstGeom prst="rect">
+            <a:avLst/>
+          </a:prstGeom>
+          <a:noFill/>
+        </p:spPr>
+        <p:txBody>
+          <a:bodyPr wrap="square" rtlCol="0">
+            <a:spAutoFit/>
+          </a:bodyPr>
+          <a:lstStyle/>
+          <a:p>
+            <a:r>
+              <a:rPr lang="en-US" altLang="ko-KR" sz="1100" dirty="0"/>
+              <a:t>The first ab-initio calculation of </a:t>
+            </a:r>
+          </a:p>
+          <a:p>
+            <a:r>
+              <a:rPr lang="en-US" altLang="ko-KR" sz="1100" dirty="0"/>
+              <a:t>Hoyle state</a:t>
+            </a:r>
+            <a:endParaRPr lang="ko-KR" altLang="en-US" sz="1100" dirty="0"/>
+          </a:p>
+        </p:txBody>
+      </p:sp>
       <p:pic>
         <p:nvPicPr>
-          <p:cNvPr id="6" name="Picture 2"/>
+          <p:cNvPr id="7" name="그림 6"/>
+          <p:cNvPicPr>
+            <a:picLocks noChangeAspect="1"/>
+          </p:cNvPicPr>
+          <p:nvPr/>
+        </p:nvPicPr>
+        <p:blipFill>
+          <a:blip r:embed="rId4"/>
+          <a:stretch>
+            <a:fillRect/>
+          </a:stretch>
+        </p:blipFill>
+        <p:spPr>
+          <a:xfrm>
+            <a:off x="651015" y="4944629"/>
+            <a:ext cx="1839196" cy="1648691"/>
+          </a:xfrm>
+          <a:prstGeom prst="rect">
+            <a:avLst/>
+          </a:prstGeom>
+        </p:spPr>
+      </p:pic>
+      <p:sp>
+        <p:nvSpPr>
+          <p:cNvPr id="8" name="TextBox 7"/>
+          <p:cNvSpPr txBox="1"/>
+          <p:nvPr/>
+        </p:nvSpPr>
+        <p:spPr>
+          <a:xfrm>
+            <a:off x="4717295" y="6092825"/>
+            <a:ext cx="4054764" cy="672492"/>
+          </a:xfrm>
+          <a:prstGeom prst="rect">
+            <a:avLst/>
+          </a:prstGeom>
+          <a:noFill/>
+        </p:spPr>
+        <p:txBody>
+          <a:bodyPr wrap="square" rtlCol="0">
+            <a:spAutoFit/>
+          </a:bodyPr>
+          <a:lstStyle/>
+          <a:p>
+            <a:r>
+              <a:rPr lang="en-US" dirty="0"/>
+              <a:t>Ab initio alpha-alpha scattering</a:t>
+            </a:r>
+          </a:p>
+          <a:p>
+            <a:r>
+              <a:rPr lang="en-US" dirty="0"/>
+              <a:t>( Nature 528, 111-114(2015))</a:t>
+            </a:r>
+          </a:p>
+        </p:txBody>
+      </p:sp>
+      <p:pic>
+        <p:nvPicPr>
+          <p:cNvPr id="9" name="Picture 2" descr="figure 4"/>
           <p:cNvPicPr>
             <a:picLocks noChangeAspect="1" noChangeArrowheads="1"/>
           </p:cNvPicPr>
           <p:nvPr/>
         </p:nvPicPr>
         <p:blipFill>
-          <a:blip r:embed="rId4" cstate="print">
+          <a:blip r:embed="rId5" cstate="print">
             <a:extLst>
               <a:ext uri="{28A0092B-C50C-407E-A947-70E740481C1C}">
                 <a14:useLocalDpi xmlns:a14="http://schemas.microsoft.com/office/drawing/2010/main" val="0"/>
@@ -17162,148 +16696,28 @@
         </p:blipFill>
         <p:spPr bwMode="auto">
           <a:xfrm>
-            <a:off x="96175" y="3683073"/>
-            <a:ext cx="2939319" cy="2413144"/>
+            <a:off x="2762368" y="5188675"/>
+            <a:ext cx="1650882" cy="1460488"/>
           </a:xfrm>
           <a:prstGeom prst="rect">
             <a:avLst/>
           </a:prstGeom>
           <a:noFill/>
-          <a:ln>
-            <a:noFill/>
-          </a:ln>
           <a:extLst>
             <a:ext uri="{909E8E84-426E-40DD-AFC4-6F175D3DCCD1}">
               <a14:hiddenFill xmlns:a14="http://schemas.microsoft.com/office/drawing/2010/main">
                 <a:solidFill>
-                  <a:schemeClr val="accent1"/>
+                  <a:srgbClr val="FFFFFF"/>
                 </a:solidFill>
               </a14:hiddenFill>
             </a:ext>
-            <a:ext uri="{91240B29-F687-4F45-9708-019B960494DF}">
-              <a14:hiddenLine xmlns:a14="http://schemas.microsoft.com/office/drawing/2010/main" w="9525">
-                <a:solidFill>
-                  <a:schemeClr val="tx1"/>
-                </a:solidFill>
-                <a:miter lim="800000"/>
-                <a:headEnd/>
-                <a:tailEnd/>
-              </a14:hiddenLine>
-            </a:ext>
           </a:extLst>
         </p:spPr>
       </p:pic>
-      <p:sp>
-        <p:nvSpPr>
-          <p:cNvPr id="7" name="TextBox 6"/>
-          <p:cNvSpPr txBox="1"/>
-          <p:nvPr/>
-        </p:nvSpPr>
-        <p:spPr>
-          <a:xfrm>
-            <a:off x="6659749" y="1994197"/>
-            <a:ext cx="2940082" cy="3573286"/>
-          </a:xfrm>
-          <a:prstGeom prst="rect">
-            <a:avLst/>
-          </a:prstGeom>
-          <a:noFill/>
-        </p:spPr>
-        <p:txBody>
-          <a:bodyPr wrap="square" rtlCol="0">
-            <a:spAutoFit/>
-          </a:bodyPr>
-          <a:lstStyle/>
-          <a:p>
-            <a:r>
-              <a:rPr lang="en-US" dirty="0"/>
-              <a:t>Interacting nucleons</a:t>
-            </a:r>
-          </a:p>
-          <a:p>
-            <a:pPr marL="285750" indent="-285750">
-              <a:buFont typeface="Wingdings" panose="05000000000000000000" pitchFamily="2" charset="2"/>
-              <a:buChar char="à"/>
-            </a:pPr>
-            <a:r>
-              <a:rPr lang="en-US" dirty="0">
-                <a:sym typeface="Wingdings" panose="05000000000000000000" pitchFamily="2" charset="2"/>
-              </a:rPr>
-              <a:t>Nucleons interacts with auxiliary fields </a:t>
-            </a:r>
-          </a:p>
-          <a:p>
-            <a:r>
-              <a:rPr lang="en-US" dirty="0">
-                <a:sym typeface="Wingdings" panose="05000000000000000000" pitchFamily="2" charset="2"/>
-              </a:rPr>
-              <a:t>(no direct interaction between nucleons)</a:t>
-            </a:r>
-          </a:p>
-          <a:p>
-            <a:endParaRPr lang="en-US" dirty="0">
-              <a:sym typeface="Wingdings" panose="05000000000000000000" pitchFamily="2" charset="2"/>
-            </a:endParaRPr>
-          </a:p>
-          <a:p>
-            <a:r>
-              <a:rPr lang="en-US" dirty="0"/>
-              <a:t>computing fermion </a:t>
-            </a:r>
-          </a:p>
-          <a:p>
-            <a:r>
-              <a:rPr lang="en-US" dirty="0"/>
-              <a:t>Correlator amplitude</a:t>
-            </a:r>
-          </a:p>
-          <a:p>
-            <a:pPr marL="342900" indent="-342900">
-              <a:buFont typeface="Wingdings" panose="05000000000000000000" pitchFamily="2" charset="2"/>
-              <a:buChar char="à"/>
-            </a:pPr>
-            <a:r>
-              <a:rPr lang="en-US" dirty="0">
-                <a:sym typeface="Wingdings" panose="05000000000000000000" pitchFamily="2" charset="2"/>
-              </a:rPr>
-              <a:t>Integration </a:t>
-            </a:r>
-          </a:p>
-          <a:p>
-            <a:r>
-              <a:rPr lang="en-US" dirty="0">
-                <a:sym typeface="Wingdings" panose="05000000000000000000" pitchFamily="2" charset="2"/>
-              </a:rPr>
-              <a:t>    over auxiliary fields</a:t>
-            </a:r>
-          </a:p>
-          <a:p>
-            <a:pPr marL="342900" indent="-342900">
-              <a:buFont typeface="Wingdings" panose="05000000000000000000" pitchFamily="2" charset="2"/>
-              <a:buChar char="à"/>
-            </a:pPr>
-            <a:r>
-              <a:rPr lang="en-US" dirty="0">
-                <a:sym typeface="Wingdings" panose="05000000000000000000" pitchFamily="2" charset="2"/>
-              </a:rPr>
-              <a:t>M.C. integral</a:t>
-            </a:r>
-          </a:p>
-          <a:p>
-            <a:r>
-              <a:rPr lang="en-US" dirty="0">
-                <a:sym typeface="Wingdings" panose="05000000000000000000" pitchFamily="2" charset="2"/>
-              </a:rPr>
-              <a:t>  (sampling auxiliary field)</a:t>
-            </a:r>
-            <a:endParaRPr lang="en-US" dirty="0"/>
-          </a:p>
-        </p:txBody>
-      </p:sp>
     </p:spTree>
     <p:extLst>
       <p:ext uri="{BB962C8B-B14F-4D97-AF65-F5344CB8AC3E}">
-        <p14:creationId xmlns:p14="http://schemas.microsoft.com/office/powerpoint/2010/main" val="3359985493"/>
+        <p14:creationId xmlns:p14="http://schemas.microsoft.com/office/powerpoint/2010/main" val="1704173059"/>
       </p:ext>
     </p:extLst>
   </p:cSld>
